--- a/使用Protégé建立中国传统医学本体模型.pptx
+++ b/使用Protégé建立中国传统医学本体模型.pptx
@@ -5,10 +5,11 @@
     <p:sldMasterId id="2147483684" r:id="rId1"/>
   </p:sldMasterIdLst>
   <p:notesMasterIdLst>
-    <p:notesMasterId r:id="rId3"/>
+    <p:notesMasterId r:id="rId4"/>
   </p:notesMasterIdLst>
   <p:sldIdLst>
     <p:sldId id="272" r:id="rId2"/>
+    <p:sldId id="273" r:id="rId3"/>
   </p:sldIdLst>
   <p:sldSz cx="12192000" cy="6858000"/>
   <p:notesSz cx="6858000" cy="9144000"/>
@@ -4895,6 +4896,421 @@
     <p:extLst>
       <p:ext uri="{BB962C8B-B14F-4D97-AF65-F5344CB8AC3E}">
         <p14:creationId xmlns:p14="http://schemas.microsoft.com/office/powerpoint/2010/main" val="3549628654"/>
+      </p:ext>
+    </p:extLst>
+  </p:cSld>
+  <p:clrMapOvr>
+    <a:masterClrMapping/>
+  </p:clrMapOvr>
+  <mc:AlternateContent xmlns:mc="http://schemas.openxmlformats.org/markup-compatibility/2006" xmlns:p14="http://schemas.microsoft.com/office/powerpoint/2010/main">
+    <mc:Choice Requires="p14">
+      <p:transition spd="med" p14:dur="700">
+        <p:fade/>
+      </p:transition>
+    </mc:Choice>
+    <mc:Fallback xmlns="">
+      <p:transition spd="med">
+        <p:fade/>
+      </p:transition>
+    </mc:Fallback>
+  </mc:AlternateContent>
+</p:sld>
+</file>
+
+<file path=ppt/slides/slide2.xml><?xml version="1.0" encoding="utf-8"?>
+<p:sld xmlns:a="http://schemas.openxmlformats.org/drawingml/2006/main" xmlns:r="http://schemas.openxmlformats.org/officeDocument/2006/relationships" xmlns:p="http://schemas.openxmlformats.org/presentationml/2006/main">
+  <p:cSld>
+    <p:spTree>
+      <p:nvGrpSpPr>
+        <p:cNvPr id="1" name=""/>
+        <p:cNvGrpSpPr/>
+        <p:nvPr/>
+      </p:nvGrpSpPr>
+      <p:grpSpPr>
+        <a:xfrm>
+          <a:off x="0" y="0"/>
+          <a:ext cx="0" cy="0"/>
+          <a:chOff x="0" y="0"/>
+          <a:chExt cx="0" cy="0"/>
+        </a:xfrm>
+      </p:grpSpPr>
+      <p:sp>
+        <p:nvSpPr>
+          <p:cNvPr id="2" name="Title 1">
+            <a:extLst>
+              <a:ext uri="{FF2B5EF4-FFF2-40B4-BE49-F238E27FC236}">
+                <a16:creationId xmlns:a16="http://schemas.microsoft.com/office/drawing/2014/main" id="{1B92CBA4-4105-5FD9-C038-9DC37DDBB739}"/>
+              </a:ext>
+            </a:extLst>
+          </p:cNvPr>
+          <p:cNvSpPr>
+            <a:spLocks noGrp="1"/>
+          </p:cNvSpPr>
+          <p:nvPr>
+            <p:ph type="title"/>
+          </p:nvPr>
+        </p:nvSpPr>
+        <p:spPr/>
+        <p:txBody>
+          <a:bodyPr/>
+          <a:lstStyle/>
+          <a:p>
+            <a:r>
+              <a:rPr lang="zh-CN" altLang="en-US" dirty="0"/>
+              <a:t>主要内容与建模结构</a:t>
+            </a:r>
+            <a:endParaRPr lang="en-US" dirty="0"/>
+          </a:p>
+        </p:txBody>
+      </p:sp>
+      <p:sp>
+        <p:nvSpPr>
+          <p:cNvPr id="3" name="Content Placeholder 2">
+            <a:extLst>
+              <a:ext uri="{FF2B5EF4-FFF2-40B4-BE49-F238E27FC236}">
+                <a16:creationId xmlns:a16="http://schemas.microsoft.com/office/drawing/2014/main" id="{033741D5-49EE-B796-8803-C0468C6FA7DA}"/>
+              </a:ext>
+            </a:extLst>
+          </p:cNvPr>
+          <p:cNvSpPr>
+            <a:spLocks noGrp="1"/>
+          </p:cNvSpPr>
+          <p:nvPr>
+            <p:ph idx="1"/>
+          </p:nvPr>
+        </p:nvSpPr>
+        <p:spPr/>
+        <p:txBody>
+          <a:bodyPr/>
+          <a:lstStyle/>
+          <a:p>
+            <a:r>
+              <a:rPr lang="zh-CN" altLang="en-US" dirty="0"/>
+              <a:t>文件保存与代码仓库（</a:t>
+            </a:r>
+            <a:r>
+              <a:rPr lang="en-US" altLang="zh-CN" dirty="0"/>
+              <a:t>GitHub, Gitee</a:t>
+            </a:r>
+            <a:r>
+              <a:rPr lang="zh-CN" altLang="en-US" dirty="0"/>
+              <a:t>）</a:t>
+            </a:r>
+            <a:endParaRPr lang="en-US" altLang="zh-CN" dirty="0"/>
+          </a:p>
+          <a:p>
+            <a:r>
+              <a:rPr lang="zh-CN" altLang="en-US" dirty="0"/>
+              <a:t>中医的知识体系和信息的收集</a:t>
+            </a:r>
+            <a:endParaRPr lang="en-US" altLang="zh-CN" dirty="0"/>
+          </a:p>
+          <a:p>
+            <a:r>
+              <a:rPr lang="en-US" dirty="0"/>
+              <a:t>Protégé</a:t>
+            </a:r>
+            <a:r>
+              <a:rPr lang="zh-CN" altLang="en-US" dirty="0"/>
+              <a:t>的本体模型（</a:t>
+            </a:r>
+            <a:r>
+              <a:rPr lang="en-US" altLang="zh-CN" dirty="0"/>
+              <a:t>Ontology</a:t>
+            </a:r>
+            <a:r>
+              <a:rPr lang="zh-CN" altLang="en-US" dirty="0"/>
+              <a:t>）的结构设计思路</a:t>
+            </a:r>
+            <a:endParaRPr lang="en-US" altLang="zh-CN" dirty="0"/>
+          </a:p>
+          <a:p>
+            <a:pPr lvl="1"/>
+            <a:r>
+              <a:rPr lang="en-US" dirty="0"/>
+              <a:t>Class vs Instance</a:t>
+            </a:r>
+          </a:p>
+          <a:p>
+            <a:pPr lvl="1"/>
+            <a:r>
+              <a:rPr lang="en-US" dirty="0"/>
+              <a:t>How to handle the relationships in Chinese Medicine context</a:t>
+            </a:r>
+          </a:p>
+          <a:p>
+            <a:r>
+              <a:rPr lang="zh-CN" altLang="en-US" dirty="0"/>
+              <a:t>本体模型的可视化</a:t>
+            </a:r>
+            <a:endParaRPr lang="en-US" altLang="zh-CN" dirty="0"/>
+          </a:p>
+          <a:p>
+            <a:r>
+              <a:rPr lang="zh-CN" altLang="en-US" dirty="0"/>
+              <a:t>本体模型的查询支持（</a:t>
+            </a:r>
+            <a:r>
+              <a:rPr lang="en-US" altLang="zh-CN" dirty="0"/>
+              <a:t>SPARQL</a:t>
+            </a:r>
+            <a:r>
+              <a:rPr lang="zh-CN" altLang="en-US" dirty="0"/>
+              <a:t>实施）</a:t>
+            </a:r>
+            <a:endParaRPr lang="en-US" altLang="zh-CN" dirty="0"/>
+          </a:p>
+          <a:p>
+            <a:r>
+              <a:rPr lang="zh-CN" altLang="en-US" dirty="0"/>
+              <a:t>介绍视频的安排</a:t>
+            </a:r>
+            <a:endParaRPr lang="en-US" dirty="0"/>
+          </a:p>
+        </p:txBody>
+      </p:sp>
+      <p:sp>
+        <p:nvSpPr>
+          <p:cNvPr id="4" name="Subtitle 4">
+            <a:extLst>
+              <a:ext uri="{FF2B5EF4-FFF2-40B4-BE49-F238E27FC236}">
+                <a16:creationId xmlns:a16="http://schemas.microsoft.com/office/drawing/2014/main" id="{9C1F6ACD-7944-3356-2ABA-3D8E04B4DFDF}"/>
+              </a:ext>
+            </a:extLst>
+          </p:cNvPr>
+          <p:cNvSpPr txBox="1">
+            <a:spLocks/>
+          </p:cNvSpPr>
+          <p:nvPr/>
+        </p:nvSpPr>
+        <p:spPr>
+          <a:xfrm>
+            <a:off x="609600" y="6350252"/>
+            <a:ext cx="10472928" cy="507748"/>
+          </a:xfrm>
+          <a:prstGeom prst="rect">
+            <a:avLst/>
+          </a:prstGeom>
+        </p:spPr>
+        <p:txBody>
+          <a:bodyPr vert="horz">
+            <a:normAutofit/>
+          </a:bodyPr>
+          <a:lstStyle>
+            <a:lvl1pPr marL="274320" indent="-274320" algn="l" rtl="0" eaLnBrk="1" latinLnBrk="0" hangingPunct="1">
+              <a:spcBef>
+                <a:spcPct val="20000"/>
+              </a:spcBef>
+              <a:buClr>
+                <a:schemeClr val="accent3">
+                  <a:lumMod val="50000"/>
+                </a:schemeClr>
+              </a:buClr>
+              <a:buSzPct val="95000"/>
+              <a:buFont typeface="Wingdings 2"/>
+              <a:buChar char=""/>
+              <a:defRPr kumimoji="0" sz="2600" kern="1200">
+                <a:solidFill>
+                  <a:schemeClr val="tx1"/>
+                </a:solidFill>
+                <a:latin typeface="+mn-lt"/>
+                <a:ea typeface="+mn-ea"/>
+                <a:cs typeface="+mn-cs"/>
+              </a:defRPr>
+            </a:lvl1pPr>
+            <a:lvl2pPr marL="640080" indent="-246888" algn="l" rtl="0" eaLnBrk="1" latinLnBrk="0" hangingPunct="1">
+              <a:spcBef>
+                <a:spcPct val="20000"/>
+              </a:spcBef>
+              <a:buClr>
+                <a:schemeClr val="accent1">
+                  <a:lumMod val="50000"/>
+                </a:schemeClr>
+              </a:buClr>
+              <a:buSzPct val="85000"/>
+              <a:buFont typeface="Wingdings 2"/>
+              <a:buChar char=""/>
+              <a:defRPr kumimoji="0" sz="2400" kern="1200">
+                <a:solidFill>
+                  <a:schemeClr val="tx1"/>
+                </a:solidFill>
+                <a:latin typeface="+mn-lt"/>
+                <a:ea typeface="+mn-ea"/>
+                <a:cs typeface="+mn-cs"/>
+              </a:defRPr>
+            </a:lvl2pPr>
+            <a:lvl3pPr marL="914400" indent="-246888" algn="l" rtl="0" eaLnBrk="1" latinLnBrk="0" hangingPunct="1">
+              <a:spcBef>
+                <a:spcPct val="20000"/>
+              </a:spcBef>
+              <a:buClr>
+                <a:schemeClr val="accent2">
+                  <a:lumMod val="50000"/>
+                </a:schemeClr>
+              </a:buClr>
+              <a:buSzPct val="70000"/>
+              <a:buFont typeface="Wingdings 2"/>
+              <a:buChar char=""/>
+              <a:defRPr kumimoji="0" sz="2100" kern="1200">
+                <a:solidFill>
+                  <a:schemeClr val="tx1"/>
+                </a:solidFill>
+                <a:latin typeface="+mn-lt"/>
+                <a:ea typeface="+mn-ea"/>
+                <a:cs typeface="+mn-cs"/>
+              </a:defRPr>
+            </a:lvl3pPr>
+            <a:lvl4pPr marL="1188720" indent="-210312" algn="l" rtl="0" eaLnBrk="1" latinLnBrk="0" hangingPunct="1">
+              <a:spcBef>
+                <a:spcPct val="20000"/>
+              </a:spcBef>
+              <a:buClr>
+                <a:schemeClr val="accent3">
+                  <a:lumMod val="50000"/>
+                </a:schemeClr>
+              </a:buClr>
+              <a:buSzPct val="65000"/>
+              <a:buFont typeface="Wingdings 2"/>
+              <a:buChar char=""/>
+              <a:defRPr kumimoji="0" sz="2000" kern="1200">
+                <a:solidFill>
+                  <a:schemeClr val="tx1"/>
+                </a:solidFill>
+                <a:latin typeface="+mn-lt"/>
+                <a:ea typeface="+mn-ea"/>
+                <a:cs typeface="+mn-cs"/>
+              </a:defRPr>
+            </a:lvl4pPr>
+            <a:lvl5pPr marL="1463040" indent="-210312" algn="l" rtl="0" eaLnBrk="1" latinLnBrk="0" hangingPunct="1">
+              <a:spcBef>
+                <a:spcPct val="20000"/>
+              </a:spcBef>
+              <a:buClr>
+                <a:schemeClr val="accent4">
+                  <a:lumMod val="75000"/>
+                </a:schemeClr>
+              </a:buClr>
+              <a:buSzPct val="65000"/>
+              <a:buFont typeface="Wingdings 2"/>
+              <a:buChar char=""/>
+              <a:defRPr kumimoji="0" sz="2000" kern="1200">
+                <a:solidFill>
+                  <a:schemeClr val="tx1"/>
+                </a:solidFill>
+                <a:latin typeface="+mn-lt"/>
+                <a:ea typeface="+mn-ea"/>
+                <a:cs typeface="+mn-cs"/>
+              </a:defRPr>
+            </a:lvl5pPr>
+            <a:lvl6pPr marL="1737360" indent="-210312" algn="l" rtl="0" eaLnBrk="1" latinLnBrk="0" hangingPunct="1">
+              <a:spcBef>
+                <a:spcPct val="20000"/>
+              </a:spcBef>
+              <a:buClr>
+                <a:schemeClr val="accent5">
+                  <a:lumMod val="50000"/>
+                </a:schemeClr>
+              </a:buClr>
+              <a:buSzPct val="80000"/>
+              <a:buFont typeface="Wingdings 2"/>
+              <a:buChar char=""/>
+              <a:defRPr kumimoji="0" sz="1800" kern="1200">
+                <a:solidFill>
+                  <a:schemeClr val="tx1"/>
+                </a:solidFill>
+                <a:latin typeface="+mn-lt"/>
+                <a:ea typeface="+mn-ea"/>
+                <a:cs typeface="+mn-cs"/>
+              </a:defRPr>
+            </a:lvl6pPr>
+            <a:lvl7pPr marL="1920240" indent="-182880" algn="l" rtl="0" eaLnBrk="1" latinLnBrk="0" hangingPunct="1">
+              <a:spcBef>
+                <a:spcPct val="20000"/>
+              </a:spcBef>
+              <a:buClr>
+                <a:schemeClr val="accent6">
+                  <a:lumMod val="75000"/>
+                </a:schemeClr>
+              </a:buClr>
+              <a:buSzPct val="80000"/>
+              <a:buFont typeface="Wingdings 2"/>
+              <a:buChar char=""/>
+              <a:defRPr kumimoji="0" sz="1600" kern="1200" baseline="0">
+                <a:solidFill>
+                  <a:schemeClr val="tx1"/>
+                </a:solidFill>
+                <a:latin typeface="+mn-lt"/>
+                <a:ea typeface="+mn-ea"/>
+                <a:cs typeface="+mn-cs"/>
+              </a:defRPr>
+            </a:lvl7pPr>
+            <a:lvl8pPr marL="2194560" indent="-182880" algn="l" rtl="0" eaLnBrk="1" latinLnBrk="0" hangingPunct="1">
+              <a:spcBef>
+                <a:spcPct val="20000"/>
+              </a:spcBef>
+              <a:buClr>
+                <a:schemeClr val="tx2"/>
+              </a:buClr>
+              <a:buChar char="•"/>
+              <a:defRPr kumimoji="0" sz="1600" kern="1200">
+                <a:solidFill>
+                  <a:schemeClr val="tx1"/>
+                </a:solidFill>
+                <a:latin typeface="+mn-lt"/>
+                <a:ea typeface="+mn-ea"/>
+                <a:cs typeface="+mn-cs"/>
+              </a:defRPr>
+            </a:lvl8pPr>
+            <a:lvl9pPr marL="2286000" indent="0" algn="l" rtl="0" eaLnBrk="1" latinLnBrk="0" hangingPunct="1">
+              <a:spcBef>
+                <a:spcPct val="20000"/>
+              </a:spcBef>
+              <a:buClr>
+                <a:schemeClr val="tx2"/>
+              </a:buClr>
+              <a:buFontTx/>
+              <a:buNone/>
+              <a:defRPr kumimoji="0" sz="1400" kern="1200" baseline="0">
+                <a:solidFill>
+                  <a:schemeClr val="tx1"/>
+                </a:solidFill>
+                <a:latin typeface="+mn-lt"/>
+                <a:ea typeface="+mn-ea"/>
+                <a:cs typeface="+mn-cs"/>
+              </a:defRPr>
+            </a:lvl9pPr>
+          </a:lstStyle>
+          <a:p>
+            <a:pPr marL="0" indent="0">
+              <a:buNone/>
+            </a:pPr>
+            <a:r>
+              <a:rPr lang="en-US" dirty="0"/>
+              <a:t>Xiaoqi Zhao (</a:t>
+            </a:r>
+            <a:r>
+              <a:rPr lang="en-US" dirty="0">
+                <a:hlinkClick r:id="rId2"/>
+              </a:rPr>
+              <a:t>xiaoqizhao@outlook.com</a:t>
+            </a:r>
+            <a:r>
+              <a:rPr lang="en-US" dirty="0"/>
+              <a:t>)</a:t>
+            </a:r>
+          </a:p>
+          <a:p>
+            <a:pPr marL="0" indent="0">
+              <a:buNone/>
+            </a:pPr>
+            <a:endParaRPr lang="en-US" dirty="0"/>
+          </a:p>
+        </p:txBody>
+      </p:sp>
+    </p:spTree>
+    <p:extLst>
+      <p:ext uri="{BB962C8B-B14F-4D97-AF65-F5344CB8AC3E}">
+        <p14:creationId xmlns:p14="http://schemas.microsoft.com/office/powerpoint/2010/main" val="2748547115"/>
       </p:ext>
     </p:extLst>
   </p:cSld>

--- a/使用Protégé建立中国传统医学本体模型.pptx
+++ b/使用Protégé建立中国传统医学本体模型.pptx
@@ -5,11 +5,12 @@
     <p:sldMasterId id="2147483684" r:id="rId1"/>
   </p:sldMasterIdLst>
   <p:notesMasterIdLst>
-    <p:notesMasterId r:id="rId4"/>
+    <p:notesMasterId r:id="rId5"/>
   </p:notesMasterIdLst>
   <p:sldIdLst>
     <p:sldId id="272" r:id="rId2"/>
     <p:sldId id="273" r:id="rId3"/>
+    <p:sldId id="274" r:id="rId4"/>
   </p:sldIdLst>
   <p:sldSz cx="12192000" cy="6858000"/>
   <p:notesSz cx="6858000" cy="9144000"/>
@@ -198,7 +199,7 @@
           <a:p>
             <a:fld id="{71BD4573-58E7-4156-A133-2731F5F8D1A6}" type="datetimeFigureOut">
               <a:rPr lang="en-US" smtClean="0"/>
-              <a:t>11/21/2023</a:t>
+              <a:t>11/26/2023</a:t>
             </a:fld>
             <a:endParaRPr lang="en-US"/>
           </a:p>
@@ -540,6 +541,90 @@
     <p:extLst>
       <p:ext uri="{BB962C8B-B14F-4D97-AF65-F5344CB8AC3E}">
         <p14:creationId xmlns:p14="http://schemas.microsoft.com/office/powerpoint/2010/main" val="1495133884"/>
+      </p:ext>
+    </p:extLst>
+  </p:cSld>
+  <p:clrMapOvr>
+    <a:masterClrMapping/>
+  </p:clrMapOvr>
+</p:notes>
+</file>
+
+<file path=ppt/notesSlides/notesSlide2.xml><?xml version="1.0" encoding="utf-8"?>
+<p:notes xmlns:a="http://schemas.openxmlformats.org/drawingml/2006/main" xmlns:r="http://schemas.openxmlformats.org/officeDocument/2006/relationships" xmlns:p="http://schemas.openxmlformats.org/presentationml/2006/main">
+  <p:cSld>
+    <p:spTree>
+      <p:nvGrpSpPr>
+        <p:cNvPr id="1" name=""/>
+        <p:cNvGrpSpPr/>
+        <p:nvPr/>
+      </p:nvGrpSpPr>
+      <p:grpSpPr>
+        <a:xfrm>
+          <a:off x="0" y="0"/>
+          <a:ext cx="0" cy="0"/>
+          <a:chOff x="0" y="0"/>
+          <a:chExt cx="0" cy="0"/>
+        </a:xfrm>
+      </p:grpSpPr>
+      <p:sp>
+        <p:nvSpPr>
+          <p:cNvPr id="2" name="Slide Image Placeholder 1"/>
+          <p:cNvSpPr>
+            <a:spLocks noGrp="1" noRot="1" noChangeAspect="1"/>
+          </p:cNvSpPr>
+          <p:nvPr>
+            <p:ph type="sldImg"/>
+          </p:nvPr>
+        </p:nvSpPr>
+        <p:spPr/>
+      </p:sp>
+      <p:sp>
+        <p:nvSpPr>
+          <p:cNvPr id="3" name="Notes Placeholder 2"/>
+          <p:cNvSpPr>
+            <a:spLocks noGrp="1"/>
+          </p:cNvSpPr>
+          <p:nvPr>
+            <p:ph type="body" idx="1"/>
+          </p:nvPr>
+        </p:nvSpPr>
+        <p:spPr/>
+        <p:txBody>
+          <a:bodyPr/>
+          <a:lstStyle/>
+          <a:p>
+            <a:endParaRPr lang="en-US"/>
+          </a:p>
+        </p:txBody>
+      </p:sp>
+      <p:sp>
+        <p:nvSpPr>
+          <p:cNvPr id="4" name="Slide Number Placeholder 3"/>
+          <p:cNvSpPr>
+            <a:spLocks noGrp="1"/>
+          </p:cNvSpPr>
+          <p:nvPr>
+            <p:ph type="sldNum" sz="quarter" idx="10"/>
+          </p:nvPr>
+        </p:nvSpPr>
+        <p:spPr/>
+        <p:txBody>
+          <a:bodyPr/>
+          <a:lstStyle/>
+          <a:p>
+            <a:fld id="{893B0CF2-7F87-4E02-A248-870047730F99}" type="slidenum">
+              <a:rPr lang="en-US" smtClean="0"/>
+              <a:t>3</a:t>
+            </a:fld>
+            <a:endParaRPr lang="en-US"/>
+          </a:p>
+        </p:txBody>
+      </p:sp>
+    </p:spTree>
+    <p:extLst>
+      <p:ext uri="{BB962C8B-B14F-4D97-AF65-F5344CB8AC3E}">
+        <p14:creationId xmlns:p14="http://schemas.microsoft.com/office/powerpoint/2010/main" val="1017453790"/>
       </p:ext>
     </p:extLst>
   </p:cSld>
@@ -863,7 +948,7 @@
           <a:p>
             <a:fld id="{021A1D30-C0A0-4124-A783-34D9F15FA0FE}" type="datetime1">
               <a:rPr lang="en-US" smtClean="0"/>
-              <a:t>11/21/2023</a:t>
+              <a:t>11/26/2023</a:t>
             </a:fld>
             <a:endParaRPr lang="en-US"/>
           </a:p>
@@ -1047,7 +1132,7 @@
           <a:p>
             <a:fld id="{8D2D5871-AB0F-4B3D-8861-97E78CB7B47E}" type="datetime1">
               <a:rPr lang="en-US" smtClean="0"/>
-              <a:t>11/21/2023</a:t>
+              <a:t>11/26/2023</a:t>
             </a:fld>
             <a:endParaRPr lang="en-US"/>
           </a:p>
@@ -1241,7 +1326,7 @@
           <a:p>
             <a:fld id="{14418406-4C3F-4F3E-80BD-A22568EA37EB}" type="datetime1">
               <a:rPr lang="en-US" smtClean="0"/>
-              <a:t>11/21/2023</a:t>
+              <a:t>11/26/2023</a:t>
             </a:fld>
             <a:endParaRPr lang="en-US"/>
           </a:p>
@@ -1425,7 +1510,7 @@
           <a:p>
             <a:fld id="{65F28077-7188-48C5-8679-2287FAC952E9}" type="datetime1">
               <a:rPr lang="en-US" smtClean="0"/>
-              <a:t>11/21/2023</a:t>
+              <a:t>11/26/2023</a:t>
             </a:fld>
             <a:endParaRPr lang="en-US"/>
           </a:p>
@@ -1672,7 +1757,7 @@
           <a:p>
             <a:fld id="{D2DCB740-6776-4EE9-99FD-96D592FA5A23}" type="datetime1">
               <a:rPr lang="en-US" smtClean="0"/>
-              <a:t>11/21/2023</a:t>
+              <a:t>11/26/2023</a:t>
             </a:fld>
             <a:endParaRPr lang="en-US"/>
           </a:p>
@@ -1955,7 +2040,7 @@
           <a:p>
             <a:fld id="{05F6BD99-6FFD-46C5-B5E2-43A34BDA2566}" type="datetime1">
               <a:rPr lang="en-US" smtClean="0"/>
-              <a:t>11/21/2023</a:t>
+              <a:t>11/26/2023</a:t>
             </a:fld>
             <a:endParaRPr lang="en-US"/>
           </a:p>
@@ -2352,7 +2437,7 @@
           <a:p>
             <a:fld id="{E022678E-214C-4CF8-97C7-95015FB02960}" type="datetime1">
               <a:rPr lang="en-US" smtClean="0"/>
-              <a:t>11/21/2023</a:t>
+              <a:t>11/26/2023</a:t>
             </a:fld>
             <a:endParaRPr lang="en-US"/>
           </a:p>
@@ -2521,7 +2606,7 @@
           <a:p>
             <a:fld id="{D55660E0-FA77-4473-A859-74127B089143}" type="datetime1">
               <a:rPr lang="en-US" smtClean="0"/>
-              <a:t>11/21/2023</a:t>
+              <a:t>11/26/2023</a:t>
             </a:fld>
             <a:endParaRPr lang="en-US"/>
           </a:p>
@@ -2631,7 +2716,7 @@
           <a:p>
             <a:fld id="{3188D7B8-9F07-4899-827D-5F3CFDDEB574}" type="datetime1">
               <a:rPr lang="en-US" smtClean="0"/>
-              <a:t>11/21/2023</a:t>
+              <a:t>11/26/2023</a:t>
             </a:fld>
             <a:endParaRPr lang="en-US"/>
           </a:p>
@@ -2911,7 +2996,7 @@
           <a:p>
             <a:fld id="{B5197C5C-1CD1-417D-A89C-14747F5222C7}" type="datetime1">
               <a:rPr lang="en-US" smtClean="0"/>
-              <a:t>11/21/2023</a:t>
+              <a:t>11/26/2023</a:t>
             </a:fld>
             <a:endParaRPr lang="en-US"/>
           </a:p>
@@ -3264,7 +3349,7 @@
           <a:p>
             <a:fld id="{1359EFBB-CFA1-4AA8-9123-F0B52DBD84FE}" type="datetime1">
               <a:rPr lang="en-US" smtClean="0"/>
-              <a:t>11/21/2023</a:t>
+              <a:t>11/26/2023</a:t>
             </a:fld>
             <a:endParaRPr lang="en-US"/>
           </a:p>
@@ -4298,7 +4383,7 @@
             <a:fld id="{61146459-E3C3-4969-9224-5ED50B492D17}" type="datetime1">
               <a:rPr lang="en-US" smtClean="0"/>
               <a:pPr/>
-              <a:t>11/21/2023</a:t>
+              <a:t>11/26/2023</a:t>
             </a:fld>
             <a:endParaRPr lang="en-US" dirty="0"/>
           </a:p>
@@ -5311,6 +5396,495 @@
     <p:extLst>
       <p:ext uri="{BB962C8B-B14F-4D97-AF65-F5344CB8AC3E}">
         <p14:creationId xmlns:p14="http://schemas.microsoft.com/office/powerpoint/2010/main" val="2748547115"/>
+      </p:ext>
+    </p:extLst>
+  </p:cSld>
+  <p:clrMapOvr>
+    <a:masterClrMapping/>
+  </p:clrMapOvr>
+  <mc:AlternateContent xmlns:mc="http://schemas.openxmlformats.org/markup-compatibility/2006" xmlns:p14="http://schemas.microsoft.com/office/powerpoint/2010/main">
+    <mc:Choice Requires="p14">
+      <p:transition spd="med" p14:dur="700">
+        <p:fade/>
+      </p:transition>
+    </mc:Choice>
+    <mc:Fallback xmlns="">
+      <p:transition spd="med">
+        <p:fade/>
+      </p:transition>
+    </mc:Fallback>
+  </mc:AlternateContent>
+</p:sld>
+</file>
+
+<file path=ppt/slides/slide3.xml><?xml version="1.0" encoding="utf-8"?>
+<p:sld xmlns:a="http://schemas.openxmlformats.org/drawingml/2006/main" xmlns:r="http://schemas.openxmlformats.org/officeDocument/2006/relationships" xmlns:p="http://schemas.openxmlformats.org/presentationml/2006/main">
+  <p:cSld>
+    <p:spTree>
+      <p:nvGrpSpPr>
+        <p:cNvPr id="1" name=""/>
+        <p:cNvGrpSpPr/>
+        <p:nvPr/>
+      </p:nvGrpSpPr>
+      <p:grpSpPr>
+        <a:xfrm>
+          <a:off x="0" y="0"/>
+          <a:ext cx="0" cy="0"/>
+          <a:chOff x="0" y="0"/>
+          <a:chExt cx="0" cy="0"/>
+        </a:xfrm>
+      </p:grpSpPr>
+      <p:sp>
+        <p:nvSpPr>
+          <p:cNvPr id="4" name="Title 3"/>
+          <p:cNvSpPr>
+            <a:spLocks noGrp="1"/>
+          </p:cNvSpPr>
+          <p:nvPr>
+            <p:ph type="ctrTitle"/>
+          </p:nvPr>
+        </p:nvSpPr>
+        <p:spPr>
+          <a:xfrm>
+            <a:off x="715264" y="349246"/>
+            <a:ext cx="10468864" cy="1828800"/>
+          </a:xfrm>
+        </p:spPr>
+        <p:txBody>
+          <a:bodyPr>
+            <a:normAutofit/>
+          </a:bodyPr>
+          <a:lstStyle/>
+          <a:p>
+            <a:r>
+              <a:rPr lang="zh-CN" altLang="en-US" sz="4400" dirty="0"/>
+              <a:t>使用</a:t>
+            </a:r>
+            <a:r>
+              <a:rPr lang="en-US" altLang="zh-CN" sz="4400" dirty="0"/>
+              <a:t>Protégé</a:t>
+            </a:r>
+            <a:r>
+              <a:rPr lang="zh-CN" altLang="en-US" sz="4400" dirty="0"/>
+              <a:t>建立中国传统医学本体模型</a:t>
+            </a:r>
+            <a:r>
+              <a:rPr lang="en-US" altLang="zh-CN" sz="4400" dirty="0"/>
+              <a:t>Ontology - 002</a:t>
+            </a:r>
+            <a:endParaRPr lang="en-US" sz="4400" dirty="0"/>
+          </a:p>
+        </p:txBody>
+      </p:sp>
+      <p:sp>
+        <p:nvSpPr>
+          <p:cNvPr id="5" name="Subtitle 4"/>
+          <p:cNvSpPr>
+            <a:spLocks noGrp="1"/>
+          </p:cNvSpPr>
+          <p:nvPr>
+            <p:ph type="subTitle" idx="1"/>
+          </p:nvPr>
+        </p:nvSpPr>
+        <p:spPr>
+          <a:xfrm>
+            <a:off x="9215718" y="5465590"/>
+            <a:ext cx="1968410" cy="498783"/>
+          </a:xfrm>
+        </p:spPr>
+        <p:txBody>
+          <a:bodyPr/>
+          <a:lstStyle/>
+          <a:p>
+            <a:r>
+              <a:rPr lang="en-US" dirty="0"/>
+              <a:t>Xiaoqi Zhao</a:t>
+            </a:r>
+          </a:p>
+          <a:p>
+            <a:endParaRPr lang="en-US" dirty="0"/>
+          </a:p>
+        </p:txBody>
+      </p:sp>
+      <p:sp>
+        <p:nvSpPr>
+          <p:cNvPr id="2" name="TextBox 1">
+            <a:extLst>
+              <a:ext uri="{FF2B5EF4-FFF2-40B4-BE49-F238E27FC236}">
+                <a16:creationId xmlns:a16="http://schemas.microsoft.com/office/drawing/2014/main" id="{73A66BBE-F179-5F48-8051-3672205AD659}"/>
+              </a:ext>
+            </a:extLst>
+          </p:cNvPr>
+          <p:cNvSpPr txBox="1"/>
+          <p:nvPr/>
+        </p:nvSpPr>
+        <p:spPr>
+          <a:xfrm>
+            <a:off x="1255058" y="5253317"/>
+            <a:ext cx="7207294" cy="923330"/>
+          </a:xfrm>
+          <a:prstGeom prst="rect">
+            <a:avLst/>
+          </a:prstGeom>
+          <a:solidFill>
+            <a:schemeClr val="accent3">
+              <a:lumMod val="20000"/>
+              <a:lumOff val="80000"/>
+            </a:schemeClr>
+          </a:solidFill>
+          <a:ln>
+            <a:solidFill>
+              <a:schemeClr val="bg2"/>
+            </a:solidFill>
+          </a:ln>
+        </p:spPr>
+        <p:txBody>
+          <a:bodyPr wrap="none" rtlCol="0">
+            <a:spAutoFit/>
+          </a:bodyPr>
+          <a:lstStyle/>
+          <a:p>
+            <a:r>
+              <a:rPr lang="en-US" dirty="0"/>
+              <a:t>GitHub: </a:t>
+            </a:r>
+            <a:r>
+              <a:rPr lang="en-US" dirty="0">
+                <a:hlinkClick r:id="rId3"/>
+              </a:rPr>
+              <a:t>https://github.com/yasenstar/Traditional_Chinese_Medicine</a:t>
+            </a:r>
+            <a:endParaRPr lang="en-US" dirty="0"/>
+          </a:p>
+          <a:p>
+            <a:endParaRPr lang="en-US" dirty="0"/>
+          </a:p>
+          <a:p>
+            <a:r>
+              <a:rPr lang="en-US" dirty="0"/>
+              <a:t>Gitee: </a:t>
+            </a:r>
+            <a:r>
+              <a:rPr lang="en-US" dirty="0">
+                <a:hlinkClick r:id="rId4"/>
+              </a:rPr>
+              <a:t>https://gitee.com/yasenstar/Traditional_Chinese_Medicine</a:t>
+            </a:r>
+            <a:endParaRPr lang="en-US" dirty="0"/>
+          </a:p>
+        </p:txBody>
+      </p:sp>
+      <p:sp>
+        <p:nvSpPr>
+          <p:cNvPr id="3" name="Subtitle 4">
+            <a:extLst>
+              <a:ext uri="{FF2B5EF4-FFF2-40B4-BE49-F238E27FC236}">
+                <a16:creationId xmlns:a16="http://schemas.microsoft.com/office/drawing/2014/main" id="{D39D7665-E3EE-818A-A445-2B1DE66F9A46}"/>
+              </a:ext>
+            </a:extLst>
+          </p:cNvPr>
+          <p:cNvSpPr txBox="1">
+            <a:spLocks/>
+          </p:cNvSpPr>
+          <p:nvPr/>
+        </p:nvSpPr>
+        <p:spPr>
+          <a:xfrm>
+            <a:off x="1443317" y="1928654"/>
+            <a:ext cx="5988423" cy="2751301"/>
+          </a:xfrm>
+          <a:prstGeom prst="rect">
+            <a:avLst/>
+          </a:prstGeom>
+        </p:spPr>
+        <p:txBody>
+          <a:bodyPr vert="horz" lIns="0" rIns="18288">
+            <a:normAutofit/>
+          </a:bodyPr>
+          <a:lstStyle>
+            <a:lvl1pPr marL="0" marR="45720" indent="0" algn="r" rtl="0" eaLnBrk="1" latinLnBrk="0" hangingPunct="1">
+              <a:spcBef>
+                <a:spcPct val="20000"/>
+              </a:spcBef>
+              <a:buClr>
+                <a:schemeClr val="accent3">
+                  <a:lumMod val="50000"/>
+                </a:schemeClr>
+              </a:buClr>
+              <a:buSzPct val="95000"/>
+              <a:buFont typeface="Wingdings 2"/>
+              <a:buNone/>
+              <a:defRPr kumimoji="0" sz="2600" kern="1200">
+                <a:solidFill>
+                  <a:schemeClr val="tx1"/>
+                </a:solidFill>
+                <a:latin typeface="+mn-lt"/>
+                <a:ea typeface="+mn-ea"/>
+                <a:cs typeface="+mn-cs"/>
+              </a:defRPr>
+            </a:lvl1pPr>
+            <a:lvl2pPr marL="457200" indent="0" algn="ctr" rtl="0" eaLnBrk="1" latinLnBrk="0" hangingPunct="1">
+              <a:spcBef>
+                <a:spcPct val="20000"/>
+              </a:spcBef>
+              <a:buClr>
+                <a:schemeClr val="accent1">
+                  <a:lumMod val="50000"/>
+                </a:schemeClr>
+              </a:buClr>
+              <a:buSzPct val="85000"/>
+              <a:buFont typeface="Wingdings 2"/>
+              <a:buNone/>
+              <a:defRPr kumimoji="0" sz="2400" kern="1200">
+                <a:solidFill>
+                  <a:schemeClr val="tx1"/>
+                </a:solidFill>
+                <a:latin typeface="+mn-lt"/>
+                <a:ea typeface="+mn-ea"/>
+                <a:cs typeface="+mn-cs"/>
+              </a:defRPr>
+            </a:lvl2pPr>
+            <a:lvl3pPr marL="914400" indent="0" algn="ctr" rtl="0" eaLnBrk="1" latinLnBrk="0" hangingPunct="1">
+              <a:spcBef>
+                <a:spcPct val="20000"/>
+              </a:spcBef>
+              <a:buClr>
+                <a:schemeClr val="accent2">
+                  <a:lumMod val="50000"/>
+                </a:schemeClr>
+              </a:buClr>
+              <a:buSzPct val="70000"/>
+              <a:buFont typeface="Wingdings 2"/>
+              <a:buNone/>
+              <a:defRPr kumimoji="0" sz="2100" kern="1200">
+                <a:solidFill>
+                  <a:schemeClr val="tx1"/>
+                </a:solidFill>
+                <a:latin typeface="+mn-lt"/>
+                <a:ea typeface="+mn-ea"/>
+                <a:cs typeface="+mn-cs"/>
+              </a:defRPr>
+            </a:lvl3pPr>
+            <a:lvl4pPr marL="1371600" indent="0" algn="ctr" rtl="0" eaLnBrk="1" latinLnBrk="0" hangingPunct="1">
+              <a:spcBef>
+                <a:spcPct val="20000"/>
+              </a:spcBef>
+              <a:buClr>
+                <a:schemeClr val="accent3">
+                  <a:lumMod val="50000"/>
+                </a:schemeClr>
+              </a:buClr>
+              <a:buSzPct val="65000"/>
+              <a:buFont typeface="Wingdings 2"/>
+              <a:buNone/>
+              <a:defRPr kumimoji="0" sz="2000" kern="1200">
+                <a:solidFill>
+                  <a:schemeClr val="tx1"/>
+                </a:solidFill>
+                <a:latin typeface="+mn-lt"/>
+                <a:ea typeface="+mn-ea"/>
+                <a:cs typeface="+mn-cs"/>
+              </a:defRPr>
+            </a:lvl4pPr>
+            <a:lvl5pPr marL="1828800" indent="0" algn="ctr" rtl="0" eaLnBrk="1" latinLnBrk="0" hangingPunct="1">
+              <a:spcBef>
+                <a:spcPct val="20000"/>
+              </a:spcBef>
+              <a:buClr>
+                <a:schemeClr val="accent4">
+                  <a:lumMod val="75000"/>
+                </a:schemeClr>
+              </a:buClr>
+              <a:buSzPct val="65000"/>
+              <a:buFont typeface="Wingdings 2"/>
+              <a:buNone/>
+              <a:defRPr kumimoji="0" sz="2000" kern="1200">
+                <a:solidFill>
+                  <a:schemeClr val="tx1"/>
+                </a:solidFill>
+                <a:latin typeface="+mn-lt"/>
+                <a:ea typeface="+mn-ea"/>
+                <a:cs typeface="+mn-cs"/>
+              </a:defRPr>
+            </a:lvl5pPr>
+            <a:lvl6pPr marL="2286000" indent="0" algn="ctr" rtl="0" eaLnBrk="1" latinLnBrk="0" hangingPunct="1">
+              <a:spcBef>
+                <a:spcPct val="20000"/>
+              </a:spcBef>
+              <a:buClr>
+                <a:schemeClr val="accent5">
+                  <a:lumMod val="50000"/>
+                </a:schemeClr>
+              </a:buClr>
+              <a:buSzPct val="80000"/>
+              <a:buFont typeface="Wingdings 2"/>
+              <a:buNone/>
+              <a:defRPr kumimoji="0" sz="1800" kern="1200">
+                <a:solidFill>
+                  <a:schemeClr val="tx1"/>
+                </a:solidFill>
+                <a:latin typeface="+mn-lt"/>
+                <a:ea typeface="+mn-ea"/>
+                <a:cs typeface="+mn-cs"/>
+              </a:defRPr>
+            </a:lvl6pPr>
+            <a:lvl7pPr marL="2743200" indent="0" algn="ctr" rtl="0" eaLnBrk="1" latinLnBrk="0" hangingPunct="1">
+              <a:spcBef>
+                <a:spcPct val="20000"/>
+              </a:spcBef>
+              <a:buClr>
+                <a:schemeClr val="accent6">
+                  <a:lumMod val="75000"/>
+                </a:schemeClr>
+              </a:buClr>
+              <a:buSzPct val="80000"/>
+              <a:buFont typeface="Wingdings 2"/>
+              <a:buNone/>
+              <a:defRPr kumimoji="0" sz="1600" kern="1200" baseline="0">
+                <a:solidFill>
+                  <a:schemeClr val="tx1"/>
+                </a:solidFill>
+                <a:latin typeface="+mn-lt"/>
+                <a:ea typeface="+mn-ea"/>
+                <a:cs typeface="+mn-cs"/>
+              </a:defRPr>
+            </a:lvl7pPr>
+            <a:lvl8pPr marL="3200400" indent="0" algn="ctr" rtl="0" eaLnBrk="1" latinLnBrk="0" hangingPunct="1">
+              <a:spcBef>
+                <a:spcPct val="20000"/>
+              </a:spcBef>
+              <a:buClr>
+                <a:schemeClr val="tx2"/>
+              </a:buClr>
+              <a:buNone/>
+              <a:defRPr kumimoji="0" sz="1600" kern="1200">
+                <a:solidFill>
+                  <a:schemeClr val="tx1"/>
+                </a:solidFill>
+                <a:latin typeface="+mn-lt"/>
+                <a:ea typeface="+mn-ea"/>
+                <a:cs typeface="+mn-cs"/>
+              </a:defRPr>
+            </a:lvl8pPr>
+            <a:lvl9pPr marL="3657600" indent="0" algn="ctr" rtl="0" eaLnBrk="1" latinLnBrk="0" hangingPunct="1">
+              <a:spcBef>
+                <a:spcPct val="20000"/>
+              </a:spcBef>
+              <a:buClr>
+                <a:schemeClr val="tx2"/>
+              </a:buClr>
+              <a:buFontTx/>
+              <a:buNone/>
+              <a:defRPr kumimoji="0" sz="1400" kern="1200" baseline="0">
+                <a:solidFill>
+                  <a:schemeClr val="tx1"/>
+                </a:solidFill>
+                <a:latin typeface="+mn-lt"/>
+                <a:ea typeface="+mn-ea"/>
+                <a:cs typeface="+mn-cs"/>
+              </a:defRPr>
+            </a:lvl9pPr>
+          </a:lstStyle>
+          <a:p>
+            <a:pPr marL="457200" indent="-457200" algn="l">
+              <a:buFont typeface="Arial" panose="020B0604020202020204" pitchFamily="34" charset="0"/>
+              <a:buChar char="•"/>
+            </a:pPr>
+            <a:r>
+              <a:rPr lang="zh-CN" altLang="en-US" dirty="0"/>
+              <a:t>更新</a:t>
+            </a:r>
+            <a:r>
+              <a:rPr lang="en-US" altLang="zh-CN" dirty="0"/>
+              <a:t>repository page</a:t>
+            </a:r>
+          </a:p>
+          <a:p>
+            <a:pPr marL="457200" indent="-457200" algn="l">
+              <a:buFont typeface="Arial" panose="020B0604020202020204" pitchFamily="34" charset="0"/>
+              <a:buChar char="•"/>
+            </a:pPr>
+            <a:r>
+              <a:rPr lang="zh-CN" altLang="en-US" dirty="0"/>
+              <a:t>输入历代朝代结构</a:t>
+            </a:r>
+            <a:endParaRPr lang="en-US" altLang="zh-CN" dirty="0"/>
+          </a:p>
+          <a:p>
+            <a:pPr marL="457200" indent="-457200" algn="l">
+              <a:buFont typeface="Arial" panose="020B0604020202020204" pitchFamily="34" charset="0"/>
+              <a:buChar char="•"/>
+            </a:pPr>
+            <a:r>
+              <a:rPr lang="zh-CN" altLang="en-US" dirty="0"/>
+              <a:t>构建</a:t>
+            </a:r>
+            <a:r>
+              <a:rPr lang="en-US" altLang="zh-CN" dirty="0"/>
+              <a:t>《</a:t>
+            </a:r>
+            <a:r>
+              <a:rPr lang="zh-CN" altLang="en-US" dirty="0"/>
+              <a:t>本草纲目</a:t>
+            </a:r>
+            <a:r>
+              <a:rPr lang="en-US" altLang="zh-CN" dirty="0"/>
+              <a:t>》</a:t>
+            </a:r>
+            <a:r>
+              <a:rPr lang="zh-CN" altLang="en-US" dirty="0"/>
+              <a:t>药品</a:t>
+            </a:r>
+            <a:r>
+              <a:rPr lang="en-US" altLang="zh-CN" dirty="0"/>
+              <a:t>class</a:t>
+            </a:r>
+            <a:r>
+              <a:rPr lang="zh-CN" altLang="en-US" dirty="0"/>
+              <a:t>结构，与</a:t>
+            </a:r>
+            <a:r>
+              <a:rPr lang="en-US" altLang="zh-CN" dirty="0"/>
+              <a:t>《</a:t>
+            </a:r>
+            <a:r>
+              <a:rPr lang="zh-CN" altLang="en-US" dirty="0"/>
+              <a:t>神农本草经</a:t>
+            </a:r>
+            <a:r>
+              <a:rPr lang="en-US" altLang="zh-CN" dirty="0"/>
+              <a:t>》cross reference</a:t>
+            </a:r>
+          </a:p>
+          <a:p>
+            <a:pPr marL="457200" indent="-457200" algn="l">
+              <a:buFont typeface="Arial" panose="020B0604020202020204" pitchFamily="34" charset="0"/>
+              <a:buChar char="•"/>
+            </a:pPr>
+            <a:r>
+              <a:rPr lang="zh-CN" altLang="en-US" dirty="0"/>
+              <a:t>用</a:t>
+            </a:r>
+            <a:r>
+              <a:rPr lang="en-US" altLang="zh-CN" dirty="0"/>
+              <a:t>DL Query</a:t>
+            </a:r>
+            <a:r>
+              <a:rPr lang="zh-CN" altLang="en-US" dirty="0"/>
+              <a:t>检视</a:t>
+            </a:r>
+            <a:r>
+              <a:rPr lang="en-US" altLang="zh-CN" dirty="0"/>
+              <a:t>ontology</a:t>
+            </a:r>
+            <a:endParaRPr lang="en-US" dirty="0"/>
+          </a:p>
+        </p:txBody>
+      </p:sp>
+    </p:spTree>
+    <p:extLst>
+      <p:ext uri="{BB962C8B-B14F-4D97-AF65-F5344CB8AC3E}">
+        <p14:creationId xmlns:p14="http://schemas.microsoft.com/office/powerpoint/2010/main" val="4075622419"/>
       </p:ext>
     </p:extLst>
   </p:cSld>

--- a/使用Protégé建立中国传统医学本体模型.pptx
+++ b/使用Protégé建立中国传统医学本体模型.pptx
@@ -5,12 +5,13 @@
     <p:sldMasterId id="2147483684" r:id="rId1"/>
   </p:sldMasterIdLst>
   <p:notesMasterIdLst>
-    <p:notesMasterId r:id="rId5"/>
+    <p:notesMasterId r:id="rId6"/>
   </p:notesMasterIdLst>
   <p:sldIdLst>
     <p:sldId id="272" r:id="rId2"/>
     <p:sldId id="273" r:id="rId3"/>
     <p:sldId id="274" r:id="rId4"/>
+    <p:sldId id="275" r:id="rId5"/>
   </p:sldIdLst>
   <p:sldSz cx="12192000" cy="6858000"/>
   <p:notesSz cx="6858000" cy="9144000"/>
@@ -199,7 +200,7 @@
           <a:p>
             <a:fld id="{71BD4573-58E7-4156-A133-2731F5F8D1A6}" type="datetimeFigureOut">
               <a:rPr lang="en-US" smtClean="0"/>
-              <a:t>11/26/2023</a:t>
+              <a:t>12/22/2023</a:t>
             </a:fld>
             <a:endParaRPr lang="en-US"/>
           </a:p>
@@ -625,6 +626,90 @@
     <p:extLst>
       <p:ext uri="{BB962C8B-B14F-4D97-AF65-F5344CB8AC3E}">
         <p14:creationId xmlns:p14="http://schemas.microsoft.com/office/powerpoint/2010/main" val="1017453790"/>
+      </p:ext>
+    </p:extLst>
+  </p:cSld>
+  <p:clrMapOvr>
+    <a:masterClrMapping/>
+  </p:clrMapOvr>
+</p:notes>
+</file>
+
+<file path=ppt/notesSlides/notesSlide3.xml><?xml version="1.0" encoding="utf-8"?>
+<p:notes xmlns:a="http://schemas.openxmlformats.org/drawingml/2006/main" xmlns:r="http://schemas.openxmlformats.org/officeDocument/2006/relationships" xmlns:p="http://schemas.openxmlformats.org/presentationml/2006/main">
+  <p:cSld>
+    <p:spTree>
+      <p:nvGrpSpPr>
+        <p:cNvPr id="1" name=""/>
+        <p:cNvGrpSpPr/>
+        <p:nvPr/>
+      </p:nvGrpSpPr>
+      <p:grpSpPr>
+        <a:xfrm>
+          <a:off x="0" y="0"/>
+          <a:ext cx="0" cy="0"/>
+          <a:chOff x="0" y="0"/>
+          <a:chExt cx="0" cy="0"/>
+        </a:xfrm>
+      </p:grpSpPr>
+      <p:sp>
+        <p:nvSpPr>
+          <p:cNvPr id="2" name="Slide Image Placeholder 1"/>
+          <p:cNvSpPr>
+            <a:spLocks noGrp="1" noRot="1" noChangeAspect="1"/>
+          </p:cNvSpPr>
+          <p:nvPr>
+            <p:ph type="sldImg"/>
+          </p:nvPr>
+        </p:nvSpPr>
+        <p:spPr/>
+      </p:sp>
+      <p:sp>
+        <p:nvSpPr>
+          <p:cNvPr id="3" name="Notes Placeholder 2"/>
+          <p:cNvSpPr>
+            <a:spLocks noGrp="1"/>
+          </p:cNvSpPr>
+          <p:nvPr>
+            <p:ph type="body" idx="1"/>
+          </p:nvPr>
+        </p:nvSpPr>
+        <p:spPr/>
+        <p:txBody>
+          <a:bodyPr/>
+          <a:lstStyle/>
+          <a:p>
+            <a:endParaRPr lang="en-US"/>
+          </a:p>
+        </p:txBody>
+      </p:sp>
+      <p:sp>
+        <p:nvSpPr>
+          <p:cNvPr id="4" name="Slide Number Placeholder 3"/>
+          <p:cNvSpPr>
+            <a:spLocks noGrp="1"/>
+          </p:cNvSpPr>
+          <p:nvPr>
+            <p:ph type="sldNum" sz="quarter" idx="10"/>
+          </p:nvPr>
+        </p:nvSpPr>
+        <p:spPr/>
+        <p:txBody>
+          <a:bodyPr/>
+          <a:lstStyle/>
+          <a:p>
+            <a:fld id="{893B0CF2-7F87-4E02-A248-870047730F99}" type="slidenum">
+              <a:rPr lang="en-US" smtClean="0"/>
+              <a:t>4</a:t>
+            </a:fld>
+            <a:endParaRPr lang="en-US"/>
+          </a:p>
+        </p:txBody>
+      </p:sp>
+    </p:spTree>
+    <p:extLst>
+      <p:ext uri="{BB962C8B-B14F-4D97-AF65-F5344CB8AC3E}">
+        <p14:creationId xmlns:p14="http://schemas.microsoft.com/office/powerpoint/2010/main" val="2330383356"/>
       </p:ext>
     </p:extLst>
   </p:cSld>
@@ -948,7 +1033,7 @@
           <a:p>
             <a:fld id="{021A1D30-C0A0-4124-A783-34D9F15FA0FE}" type="datetime1">
               <a:rPr lang="en-US" smtClean="0"/>
-              <a:t>11/26/2023</a:t>
+              <a:t>12/22/2023</a:t>
             </a:fld>
             <a:endParaRPr lang="en-US"/>
           </a:p>
@@ -1132,7 +1217,7 @@
           <a:p>
             <a:fld id="{8D2D5871-AB0F-4B3D-8861-97E78CB7B47E}" type="datetime1">
               <a:rPr lang="en-US" smtClean="0"/>
-              <a:t>11/26/2023</a:t>
+              <a:t>12/22/2023</a:t>
             </a:fld>
             <a:endParaRPr lang="en-US"/>
           </a:p>
@@ -1326,7 +1411,7 @@
           <a:p>
             <a:fld id="{14418406-4C3F-4F3E-80BD-A22568EA37EB}" type="datetime1">
               <a:rPr lang="en-US" smtClean="0"/>
-              <a:t>11/26/2023</a:t>
+              <a:t>12/22/2023</a:t>
             </a:fld>
             <a:endParaRPr lang="en-US"/>
           </a:p>
@@ -1510,7 +1595,7 @@
           <a:p>
             <a:fld id="{65F28077-7188-48C5-8679-2287FAC952E9}" type="datetime1">
               <a:rPr lang="en-US" smtClean="0"/>
-              <a:t>11/26/2023</a:t>
+              <a:t>12/22/2023</a:t>
             </a:fld>
             <a:endParaRPr lang="en-US"/>
           </a:p>
@@ -1757,7 +1842,7 @@
           <a:p>
             <a:fld id="{D2DCB740-6776-4EE9-99FD-96D592FA5A23}" type="datetime1">
               <a:rPr lang="en-US" smtClean="0"/>
-              <a:t>11/26/2023</a:t>
+              <a:t>12/22/2023</a:t>
             </a:fld>
             <a:endParaRPr lang="en-US"/>
           </a:p>
@@ -2040,7 +2125,7 @@
           <a:p>
             <a:fld id="{05F6BD99-6FFD-46C5-B5E2-43A34BDA2566}" type="datetime1">
               <a:rPr lang="en-US" smtClean="0"/>
-              <a:t>11/26/2023</a:t>
+              <a:t>12/22/2023</a:t>
             </a:fld>
             <a:endParaRPr lang="en-US"/>
           </a:p>
@@ -2437,7 +2522,7 @@
           <a:p>
             <a:fld id="{E022678E-214C-4CF8-97C7-95015FB02960}" type="datetime1">
               <a:rPr lang="en-US" smtClean="0"/>
-              <a:t>11/26/2023</a:t>
+              <a:t>12/22/2023</a:t>
             </a:fld>
             <a:endParaRPr lang="en-US"/>
           </a:p>
@@ -2606,7 +2691,7 @@
           <a:p>
             <a:fld id="{D55660E0-FA77-4473-A859-74127B089143}" type="datetime1">
               <a:rPr lang="en-US" smtClean="0"/>
-              <a:t>11/26/2023</a:t>
+              <a:t>12/22/2023</a:t>
             </a:fld>
             <a:endParaRPr lang="en-US"/>
           </a:p>
@@ -2716,7 +2801,7 @@
           <a:p>
             <a:fld id="{3188D7B8-9F07-4899-827D-5F3CFDDEB574}" type="datetime1">
               <a:rPr lang="en-US" smtClean="0"/>
-              <a:t>11/26/2023</a:t>
+              <a:t>12/22/2023</a:t>
             </a:fld>
             <a:endParaRPr lang="en-US"/>
           </a:p>
@@ -2996,7 +3081,7 @@
           <a:p>
             <a:fld id="{B5197C5C-1CD1-417D-A89C-14747F5222C7}" type="datetime1">
               <a:rPr lang="en-US" smtClean="0"/>
-              <a:t>11/26/2023</a:t>
+              <a:t>12/22/2023</a:t>
             </a:fld>
             <a:endParaRPr lang="en-US"/>
           </a:p>
@@ -3349,7 +3434,7 @@
           <a:p>
             <a:fld id="{1359EFBB-CFA1-4AA8-9123-F0B52DBD84FE}" type="datetime1">
               <a:rPr lang="en-US" smtClean="0"/>
-              <a:t>11/26/2023</a:t>
+              <a:t>12/22/2023</a:t>
             </a:fld>
             <a:endParaRPr lang="en-US"/>
           </a:p>
@@ -4383,7 +4468,7 @@
             <a:fld id="{61146459-E3C3-4969-9224-5ED50B492D17}" type="datetime1">
               <a:rPr lang="en-US" smtClean="0"/>
               <a:pPr/>
-              <a:t>11/26/2023</a:t>
+              <a:t>12/22/2023</a:t>
             </a:fld>
             <a:endParaRPr lang="en-US" dirty="0"/>
           </a:p>
@@ -5885,6 +5970,525 @@
     <p:extLst>
       <p:ext uri="{BB962C8B-B14F-4D97-AF65-F5344CB8AC3E}">
         <p14:creationId xmlns:p14="http://schemas.microsoft.com/office/powerpoint/2010/main" val="4075622419"/>
+      </p:ext>
+    </p:extLst>
+  </p:cSld>
+  <p:clrMapOvr>
+    <a:masterClrMapping/>
+  </p:clrMapOvr>
+  <mc:AlternateContent xmlns:mc="http://schemas.openxmlformats.org/markup-compatibility/2006" xmlns:p14="http://schemas.microsoft.com/office/powerpoint/2010/main">
+    <mc:Choice Requires="p14">
+      <p:transition spd="med" p14:dur="700">
+        <p:fade/>
+      </p:transition>
+    </mc:Choice>
+    <mc:Fallback xmlns="">
+      <p:transition spd="med">
+        <p:fade/>
+      </p:transition>
+    </mc:Fallback>
+  </mc:AlternateContent>
+</p:sld>
+</file>
+
+<file path=ppt/slides/slide4.xml><?xml version="1.0" encoding="utf-8"?>
+<p:sld xmlns:a="http://schemas.openxmlformats.org/drawingml/2006/main" xmlns:r="http://schemas.openxmlformats.org/officeDocument/2006/relationships" xmlns:p="http://schemas.openxmlformats.org/presentationml/2006/main">
+  <p:cSld>
+    <p:spTree>
+      <p:nvGrpSpPr>
+        <p:cNvPr id="1" name=""/>
+        <p:cNvGrpSpPr/>
+        <p:nvPr/>
+      </p:nvGrpSpPr>
+      <p:grpSpPr>
+        <a:xfrm>
+          <a:off x="0" y="0"/>
+          <a:ext cx="0" cy="0"/>
+          <a:chOff x="0" y="0"/>
+          <a:chExt cx="0" cy="0"/>
+        </a:xfrm>
+      </p:grpSpPr>
+      <p:sp>
+        <p:nvSpPr>
+          <p:cNvPr id="4" name="Title 3"/>
+          <p:cNvSpPr>
+            <a:spLocks noGrp="1"/>
+          </p:cNvSpPr>
+          <p:nvPr>
+            <p:ph type="ctrTitle"/>
+          </p:nvPr>
+        </p:nvSpPr>
+        <p:spPr>
+          <a:xfrm>
+            <a:off x="715264" y="349246"/>
+            <a:ext cx="10468864" cy="1828800"/>
+          </a:xfrm>
+        </p:spPr>
+        <p:txBody>
+          <a:bodyPr>
+            <a:normAutofit/>
+          </a:bodyPr>
+          <a:lstStyle/>
+          <a:p>
+            <a:r>
+              <a:rPr lang="zh-CN" altLang="en-US" sz="4400" dirty="0"/>
+              <a:t>使用</a:t>
+            </a:r>
+            <a:r>
+              <a:rPr lang="en-US" altLang="zh-CN" sz="4400" dirty="0"/>
+              <a:t>Protégé</a:t>
+            </a:r>
+            <a:r>
+              <a:rPr lang="zh-CN" altLang="en-US" sz="4400" dirty="0"/>
+              <a:t>建立中国传统医学本体模型</a:t>
+            </a:r>
+            <a:r>
+              <a:rPr lang="en-US" altLang="zh-CN" sz="4400" dirty="0"/>
+              <a:t>Ontology - 003</a:t>
+            </a:r>
+            <a:endParaRPr lang="en-US" sz="4400" dirty="0"/>
+          </a:p>
+        </p:txBody>
+      </p:sp>
+      <p:sp>
+        <p:nvSpPr>
+          <p:cNvPr id="5" name="Subtitle 4"/>
+          <p:cNvSpPr>
+            <a:spLocks noGrp="1"/>
+          </p:cNvSpPr>
+          <p:nvPr>
+            <p:ph type="subTitle" idx="1"/>
+          </p:nvPr>
+        </p:nvSpPr>
+        <p:spPr>
+          <a:xfrm>
+            <a:off x="9215718" y="5465590"/>
+            <a:ext cx="1968410" cy="498783"/>
+          </a:xfrm>
+        </p:spPr>
+        <p:txBody>
+          <a:bodyPr/>
+          <a:lstStyle/>
+          <a:p>
+            <a:r>
+              <a:rPr lang="en-US" dirty="0"/>
+              <a:t>Xiaoqi Zhao</a:t>
+            </a:r>
+          </a:p>
+          <a:p>
+            <a:endParaRPr lang="en-US" dirty="0"/>
+          </a:p>
+        </p:txBody>
+      </p:sp>
+      <p:sp>
+        <p:nvSpPr>
+          <p:cNvPr id="2" name="TextBox 1">
+            <a:extLst>
+              <a:ext uri="{FF2B5EF4-FFF2-40B4-BE49-F238E27FC236}">
+                <a16:creationId xmlns:a16="http://schemas.microsoft.com/office/drawing/2014/main" id="{73A66BBE-F179-5F48-8051-3672205AD659}"/>
+              </a:ext>
+            </a:extLst>
+          </p:cNvPr>
+          <p:cNvSpPr txBox="1"/>
+          <p:nvPr/>
+        </p:nvSpPr>
+        <p:spPr>
+          <a:xfrm>
+            <a:off x="1255058" y="5253317"/>
+            <a:ext cx="5800178" cy="923330"/>
+          </a:xfrm>
+          <a:prstGeom prst="rect">
+            <a:avLst/>
+          </a:prstGeom>
+          <a:solidFill>
+            <a:schemeClr val="accent3">
+              <a:lumMod val="20000"/>
+              <a:lumOff val="80000"/>
+            </a:schemeClr>
+          </a:solidFill>
+          <a:ln>
+            <a:solidFill>
+              <a:schemeClr val="bg2"/>
+            </a:solidFill>
+          </a:ln>
+        </p:spPr>
+        <p:txBody>
+          <a:bodyPr wrap="none" rtlCol="0">
+            <a:spAutoFit/>
+          </a:bodyPr>
+          <a:lstStyle/>
+          <a:p>
+            <a:r>
+              <a:rPr lang="en-US" dirty="0"/>
+              <a:t>GitHub: </a:t>
+            </a:r>
+            <a:r>
+              <a:rPr lang="en-US" dirty="0">
+                <a:hlinkClick r:id="rId3"/>
+              </a:rPr>
+              <a:t>https://github.com/yasenstar/Chinese_Culture</a:t>
+            </a:r>
+            <a:endParaRPr lang="en-US" dirty="0"/>
+          </a:p>
+          <a:p>
+            <a:endParaRPr lang="en-US" dirty="0"/>
+          </a:p>
+          <a:p>
+            <a:r>
+              <a:rPr lang="en-US" dirty="0"/>
+              <a:t>Gitee: </a:t>
+            </a:r>
+            <a:r>
+              <a:rPr lang="en-US" dirty="0">
+                <a:hlinkClick r:id="rId4"/>
+              </a:rPr>
+              <a:t>https://gitee.com/yasenstar/Chinese_Culture</a:t>
+            </a:r>
+            <a:endParaRPr lang="en-US" dirty="0"/>
+          </a:p>
+        </p:txBody>
+      </p:sp>
+      <p:sp>
+        <p:nvSpPr>
+          <p:cNvPr id="3" name="Subtitle 4">
+            <a:extLst>
+              <a:ext uri="{FF2B5EF4-FFF2-40B4-BE49-F238E27FC236}">
+                <a16:creationId xmlns:a16="http://schemas.microsoft.com/office/drawing/2014/main" id="{D39D7665-E3EE-818A-A445-2B1DE66F9A46}"/>
+              </a:ext>
+            </a:extLst>
+          </p:cNvPr>
+          <p:cNvSpPr txBox="1">
+            <a:spLocks/>
+          </p:cNvSpPr>
+          <p:nvPr/>
+        </p:nvSpPr>
+        <p:spPr>
+          <a:xfrm>
+            <a:off x="1443317" y="1928654"/>
+            <a:ext cx="5988423" cy="2751301"/>
+          </a:xfrm>
+          <a:prstGeom prst="rect">
+            <a:avLst/>
+          </a:prstGeom>
+        </p:spPr>
+        <p:txBody>
+          <a:bodyPr vert="horz" lIns="0" rIns="18288">
+            <a:normAutofit/>
+          </a:bodyPr>
+          <a:lstStyle>
+            <a:lvl1pPr marL="0" marR="45720" indent="0" algn="r" rtl="0" eaLnBrk="1" latinLnBrk="0" hangingPunct="1">
+              <a:spcBef>
+                <a:spcPct val="20000"/>
+              </a:spcBef>
+              <a:buClr>
+                <a:schemeClr val="accent3">
+                  <a:lumMod val="50000"/>
+                </a:schemeClr>
+              </a:buClr>
+              <a:buSzPct val="95000"/>
+              <a:buFont typeface="Wingdings 2"/>
+              <a:buNone/>
+              <a:defRPr kumimoji="0" sz="2600" kern="1200">
+                <a:solidFill>
+                  <a:schemeClr val="tx1"/>
+                </a:solidFill>
+                <a:latin typeface="+mn-lt"/>
+                <a:ea typeface="+mn-ea"/>
+                <a:cs typeface="+mn-cs"/>
+              </a:defRPr>
+            </a:lvl1pPr>
+            <a:lvl2pPr marL="457200" indent="0" algn="ctr" rtl="0" eaLnBrk="1" latinLnBrk="0" hangingPunct="1">
+              <a:spcBef>
+                <a:spcPct val="20000"/>
+              </a:spcBef>
+              <a:buClr>
+                <a:schemeClr val="accent1">
+                  <a:lumMod val="50000"/>
+                </a:schemeClr>
+              </a:buClr>
+              <a:buSzPct val="85000"/>
+              <a:buFont typeface="Wingdings 2"/>
+              <a:buNone/>
+              <a:defRPr kumimoji="0" sz="2400" kern="1200">
+                <a:solidFill>
+                  <a:schemeClr val="tx1"/>
+                </a:solidFill>
+                <a:latin typeface="+mn-lt"/>
+                <a:ea typeface="+mn-ea"/>
+                <a:cs typeface="+mn-cs"/>
+              </a:defRPr>
+            </a:lvl2pPr>
+            <a:lvl3pPr marL="914400" indent="0" algn="ctr" rtl="0" eaLnBrk="1" latinLnBrk="0" hangingPunct="1">
+              <a:spcBef>
+                <a:spcPct val="20000"/>
+              </a:spcBef>
+              <a:buClr>
+                <a:schemeClr val="accent2">
+                  <a:lumMod val="50000"/>
+                </a:schemeClr>
+              </a:buClr>
+              <a:buSzPct val="70000"/>
+              <a:buFont typeface="Wingdings 2"/>
+              <a:buNone/>
+              <a:defRPr kumimoji="0" sz="2100" kern="1200">
+                <a:solidFill>
+                  <a:schemeClr val="tx1"/>
+                </a:solidFill>
+                <a:latin typeface="+mn-lt"/>
+                <a:ea typeface="+mn-ea"/>
+                <a:cs typeface="+mn-cs"/>
+              </a:defRPr>
+            </a:lvl3pPr>
+            <a:lvl4pPr marL="1371600" indent="0" algn="ctr" rtl="0" eaLnBrk="1" latinLnBrk="0" hangingPunct="1">
+              <a:spcBef>
+                <a:spcPct val="20000"/>
+              </a:spcBef>
+              <a:buClr>
+                <a:schemeClr val="accent3">
+                  <a:lumMod val="50000"/>
+                </a:schemeClr>
+              </a:buClr>
+              <a:buSzPct val="65000"/>
+              <a:buFont typeface="Wingdings 2"/>
+              <a:buNone/>
+              <a:defRPr kumimoji="0" sz="2000" kern="1200">
+                <a:solidFill>
+                  <a:schemeClr val="tx1"/>
+                </a:solidFill>
+                <a:latin typeface="+mn-lt"/>
+                <a:ea typeface="+mn-ea"/>
+                <a:cs typeface="+mn-cs"/>
+              </a:defRPr>
+            </a:lvl4pPr>
+            <a:lvl5pPr marL="1828800" indent="0" algn="ctr" rtl="0" eaLnBrk="1" latinLnBrk="0" hangingPunct="1">
+              <a:spcBef>
+                <a:spcPct val="20000"/>
+              </a:spcBef>
+              <a:buClr>
+                <a:schemeClr val="accent4">
+                  <a:lumMod val="75000"/>
+                </a:schemeClr>
+              </a:buClr>
+              <a:buSzPct val="65000"/>
+              <a:buFont typeface="Wingdings 2"/>
+              <a:buNone/>
+              <a:defRPr kumimoji="0" sz="2000" kern="1200">
+                <a:solidFill>
+                  <a:schemeClr val="tx1"/>
+                </a:solidFill>
+                <a:latin typeface="+mn-lt"/>
+                <a:ea typeface="+mn-ea"/>
+                <a:cs typeface="+mn-cs"/>
+              </a:defRPr>
+            </a:lvl5pPr>
+            <a:lvl6pPr marL="2286000" indent="0" algn="ctr" rtl="0" eaLnBrk="1" latinLnBrk="0" hangingPunct="1">
+              <a:spcBef>
+                <a:spcPct val="20000"/>
+              </a:spcBef>
+              <a:buClr>
+                <a:schemeClr val="accent5">
+                  <a:lumMod val="50000"/>
+                </a:schemeClr>
+              </a:buClr>
+              <a:buSzPct val="80000"/>
+              <a:buFont typeface="Wingdings 2"/>
+              <a:buNone/>
+              <a:defRPr kumimoji="0" sz="1800" kern="1200">
+                <a:solidFill>
+                  <a:schemeClr val="tx1"/>
+                </a:solidFill>
+                <a:latin typeface="+mn-lt"/>
+                <a:ea typeface="+mn-ea"/>
+                <a:cs typeface="+mn-cs"/>
+              </a:defRPr>
+            </a:lvl6pPr>
+            <a:lvl7pPr marL="2743200" indent="0" algn="ctr" rtl="0" eaLnBrk="1" latinLnBrk="0" hangingPunct="1">
+              <a:spcBef>
+                <a:spcPct val="20000"/>
+              </a:spcBef>
+              <a:buClr>
+                <a:schemeClr val="accent6">
+                  <a:lumMod val="75000"/>
+                </a:schemeClr>
+              </a:buClr>
+              <a:buSzPct val="80000"/>
+              <a:buFont typeface="Wingdings 2"/>
+              <a:buNone/>
+              <a:defRPr kumimoji="0" sz="1600" kern="1200" baseline="0">
+                <a:solidFill>
+                  <a:schemeClr val="tx1"/>
+                </a:solidFill>
+                <a:latin typeface="+mn-lt"/>
+                <a:ea typeface="+mn-ea"/>
+                <a:cs typeface="+mn-cs"/>
+              </a:defRPr>
+            </a:lvl7pPr>
+            <a:lvl8pPr marL="3200400" indent="0" algn="ctr" rtl="0" eaLnBrk="1" latinLnBrk="0" hangingPunct="1">
+              <a:spcBef>
+                <a:spcPct val="20000"/>
+              </a:spcBef>
+              <a:buClr>
+                <a:schemeClr val="tx2"/>
+              </a:buClr>
+              <a:buNone/>
+              <a:defRPr kumimoji="0" sz="1600" kern="1200">
+                <a:solidFill>
+                  <a:schemeClr val="tx1"/>
+                </a:solidFill>
+                <a:latin typeface="+mn-lt"/>
+                <a:ea typeface="+mn-ea"/>
+                <a:cs typeface="+mn-cs"/>
+              </a:defRPr>
+            </a:lvl8pPr>
+            <a:lvl9pPr marL="3657600" indent="0" algn="ctr" rtl="0" eaLnBrk="1" latinLnBrk="0" hangingPunct="1">
+              <a:spcBef>
+                <a:spcPct val="20000"/>
+              </a:spcBef>
+              <a:buClr>
+                <a:schemeClr val="tx2"/>
+              </a:buClr>
+              <a:buFontTx/>
+              <a:buNone/>
+              <a:defRPr kumimoji="0" sz="1400" kern="1200" baseline="0">
+                <a:solidFill>
+                  <a:schemeClr val="tx1"/>
+                </a:solidFill>
+                <a:latin typeface="+mn-lt"/>
+                <a:ea typeface="+mn-ea"/>
+                <a:cs typeface="+mn-cs"/>
+              </a:defRPr>
+            </a:lvl9pPr>
+          </a:lstStyle>
+          <a:p>
+            <a:pPr marL="457200" indent="-457200" algn="l">
+              <a:buFont typeface="Arial" panose="020B0604020202020204" pitchFamily="34" charset="0"/>
+              <a:buChar char="•"/>
+            </a:pPr>
+            <a:r>
+              <a:rPr lang="zh-CN" altLang="en-US" dirty="0"/>
+              <a:t>整合代码信息仓库</a:t>
+            </a:r>
+            <a:endParaRPr lang="en-US" altLang="zh-CN" dirty="0"/>
+          </a:p>
+          <a:p>
+            <a:pPr marL="457200" indent="-457200" algn="l">
+              <a:buFont typeface="Arial" panose="020B0604020202020204" pitchFamily="34" charset="0"/>
+              <a:buChar char="•"/>
+            </a:pPr>
+            <a:r>
+              <a:rPr lang="zh-CN" altLang="en-US" dirty="0"/>
+              <a:t>本体模型化整为零</a:t>
+            </a:r>
+            <a:endParaRPr lang="en-US" altLang="zh-CN" dirty="0"/>
+          </a:p>
+          <a:p>
+            <a:pPr marL="457200" indent="-457200" algn="l">
+              <a:buFont typeface="Arial" panose="020B0604020202020204" pitchFamily="34" charset="0"/>
+              <a:buChar char="•"/>
+            </a:pPr>
+            <a:r>
+              <a:rPr lang="zh-CN" altLang="en-US" dirty="0"/>
+              <a:t>从</a:t>
+            </a:r>
+            <a:r>
+              <a:rPr lang="en-US" altLang="zh-CN" dirty="0"/>
+              <a:t>《</a:t>
+            </a:r>
+            <a:r>
+              <a:rPr lang="zh-CN" altLang="en-US" dirty="0"/>
+              <a:t>方剂学</a:t>
+            </a:r>
+            <a:r>
+              <a:rPr lang="en-US" altLang="zh-CN" dirty="0"/>
+              <a:t>》</a:t>
+            </a:r>
+            <a:r>
+              <a:rPr lang="zh-CN" altLang="en-US" dirty="0"/>
+              <a:t>探讨方剂</a:t>
+            </a:r>
+            <a:r>
+              <a:rPr lang="en-US" altLang="zh-CN" dirty="0"/>
+              <a:t>-</a:t>
+            </a:r>
+            <a:r>
+              <a:rPr lang="zh-CN" altLang="en-US" dirty="0"/>
+              <a:t>药材</a:t>
+            </a:r>
+            <a:r>
+              <a:rPr lang="en-US" altLang="zh-CN" dirty="0"/>
+              <a:t>-</a:t>
+            </a:r>
+            <a:r>
+              <a:rPr lang="zh-CN" altLang="en-US" dirty="0"/>
+              <a:t>药量与出处之间的本体元素选择与关系</a:t>
+            </a:r>
+            <a:endParaRPr lang="en-US" altLang="zh-CN" dirty="0"/>
+          </a:p>
+          <a:p>
+            <a:pPr marL="457200" indent="-457200" algn="l">
+              <a:buFont typeface="Arial" panose="020B0604020202020204" pitchFamily="34" charset="0"/>
+              <a:buChar char="•"/>
+            </a:pPr>
+            <a:r>
+              <a:rPr lang="zh-CN" altLang="en-US" dirty="0"/>
+              <a:t>初步建立</a:t>
+            </a:r>
+            <a:r>
+              <a:rPr lang="en-US" altLang="zh-CN" dirty="0" err="1"/>
+              <a:t>chinese_prescription</a:t>
+            </a:r>
+            <a:r>
+              <a:rPr lang="zh-CN" altLang="en-US" dirty="0"/>
+              <a:t>本体</a:t>
+            </a:r>
+            <a:endParaRPr lang="en-US" dirty="0"/>
+          </a:p>
+        </p:txBody>
+      </p:sp>
+      <p:pic>
+        <p:nvPicPr>
+          <p:cNvPr id="7" name="Picture 6">
+            <a:extLst>
+              <a:ext uri="{FF2B5EF4-FFF2-40B4-BE49-F238E27FC236}">
+                <a16:creationId xmlns:a16="http://schemas.microsoft.com/office/drawing/2014/main" id="{CEB2E521-A50B-3476-CFF5-47FAFE74675B}"/>
+              </a:ext>
+            </a:extLst>
+          </p:cNvPr>
+          <p:cNvPicPr>
+            <a:picLocks noChangeAspect="1"/>
+          </p:cNvPicPr>
+          <p:nvPr/>
+        </p:nvPicPr>
+        <p:blipFill>
+          <a:blip r:embed="rId5"/>
+          <a:stretch>
+            <a:fillRect/>
+          </a:stretch>
+        </p:blipFill>
+        <p:spPr>
+          <a:xfrm>
+            <a:off x="7893703" y="2293284"/>
+            <a:ext cx="1819275" cy="2647950"/>
+          </a:xfrm>
+          <a:prstGeom prst="rect">
+            <a:avLst/>
+          </a:prstGeom>
+          <a:ln>
+            <a:noFill/>
+          </a:ln>
+          <a:effectLst>
+            <a:outerShdw blurRad="292100" dist="139700" dir="2700000" algn="tl" rotWithShape="0">
+              <a:srgbClr val="333333">
+                <a:alpha val="65000"/>
+              </a:srgbClr>
+            </a:outerShdw>
+          </a:effectLst>
+        </p:spPr>
+      </p:pic>
+    </p:spTree>
+    <p:extLst>
+      <p:ext uri="{BB962C8B-B14F-4D97-AF65-F5344CB8AC3E}">
+        <p14:creationId xmlns:p14="http://schemas.microsoft.com/office/powerpoint/2010/main" val="3945277815"/>
       </p:ext>
     </p:extLst>
   </p:cSld>

--- a/使用Protégé建立中国传统医学本体模型.pptx
+++ b/使用Protégé建立中国传统医学本体模型.pptx
@@ -5,13 +5,14 @@
     <p:sldMasterId id="2147483684" r:id="rId1"/>
   </p:sldMasterIdLst>
   <p:notesMasterIdLst>
-    <p:notesMasterId r:id="rId6"/>
+    <p:notesMasterId r:id="rId7"/>
   </p:notesMasterIdLst>
   <p:sldIdLst>
     <p:sldId id="272" r:id="rId2"/>
     <p:sldId id="273" r:id="rId3"/>
     <p:sldId id="274" r:id="rId4"/>
     <p:sldId id="275" r:id="rId5"/>
+    <p:sldId id="276" r:id="rId6"/>
   </p:sldIdLst>
   <p:sldSz cx="12192000" cy="6858000"/>
   <p:notesSz cx="6858000" cy="9144000"/>
@@ -200,7 +201,7 @@
           <a:p>
             <a:fld id="{71BD4573-58E7-4156-A133-2731F5F8D1A6}" type="datetimeFigureOut">
               <a:rPr lang="en-US" smtClean="0"/>
-              <a:t>12/22/2023</a:t>
+              <a:t>3/3/2024</a:t>
             </a:fld>
             <a:endParaRPr lang="en-US"/>
           </a:p>
@@ -710,6 +711,114 @@
     <p:extLst>
       <p:ext uri="{BB962C8B-B14F-4D97-AF65-F5344CB8AC3E}">
         <p14:creationId xmlns:p14="http://schemas.microsoft.com/office/powerpoint/2010/main" val="2330383356"/>
+      </p:ext>
+    </p:extLst>
+  </p:cSld>
+  <p:clrMapOvr>
+    <a:masterClrMapping/>
+  </p:clrMapOvr>
+</p:notes>
+</file>
+
+<file path=ppt/notesSlides/notesSlide4.xml><?xml version="1.0" encoding="utf-8"?>
+<p:notes xmlns:a="http://schemas.openxmlformats.org/drawingml/2006/main" xmlns:r="http://schemas.openxmlformats.org/officeDocument/2006/relationships" xmlns:p="http://schemas.openxmlformats.org/presentationml/2006/main">
+  <p:cSld>
+    <p:spTree>
+      <p:nvGrpSpPr>
+        <p:cNvPr id="1" name="">
+          <a:extLst>
+            <a:ext uri="{FF2B5EF4-FFF2-40B4-BE49-F238E27FC236}">
+              <a16:creationId xmlns:a16="http://schemas.microsoft.com/office/drawing/2014/main" id="{B563666C-A6D2-06F0-DE6C-4A6BE83965DF}"/>
+            </a:ext>
+          </a:extLst>
+        </p:cNvPr>
+        <p:cNvGrpSpPr/>
+        <p:nvPr/>
+      </p:nvGrpSpPr>
+      <p:grpSpPr>
+        <a:xfrm>
+          <a:off x="0" y="0"/>
+          <a:ext cx="0" cy="0"/>
+          <a:chOff x="0" y="0"/>
+          <a:chExt cx="0" cy="0"/>
+        </a:xfrm>
+      </p:grpSpPr>
+      <p:sp>
+        <p:nvSpPr>
+          <p:cNvPr id="2" name="Slide Image Placeholder 1">
+            <a:extLst>
+              <a:ext uri="{FF2B5EF4-FFF2-40B4-BE49-F238E27FC236}">
+                <a16:creationId xmlns:a16="http://schemas.microsoft.com/office/drawing/2014/main" id="{9DCE7F3B-4A5B-D20B-E485-E99AA07F57E2}"/>
+              </a:ext>
+            </a:extLst>
+          </p:cNvPr>
+          <p:cNvSpPr>
+            <a:spLocks noGrp="1" noRot="1" noChangeAspect="1"/>
+          </p:cNvSpPr>
+          <p:nvPr>
+            <p:ph type="sldImg"/>
+          </p:nvPr>
+        </p:nvSpPr>
+        <p:spPr/>
+      </p:sp>
+      <p:sp>
+        <p:nvSpPr>
+          <p:cNvPr id="3" name="Notes Placeholder 2">
+            <a:extLst>
+              <a:ext uri="{FF2B5EF4-FFF2-40B4-BE49-F238E27FC236}">
+                <a16:creationId xmlns:a16="http://schemas.microsoft.com/office/drawing/2014/main" id="{EF6E8193-9EF9-C8CB-8BDB-170D316DC156}"/>
+              </a:ext>
+            </a:extLst>
+          </p:cNvPr>
+          <p:cNvSpPr>
+            <a:spLocks noGrp="1"/>
+          </p:cNvSpPr>
+          <p:nvPr>
+            <p:ph type="body" idx="1"/>
+          </p:nvPr>
+        </p:nvSpPr>
+        <p:spPr/>
+        <p:txBody>
+          <a:bodyPr/>
+          <a:lstStyle/>
+          <a:p>
+            <a:endParaRPr lang="en-US"/>
+          </a:p>
+        </p:txBody>
+      </p:sp>
+      <p:sp>
+        <p:nvSpPr>
+          <p:cNvPr id="4" name="Slide Number Placeholder 3">
+            <a:extLst>
+              <a:ext uri="{FF2B5EF4-FFF2-40B4-BE49-F238E27FC236}">
+                <a16:creationId xmlns:a16="http://schemas.microsoft.com/office/drawing/2014/main" id="{50A9F02C-6B68-C5F6-2D2C-0D6C6688A32E}"/>
+              </a:ext>
+            </a:extLst>
+          </p:cNvPr>
+          <p:cNvSpPr>
+            <a:spLocks noGrp="1"/>
+          </p:cNvSpPr>
+          <p:nvPr>
+            <p:ph type="sldNum" sz="quarter" idx="10"/>
+          </p:nvPr>
+        </p:nvSpPr>
+        <p:spPr/>
+        <p:txBody>
+          <a:bodyPr/>
+          <a:lstStyle/>
+          <a:p>
+            <a:fld id="{893B0CF2-7F87-4E02-A248-870047730F99}" type="slidenum">
+              <a:rPr lang="en-US" smtClean="0"/>
+              <a:t>5</a:t>
+            </a:fld>
+            <a:endParaRPr lang="en-US"/>
+          </a:p>
+        </p:txBody>
+      </p:sp>
+    </p:spTree>
+    <p:extLst>
+      <p:ext uri="{BB962C8B-B14F-4D97-AF65-F5344CB8AC3E}">
+        <p14:creationId xmlns:p14="http://schemas.microsoft.com/office/powerpoint/2010/main" val="2718338209"/>
       </p:ext>
     </p:extLst>
   </p:cSld>
@@ -1033,7 +1142,7 @@
           <a:p>
             <a:fld id="{021A1D30-C0A0-4124-A783-34D9F15FA0FE}" type="datetime1">
               <a:rPr lang="en-US" smtClean="0"/>
-              <a:t>12/22/2023</a:t>
+              <a:t>3/3/2024</a:t>
             </a:fld>
             <a:endParaRPr lang="en-US"/>
           </a:p>
@@ -1217,7 +1326,7 @@
           <a:p>
             <a:fld id="{8D2D5871-AB0F-4B3D-8861-97E78CB7B47E}" type="datetime1">
               <a:rPr lang="en-US" smtClean="0"/>
-              <a:t>12/22/2023</a:t>
+              <a:t>3/3/2024</a:t>
             </a:fld>
             <a:endParaRPr lang="en-US"/>
           </a:p>
@@ -1411,7 +1520,7 @@
           <a:p>
             <a:fld id="{14418406-4C3F-4F3E-80BD-A22568EA37EB}" type="datetime1">
               <a:rPr lang="en-US" smtClean="0"/>
-              <a:t>12/22/2023</a:t>
+              <a:t>3/3/2024</a:t>
             </a:fld>
             <a:endParaRPr lang="en-US"/>
           </a:p>
@@ -1595,7 +1704,7 @@
           <a:p>
             <a:fld id="{65F28077-7188-48C5-8679-2287FAC952E9}" type="datetime1">
               <a:rPr lang="en-US" smtClean="0"/>
-              <a:t>12/22/2023</a:t>
+              <a:t>3/3/2024</a:t>
             </a:fld>
             <a:endParaRPr lang="en-US"/>
           </a:p>
@@ -1842,7 +1951,7 @@
           <a:p>
             <a:fld id="{D2DCB740-6776-4EE9-99FD-96D592FA5A23}" type="datetime1">
               <a:rPr lang="en-US" smtClean="0"/>
-              <a:t>12/22/2023</a:t>
+              <a:t>3/3/2024</a:t>
             </a:fld>
             <a:endParaRPr lang="en-US"/>
           </a:p>
@@ -2125,7 +2234,7 @@
           <a:p>
             <a:fld id="{05F6BD99-6FFD-46C5-B5E2-43A34BDA2566}" type="datetime1">
               <a:rPr lang="en-US" smtClean="0"/>
-              <a:t>12/22/2023</a:t>
+              <a:t>3/3/2024</a:t>
             </a:fld>
             <a:endParaRPr lang="en-US"/>
           </a:p>
@@ -2522,7 +2631,7 @@
           <a:p>
             <a:fld id="{E022678E-214C-4CF8-97C7-95015FB02960}" type="datetime1">
               <a:rPr lang="en-US" smtClean="0"/>
-              <a:t>12/22/2023</a:t>
+              <a:t>3/3/2024</a:t>
             </a:fld>
             <a:endParaRPr lang="en-US"/>
           </a:p>
@@ -2691,7 +2800,7 @@
           <a:p>
             <a:fld id="{D55660E0-FA77-4473-A859-74127B089143}" type="datetime1">
               <a:rPr lang="en-US" smtClean="0"/>
-              <a:t>12/22/2023</a:t>
+              <a:t>3/3/2024</a:t>
             </a:fld>
             <a:endParaRPr lang="en-US"/>
           </a:p>
@@ -2801,7 +2910,7 @@
           <a:p>
             <a:fld id="{3188D7B8-9F07-4899-827D-5F3CFDDEB574}" type="datetime1">
               <a:rPr lang="en-US" smtClean="0"/>
-              <a:t>12/22/2023</a:t>
+              <a:t>3/3/2024</a:t>
             </a:fld>
             <a:endParaRPr lang="en-US"/>
           </a:p>
@@ -3081,7 +3190,7 @@
           <a:p>
             <a:fld id="{B5197C5C-1CD1-417D-A89C-14747F5222C7}" type="datetime1">
               <a:rPr lang="en-US" smtClean="0"/>
-              <a:t>12/22/2023</a:t>
+              <a:t>3/3/2024</a:t>
             </a:fld>
             <a:endParaRPr lang="en-US"/>
           </a:p>
@@ -3434,7 +3543,7 @@
           <a:p>
             <a:fld id="{1359EFBB-CFA1-4AA8-9123-F0B52DBD84FE}" type="datetime1">
               <a:rPr lang="en-US" smtClean="0"/>
-              <a:t>12/22/2023</a:t>
+              <a:t>3/3/2024</a:t>
             </a:fld>
             <a:endParaRPr lang="en-US"/>
           </a:p>
@@ -4468,7 +4577,7 @@
             <a:fld id="{61146459-E3C3-4969-9224-5ED50B492D17}" type="datetime1">
               <a:rPr lang="en-US" smtClean="0"/>
               <a:pPr/>
-              <a:t>12/22/2023</a:t>
+              <a:t>3/3/2024</a:t>
             </a:fld>
             <a:endParaRPr lang="en-US" dirty="0"/>
           </a:p>
@@ -6489,6 +6598,569 @@
     <p:extLst>
       <p:ext uri="{BB962C8B-B14F-4D97-AF65-F5344CB8AC3E}">
         <p14:creationId xmlns:p14="http://schemas.microsoft.com/office/powerpoint/2010/main" val="3945277815"/>
+      </p:ext>
+    </p:extLst>
+  </p:cSld>
+  <p:clrMapOvr>
+    <a:masterClrMapping/>
+  </p:clrMapOvr>
+  <mc:AlternateContent xmlns:mc="http://schemas.openxmlformats.org/markup-compatibility/2006" xmlns:p14="http://schemas.microsoft.com/office/powerpoint/2010/main">
+    <mc:Choice Requires="p14">
+      <p:transition spd="med" p14:dur="700">
+        <p:fade/>
+      </p:transition>
+    </mc:Choice>
+    <mc:Fallback xmlns="">
+      <p:transition spd="med">
+        <p:fade/>
+      </p:transition>
+    </mc:Fallback>
+  </mc:AlternateContent>
+</p:sld>
+</file>
+
+<file path=ppt/slides/slide5.xml><?xml version="1.0" encoding="utf-8"?>
+<p:sld xmlns:a="http://schemas.openxmlformats.org/drawingml/2006/main" xmlns:r="http://schemas.openxmlformats.org/officeDocument/2006/relationships" xmlns:p="http://schemas.openxmlformats.org/presentationml/2006/main">
+  <p:cSld>
+    <p:spTree>
+      <p:nvGrpSpPr>
+        <p:cNvPr id="1" name="">
+          <a:extLst>
+            <a:ext uri="{FF2B5EF4-FFF2-40B4-BE49-F238E27FC236}">
+              <a16:creationId xmlns:a16="http://schemas.microsoft.com/office/drawing/2014/main" id="{7A2F18F0-B19B-5A42-79F9-7648AAB476E1}"/>
+            </a:ext>
+          </a:extLst>
+        </p:cNvPr>
+        <p:cNvGrpSpPr/>
+        <p:nvPr/>
+      </p:nvGrpSpPr>
+      <p:grpSpPr>
+        <a:xfrm>
+          <a:off x="0" y="0"/>
+          <a:ext cx="0" cy="0"/>
+          <a:chOff x="0" y="0"/>
+          <a:chExt cx="0" cy="0"/>
+        </a:xfrm>
+      </p:grpSpPr>
+      <p:sp>
+        <p:nvSpPr>
+          <p:cNvPr id="4" name="Title 3">
+            <a:extLst>
+              <a:ext uri="{FF2B5EF4-FFF2-40B4-BE49-F238E27FC236}">
+                <a16:creationId xmlns:a16="http://schemas.microsoft.com/office/drawing/2014/main" id="{FBBD7D0A-FD39-5AE6-3659-9E6652979EF2}"/>
+              </a:ext>
+            </a:extLst>
+          </p:cNvPr>
+          <p:cNvSpPr>
+            <a:spLocks noGrp="1"/>
+          </p:cNvSpPr>
+          <p:nvPr>
+            <p:ph type="ctrTitle"/>
+          </p:nvPr>
+        </p:nvSpPr>
+        <p:spPr>
+          <a:xfrm>
+            <a:off x="715264" y="349246"/>
+            <a:ext cx="10468864" cy="1828800"/>
+          </a:xfrm>
+        </p:spPr>
+        <p:txBody>
+          <a:bodyPr>
+            <a:normAutofit/>
+          </a:bodyPr>
+          <a:lstStyle/>
+          <a:p>
+            <a:r>
+              <a:rPr lang="zh-CN" altLang="en-US" sz="4400" dirty="0"/>
+              <a:t>使用</a:t>
+            </a:r>
+            <a:r>
+              <a:rPr lang="en-US" altLang="zh-CN" sz="4400" dirty="0"/>
+              <a:t>Protégé</a:t>
+            </a:r>
+            <a:r>
+              <a:rPr lang="zh-CN" altLang="en-US" sz="4400" dirty="0"/>
+              <a:t>建立中国传统医学本体模型</a:t>
+            </a:r>
+            <a:r>
+              <a:rPr lang="en-US" altLang="zh-CN" sz="4400" dirty="0"/>
+              <a:t>Ontology - </a:t>
+            </a:r>
+            <a:r>
+              <a:rPr lang="en-US" altLang="zh-CN" sz="7200" dirty="0"/>
+              <a:t>004</a:t>
+            </a:r>
+            <a:endParaRPr lang="en-US" sz="4400" dirty="0"/>
+          </a:p>
+        </p:txBody>
+      </p:sp>
+      <p:sp>
+        <p:nvSpPr>
+          <p:cNvPr id="5" name="Subtitle 4">
+            <a:extLst>
+              <a:ext uri="{FF2B5EF4-FFF2-40B4-BE49-F238E27FC236}">
+                <a16:creationId xmlns:a16="http://schemas.microsoft.com/office/drawing/2014/main" id="{CEEDA390-E8B8-90D5-05F5-2A2778956AD5}"/>
+              </a:ext>
+            </a:extLst>
+          </p:cNvPr>
+          <p:cNvSpPr>
+            <a:spLocks noGrp="1"/>
+          </p:cNvSpPr>
+          <p:nvPr>
+            <p:ph type="subTitle" idx="1"/>
+          </p:nvPr>
+        </p:nvSpPr>
+        <p:spPr>
+          <a:xfrm>
+            <a:off x="9215718" y="5465590"/>
+            <a:ext cx="1968410" cy="498783"/>
+          </a:xfrm>
+        </p:spPr>
+        <p:txBody>
+          <a:bodyPr/>
+          <a:lstStyle/>
+          <a:p>
+            <a:r>
+              <a:rPr lang="en-US" dirty="0"/>
+              <a:t>Xiaoqi Zhao</a:t>
+            </a:r>
+          </a:p>
+          <a:p>
+            <a:endParaRPr lang="en-US" dirty="0"/>
+          </a:p>
+        </p:txBody>
+      </p:sp>
+      <p:sp>
+        <p:nvSpPr>
+          <p:cNvPr id="2" name="TextBox 1">
+            <a:extLst>
+              <a:ext uri="{FF2B5EF4-FFF2-40B4-BE49-F238E27FC236}">
+                <a16:creationId xmlns:a16="http://schemas.microsoft.com/office/drawing/2014/main" id="{7BAB936B-6853-96B9-2EA4-CA6824376BE0}"/>
+              </a:ext>
+            </a:extLst>
+          </p:cNvPr>
+          <p:cNvSpPr txBox="1"/>
+          <p:nvPr/>
+        </p:nvSpPr>
+        <p:spPr>
+          <a:xfrm>
+            <a:off x="1255058" y="5253317"/>
+            <a:ext cx="5800178" cy="923330"/>
+          </a:xfrm>
+          <a:prstGeom prst="rect">
+            <a:avLst/>
+          </a:prstGeom>
+          <a:solidFill>
+            <a:schemeClr val="accent3">
+              <a:lumMod val="20000"/>
+              <a:lumOff val="80000"/>
+            </a:schemeClr>
+          </a:solidFill>
+          <a:ln>
+            <a:solidFill>
+              <a:schemeClr val="bg2"/>
+            </a:solidFill>
+          </a:ln>
+        </p:spPr>
+        <p:txBody>
+          <a:bodyPr wrap="none" rtlCol="0">
+            <a:spAutoFit/>
+          </a:bodyPr>
+          <a:lstStyle/>
+          <a:p>
+            <a:r>
+              <a:rPr lang="en-US" dirty="0"/>
+              <a:t>GitHub: </a:t>
+            </a:r>
+            <a:r>
+              <a:rPr lang="en-US" dirty="0">
+                <a:hlinkClick r:id="rId3"/>
+              </a:rPr>
+              <a:t>https://github.com/yasenstar/Chinese_Culture</a:t>
+            </a:r>
+            <a:endParaRPr lang="en-US" dirty="0"/>
+          </a:p>
+          <a:p>
+            <a:endParaRPr lang="en-US" dirty="0"/>
+          </a:p>
+          <a:p>
+            <a:r>
+              <a:rPr lang="en-US" dirty="0"/>
+              <a:t>Gitee: </a:t>
+            </a:r>
+            <a:r>
+              <a:rPr lang="en-US" dirty="0">
+                <a:hlinkClick r:id="rId4"/>
+              </a:rPr>
+              <a:t>https://gitee.com/yasenstar/Chinese_Culture</a:t>
+            </a:r>
+            <a:endParaRPr lang="en-US" dirty="0"/>
+          </a:p>
+        </p:txBody>
+      </p:sp>
+      <p:sp>
+        <p:nvSpPr>
+          <p:cNvPr id="3" name="Subtitle 4">
+            <a:extLst>
+              <a:ext uri="{FF2B5EF4-FFF2-40B4-BE49-F238E27FC236}">
+                <a16:creationId xmlns:a16="http://schemas.microsoft.com/office/drawing/2014/main" id="{A2B4AC1D-9459-E328-CB8B-937B80569488}"/>
+              </a:ext>
+            </a:extLst>
+          </p:cNvPr>
+          <p:cNvSpPr txBox="1">
+            <a:spLocks/>
+          </p:cNvSpPr>
+          <p:nvPr/>
+        </p:nvSpPr>
+        <p:spPr>
+          <a:xfrm>
+            <a:off x="1255059" y="2106706"/>
+            <a:ext cx="6176682" cy="3127232"/>
+          </a:xfrm>
+          <a:prstGeom prst="rect">
+            <a:avLst/>
+          </a:prstGeom>
+        </p:spPr>
+        <p:txBody>
+          <a:bodyPr vert="horz" lIns="0" rIns="18288">
+            <a:normAutofit lnSpcReduction="10000"/>
+          </a:bodyPr>
+          <a:lstStyle>
+            <a:lvl1pPr marL="0" marR="45720" indent="0" algn="r" rtl="0" eaLnBrk="1" latinLnBrk="0" hangingPunct="1">
+              <a:spcBef>
+                <a:spcPct val="20000"/>
+              </a:spcBef>
+              <a:buClr>
+                <a:schemeClr val="accent3">
+                  <a:lumMod val="50000"/>
+                </a:schemeClr>
+              </a:buClr>
+              <a:buSzPct val="95000"/>
+              <a:buFont typeface="Wingdings 2"/>
+              <a:buNone/>
+              <a:defRPr kumimoji="0" sz="2600" kern="1200">
+                <a:solidFill>
+                  <a:schemeClr val="tx1"/>
+                </a:solidFill>
+                <a:latin typeface="+mn-lt"/>
+                <a:ea typeface="+mn-ea"/>
+                <a:cs typeface="+mn-cs"/>
+              </a:defRPr>
+            </a:lvl1pPr>
+            <a:lvl2pPr marL="457200" indent="0" algn="ctr" rtl="0" eaLnBrk="1" latinLnBrk="0" hangingPunct="1">
+              <a:spcBef>
+                <a:spcPct val="20000"/>
+              </a:spcBef>
+              <a:buClr>
+                <a:schemeClr val="accent1">
+                  <a:lumMod val="50000"/>
+                </a:schemeClr>
+              </a:buClr>
+              <a:buSzPct val="85000"/>
+              <a:buFont typeface="Wingdings 2"/>
+              <a:buNone/>
+              <a:defRPr kumimoji="0" sz="2400" kern="1200">
+                <a:solidFill>
+                  <a:schemeClr val="tx1"/>
+                </a:solidFill>
+                <a:latin typeface="+mn-lt"/>
+                <a:ea typeface="+mn-ea"/>
+                <a:cs typeface="+mn-cs"/>
+              </a:defRPr>
+            </a:lvl2pPr>
+            <a:lvl3pPr marL="914400" indent="0" algn="ctr" rtl="0" eaLnBrk="1" latinLnBrk="0" hangingPunct="1">
+              <a:spcBef>
+                <a:spcPct val="20000"/>
+              </a:spcBef>
+              <a:buClr>
+                <a:schemeClr val="accent2">
+                  <a:lumMod val="50000"/>
+                </a:schemeClr>
+              </a:buClr>
+              <a:buSzPct val="70000"/>
+              <a:buFont typeface="Wingdings 2"/>
+              <a:buNone/>
+              <a:defRPr kumimoji="0" sz="2100" kern="1200">
+                <a:solidFill>
+                  <a:schemeClr val="tx1"/>
+                </a:solidFill>
+                <a:latin typeface="+mn-lt"/>
+                <a:ea typeface="+mn-ea"/>
+                <a:cs typeface="+mn-cs"/>
+              </a:defRPr>
+            </a:lvl3pPr>
+            <a:lvl4pPr marL="1371600" indent="0" algn="ctr" rtl="0" eaLnBrk="1" latinLnBrk="0" hangingPunct="1">
+              <a:spcBef>
+                <a:spcPct val="20000"/>
+              </a:spcBef>
+              <a:buClr>
+                <a:schemeClr val="accent3">
+                  <a:lumMod val="50000"/>
+                </a:schemeClr>
+              </a:buClr>
+              <a:buSzPct val="65000"/>
+              <a:buFont typeface="Wingdings 2"/>
+              <a:buNone/>
+              <a:defRPr kumimoji="0" sz="2000" kern="1200">
+                <a:solidFill>
+                  <a:schemeClr val="tx1"/>
+                </a:solidFill>
+                <a:latin typeface="+mn-lt"/>
+                <a:ea typeface="+mn-ea"/>
+                <a:cs typeface="+mn-cs"/>
+              </a:defRPr>
+            </a:lvl4pPr>
+            <a:lvl5pPr marL="1828800" indent="0" algn="ctr" rtl="0" eaLnBrk="1" latinLnBrk="0" hangingPunct="1">
+              <a:spcBef>
+                <a:spcPct val="20000"/>
+              </a:spcBef>
+              <a:buClr>
+                <a:schemeClr val="accent4">
+                  <a:lumMod val="75000"/>
+                </a:schemeClr>
+              </a:buClr>
+              <a:buSzPct val="65000"/>
+              <a:buFont typeface="Wingdings 2"/>
+              <a:buNone/>
+              <a:defRPr kumimoji="0" sz="2000" kern="1200">
+                <a:solidFill>
+                  <a:schemeClr val="tx1"/>
+                </a:solidFill>
+                <a:latin typeface="+mn-lt"/>
+                <a:ea typeface="+mn-ea"/>
+                <a:cs typeface="+mn-cs"/>
+              </a:defRPr>
+            </a:lvl5pPr>
+            <a:lvl6pPr marL="2286000" indent="0" algn="ctr" rtl="0" eaLnBrk="1" latinLnBrk="0" hangingPunct="1">
+              <a:spcBef>
+                <a:spcPct val="20000"/>
+              </a:spcBef>
+              <a:buClr>
+                <a:schemeClr val="accent5">
+                  <a:lumMod val="50000"/>
+                </a:schemeClr>
+              </a:buClr>
+              <a:buSzPct val="80000"/>
+              <a:buFont typeface="Wingdings 2"/>
+              <a:buNone/>
+              <a:defRPr kumimoji="0" sz="1800" kern="1200">
+                <a:solidFill>
+                  <a:schemeClr val="tx1"/>
+                </a:solidFill>
+                <a:latin typeface="+mn-lt"/>
+                <a:ea typeface="+mn-ea"/>
+                <a:cs typeface="+mn-cs"/>
+              </a:defRPr>
+            </a:lvl6pPr>
+            <a:lvl7pPr marL="2743200" indent="0" algn="ctr" rtl="0" eaLnBrk="1" latinLnBrk="0" hangingPunct="1">
+              <a:spcBef>
+                <a:spcPct val="20000"/>
+              </a:spcBef>
+              <a:buClr>
+                <a:schemeClr val="accent6">
+                  <a:lumMod val="75000"/>
+                </a:schemeClr>
+              </a:buClr>
+              <a:buSzPct val="80000"/>
+              <a:buFont typeface="Wingdings 2"/>
+              <a:buNone/>
+              <a:defRPr kumimoji="0" sz="1600" kern="1200" baseline="0">
+                <a:solidFill>
+                  <a:schemeClr val="tx1"/>
+                </a:solidFill>
+                <a:latin typeface="+mn-lt"/>
+                <a:ea typeface="+mn-ea"/>
+                <a:cs typeface="+mn-cs"/>
+              </a:defRPr>
+            </a:lvl7pPr>
+            <a:lvl8pPr marL="3200400" indent="0" algn="ctr" rtl="0" eaLnBrk="1" latinLnBrk="0" hangingPunct="1">
+              <a:spcBef>
+                <a:spcPct val="20000"/>
+              </a:spcBef>
+              <a:buClr>
+                <a:schemeClr val="tx2"/>
+              </a:buClr>
+              <a:buNone/>
+              <a:defRPr kumimoji="0" sz="1600" kern="1200">
+                <a:solidFill>
+                  <a:schemeClr val="tx1"/>
+                </a:solidFill>
+                <a:latin typeface="+mn-lt"/>
+                <a:ea typeface="+mn-ea"/>
+                <a:cs typeface="+mn-cs"/>
+              </a:defRPr>
+            </a:lvl8pPr>
+            <a:lvl9pPr marL="3657600" indent="0" algn="ctr" rtl="0" eaLnBrk="1" latinLnBrk="0" hangingPunct="1">
+              <a:spcBef>
+                <a:spcPct val="20000"/>
+              </a:spcBef>
+              <a:buClr>
+                <a:schemeClr val="tx2"/>
+              </a:buClr>
+              <a:buFontTx/>
+              <a:buNone/>
+              <a:defRPr kumimoji="0" sz="1400" kern="1200" baseline="0">
+                <a:solidFill>
+                  <a:schemeClr val="tx1"/>
+                </a:solidFill>
+                <a:latin typeface="+mn-lt"/>
+                <a:ea typeface="+mn-ea"/>
+                <a:cs typeface="+mn-cs"/>
+              </a:defRPr>
+            </a:lvl9pPr>
+          </a:lstStyle>
+          <a:p>
+            <a:pPr marL="457200" indent="-457200" algn="l">
+              <a:buFont typeface="Arial" panose="020B0604020202020204" pitchFamily="34" charset="0"/>
+              <a:buChar char="•"/>
+            </a:pPr>
+            <a:r>
+              <a:rPr lang="zh-CN" altLang="en-US" dirty="0"/>
+              <a:t>以</a:t>
+            </a:r>
+            <a:r>
+              <a:rPr lang="en-US" altLang="zh-CN" dirty="0"/>
+              <a:t>《</a:t>
+            </a:r>
+            <a:r>
+              <a:rPr lang="zh-CN" altLang="en-US" dirty="0"/>
+              <a:t>中医基础理论</a:t>
+            </a:r>
+            <a:r>
+              <a:rPr lang="en-US" altLang="zh-CN" dirty="0"/>
+              <a:t>》</a:t>
+            </a:r>
+            <a:r>
+              <a:rPr lang="zh-CN" altLang="en-US" dirty="0"/>
+              <a:t>为蓝本构建新的本体模型</a:t>
+            </a:r>
+            <a:endParaRPr lang="en-US" altLang="zh-CN" dirty="0"/>
+          </a:p>
+          <a:p>
+            <a:pPr marL="457200" indent="-457200" algn="l">
+              <a:buFont typeface="Arial" panose="020B0604020202020204" pitchFamily="34" charset="0"/>
+              <a:buChar char="•"/>
+            </a:pPr>
+            <a:r>
+              <a:rPr lang="zh-CN" altLang="en-US" dirty="0"/>
+              <a:t>厘清</a:t>
+            </a:r>
+            <a:r>
+              <a:rPr lang="en-US" altLang="zh-CN" dirty="0"/>
+              <a:t>Class</a:t>
+            </a:r>
+            <a:r>
+              <a:rPr lang="zh-CN" altLang="en-US" dirty="0"/>
+              <a:t>与</a:t>
+            </a:r>
+            <a:r>
+              <a:rPr lang="en-US" altLang="zh-CN" dirty="0"/>
+              <a:t>Individual</a:t>
+            </a:r>
+            <a:r>
+              <a:rPr lang="zh-CN" altLang="en-US" dirty="0"/>
+              <a:t>的关系</a:t>
+            </a:r>
+            <a:endParaRPr lang="en-US" altLang="zh-CN" dirty="0"/>
+          </a:p>
+          <a:p>
+            <a:pPr marL="457200" indent="-457200" algn="l">
+              <a:buFont typeface="Arial" panose="020B0604020202020204" pitchFamily="34" charset="0"/>
+              <a:buChar char="•"/>
+            </a:pPr>
+            <a:r>
+              <a:rPr lang="zh-CN" altLang="en-US" dirty="0"/>
+              <a:t>创建初步的属性（关系）</a:t>
+            </a:r>
+            <a:endParaRPr lang="en-US" altLang="zh-CN" dirty="0"/>
+          </a:p>
+          <a:p>
+            <a:pPr marL="914400" lvl="1" indent="-457200" algn="l">
+              <a:buFont typeface="Arial" panose="020B0604020202020204" pitchFamily="34" charset="0"/>
+              <a:buChar char="•"/>
+            </a:pPr>
+            <a:r>
+              <a:rPr lang="en-US" dirty="0"/>
+              <a:t>authoredBy </a:t>
+            </a:r>
+            <a:r>
+              <a:rPr lang="en-US" dirty="0">
+                <a:sym typeface="Wingdings" panose="05000000000000000000" pitchFamily="2" charset="2"/>
+              </a:rPr>
+              <a:t> authored</a:t>
+            </a:r>
+          </a:p>
+          <a:p>
+            <a:pPr marL="914400" lvl="1" indent="-457200" algn="l">
+              <a:buFont typeface="Arial" panose="020B0604020202020204" pitchFamily="34" charset="0"/>
+              <a:buChar char="•"/>
+            </a:pPr>
+            <a:r>
+              <a:rPr lang="en-US" dirty="0">
+                <a:sym typeface="Wingdings" panose="05000000000000000000" pitchFamily="2" charset="2"/>
+              </a:rPr>
+              <a:t>includes  belongsTo, etc.</a:t>
+            </a:r>
+          </a:p>
+          <a:p>
+            <a:pPr marL="457200" indent="-457200" algn="l">
+              <a:buFont typeface="Arial" panose="020B0604020202020204" pitchFamily="34" charset="0"/>
+              <a:buChar char="•"/>
+            </a:pPr>
+            <a:r>
+              <a:rPr lang="zh-CN" altLang="en-US" dirty="0">
+                <a:sym typeface="Wingdings" panose="05000000000000000000" pitchFamily="2" charset="2"/>
+              </a:rPr>
+              <a:t>完成绪论的部分</a:t>
+            </a:r>
+            <a:endParaRPr lang="en-US" dirty="0"/>
+          </a:p>
+        </p:txBody>
+      </p:sp>
+      <p:pic>
+        <p:nvPicPr>
+          <p:cNvPr id="8" name="Picture 7">
+            <a:extLst>
+              <a:ext uri="{FF2B5EF4-FFF2-40B4-BE49-F238E27FC236}">
+                <a16:creationId xmlns:a16="http://schemas.microsoft.com/office/drawing/2014/main" id="{642D9C05-35B9-1592-504D-57A6EBD89CF2}"/>
+              </a:ext>
+            </a:extLst>
+          </p:cNvPr>
+          <p:cNvPicPr>
+            <a:picLocks noChangeAspect="1"/>
+          </p:cNvPicPr>
+          <p:nvPr/>
+        </p:nvPicPr>
+        <p:blipFill>
+          <a:blip r:embed="rId5"/>
+          <a:stretch>
+            <a:fillRect/>
+          </a:stretch>
+        </p:blipFill>
+        <p:spPr>
+          <a:xfrm>
+            <a:off x="8323729" y="2409698"/>
+            <a:ext cx="1968410" cy="2824240"/>
+          </a:xfrm>
+          <a:prstGeom prst="rect">
+            <a:avLst/>
+          </a:prstGeom>
+          <a:ln>
+            <a:noFill/>
+          </a:ln>
+          <a:effectLst>
+            <a:outerShdw blurRad="292100" dist="139700" dir="2700000" algn="tl" rotWithShape="0">
+              <a:srgbClr val="333333">
+                <a:alpha val="65000"/>
+              </a:srgbClr>
+            </a:outerShdw>
+          </a:effectLst>
+        </p:spPr>
+      </p:pic>
+    </p:spTree>
+    <p:extLst>
+      <p:ext uri="{BB962C8B-B14F-4D97-AF65-F5344CB8AC3E}">
+        <p14:creationId xmlns:p14="http://schemas.microsoft.com/office/powerpoint/2010/main" val="615796571"/>
       </p:ext>
     </p:extLst>
   </p:cSld>

--- a/使用Protégé建立中国传统医学本体模型.pptx
+++ b/使用Protégé建立中国传统医学本体模型.pptx
@@ -5,7 +5,7 @@
     <p:sldMasterId id="2147483684" r:id="rId1"/>
   </p:sldMasterIdLst>
   <p:notesMasterIdLst>
-    <p:notesMasterId r:id="rId7"/>
+    <p:notesMasterId r:id="rId8"/>
   </p:notesMasterIdLst>
   <p:sldIdLst>
     <p:sldId id="272" r:id="rId2"/>
@@ -13,6 +13,7 @@
     <p:sldId id="274" r:id="rId4"/>
     <p:sldId id="275" r:id="rId5"/>
     <p:sldId id="276" r:id="rId6"/>
+    <p:sldId id="277" r:id="rId7"/>
   </p:sldIdLst>
   <p:sldSz cx="12192000" cy="6858000"/>
   <p:notesSz cx="6858000" cy="9144000"/>
@@ -201,7 +202,7 @@
           <a:p>
             <a:fld id="{71BD4573-58E7-4156-A133-2731F5F8D1A6}" type="datetimeFigureOut">
               <a:rPr lang="en-US" smtClean="0"/>
-              <a:t>3/3/2024</a:t>
+              <a:t>4/2/2024</a:t>
             </a:fld>
             <a:endParaRPr lang="en-US"/>
           </a:p>
@@ -819,6 +820,114 @@
     <p:extLst>
       <p:ext uri="{BB962C8B-B14F-4D97-AF65-F5344CB8AC3E}">
         <p14:creationId xmlns:p14="http://schemas.microsoft.com/office/powerpoint/2010/main" val="2718338209"/>
+      </p:ext>
+    </p:extLst>
+  </p:cSld>
+  <p:clrMapOvr>
+    <a:masterClrMapping/>
+  </p:clrMapOvr>
+</p:notes>
+</file>
+
+<file path=ppt/notesSlides/notesSlide5.xml><?xml version="1.0" encoding="utf-8"?>
+<p:notes xmlns:a="http://schemas.openxmlformats.org/drawingml/2006/main" xmlns:r="http://schemas.openxmlformats.org/officeDocument/2006/relationships" xmlns:p="http://schemas.openxmlformats.org/presentationml/2006/main">
+  <p:cSld>
+    <p:spTree>
+      <p:nvGrpSpPr>
+        <p:cNvPr id="1" name="">
+          <a:extLst>
+            <a:ext uri="{FF2B5EF4-FFF2-40B4-BE49-F238E27FC236}">
+              <a16:creationId xmlns:a16="http://schemas.microsoft.com/office/drawing/2014/main" id="{B563666C-A6D2-06F0-DE6C-4A6BE83965DF}"/>
+            </a:ext>
+          </a:extLst>
+        </p:cNvPr>
+        <p:cNvGrpSpPr/>
+        <p:nvPr/>
+      </p:nvGrpSpPr>
+      <p:grpSpPr>
+        <a:xfrm>
+          <a:off x="0" y="0"/>
+          <a:ext cx="0" cy="0"/>
+          <a:chOff x="0" y="0"/>
+          <a:chExt cx="0" cy="0"/>
+        </a:xfrm>
+      </p:grpSpPr>
+      <p:sp>
+        <p:nvSpPr>
+          <p:cNvPr id="2" name="Slide Image Placeholder 1">
+            <a:extLst>
+              <a:ext uri="{FF2B5EF4-FFF2-40B4-BE49-F238E27FC236}">
+                <a16:creationId xmlns:a16="http://schemas.microsoft.com/office/drawing/2014/main" id="{9DCE7F3B-4A5B-D20B-E485-E99AA07F57E2}"/>
+              </a:ext>
+            </a:extLst>
+          </p:cNvPr>
+          <p:cNvSpPr>
+            <a:spLocks noGrp="1" noRot="1" noChangeAspect="1"/>
+          </p:cNvSpPr>
+          <p:nvPr>
+            <p:ph type="sldImg"/>
+          </p:nvPr>
+        </p:nvSpPr>
+        <p:spPr/>
+      </p:sp>
+      <p:sp>
+        <p:nvSpPr>
+          <p:cNvPr id="3" name="Notes Placeholder 2">
+            <a:extLst>
+              <a:ext uri="{FF2B5EF4-FFF2-40B4-BE49-F238E27FC236}">
+                <a16:creationId xmlns:a16="http://schemas.microsoft.com/office/drawing/2014/main" id="{EF6E8193-9EF9-C8CB-8BDB-170D316DC156}"/>
+              </a:ext>
+            </a:extLst>
+          </p:cNvPr>
+          <p:cNvSpPr>
+            <a:spLocks noGrp="1"/>
+          </p:cNvSpPr>
+          <p:nvPr>
+            <p:ph type="body" idx="1"/>
+          </p:nvPr>
+        </p:nvSpPr>
+        <p:spPr/>
+        <p:txBody>
+          <a:bodyPr/>
+          <a:lstStyle/>
+          <a:p>
+            <a:endParaRPr lang="en-US"/>
+          </a:p>
+        </p:txBody>
+      </p:sp>
+      <p:sp>
+        <p:nvSpPr>
+          <p:cNvPr id="4" name="Slide Number Placeholder 3">
+            <a:extLst>
+              <a:ext uri="{FF2B5EF4-FFF2-40B4-BE49-F238E27FC236}">
+                <a16:creationId xmlns:a16="http://schemas.microsoft.com/office/drawing/2014/main" id="{50A9F02C-6B68-C5F6-2D2C-0D6C6688A32E}"/>
+              </a:ext>
+            </a:extLst>
+          </p:cNvPr>
+          <p:cNvSpPr>
+            <a:spLocks noGrp="1"/>
+          </p:cNvSpPr>
+          <p:nvPr>
+            <p:ph type="sldNum" sz="quarter" idx="10"/>
+          </p:nvPr>
+        </p:nvSpPr>
+        <p:spPr/>
+        <p:txBody>
+          <a:bodyPr/>
+          <a:lstStyle/>
+          <a:p>
+            <a:fld id="{893B0CF2-7F87-4E02-A248-870047730F99}" type="slidenum">
+              <a:rPr lang="en-US" smtClean="0"/>
+              <a:t>6</a:t>
+            </a:fld>
+            <a:endParaRPr lang="en-US"/>
+          </a:p>
+        </p:txBody>
+      </p:sp>
+    </p:spTree>
+    <p:extLst>
+      <p:ext uri="{BB962C8B-B14F-4D97-AF65-F5344CB8AC3E}">
+        <p14:creationId xmlns:p14="http://schemas.microsoft.com/office/powerpoint/2010/main" val="700696170"/>
       </p:ext>
     </p:extLst>
   </p:cSld>
@@ -1142,7 +1251,7 @@
           <a:p>
             <a:fld id="{021A1D30-C0A0-4124-A783-34D9F15FA0FE}" type="datetime1">
               <a:rPr lang="en-US" smtClean="0"/>
-              <a:t>3/3/2024</a:t>
+              <a:t>4/2/2024</a:t>
             </a:fld>
             <a:endParaRPr lang="en-US"/>
           </a:p>
@@ -1326,7 +1435,7 @@
           <a:p>
             <a:fld id="{8D2D5871-AB0F-4B3D-8861-97E78CB7B47E}" type="datetime1">
               <a:rPr lang="en-US" smtClean="0"/>
-              <a:t>3/3/2024</a:t>
+              <a:t>4/2/2024</a:t>
             </a:fld>
             <a:endParaRPr lang="en-US"/>
           </a:p>
@@ -1520,7 +1629,7 @@
           <a:p>
             <a:fld id="{14418406-4C3F-4F3E-80BD-A22568EA37EB}" type="datetime1">
               <a:rPr lang="en-US" smtClean="0"/>
-              <a:t>3/3/2024</a:t>
+              <a:t>4/2/2024</a:t>
             </a:fld>
             <a:endParaRPr lang="en-US"/>
           </a:p>
@@ -1704,7 +1813,7 @@
           <a:p>
             <a:fld id="{65F28077-7188-48C5-8679-2287FAC952E9}" type="datetime1">
               <a:rPr lang="en-US" smtClean="0"/>
-              <a:t>3/3/2024</a:t>
+              <a:t>4/2/2024</a:t>
             </a:fld>
             <a:endParaRPr lang="en-US"/>
           </a:p>
@@ -1951,7 +2060,7 @@
           <a:p>
             <a:fld id="{D2DCB740-6776-4EE9-99FD-96D592FA5A23}" type="datetime1">
               <a:rPr lang="en-US" smtClean="0"/>
-              <a:t>3/3/2024</a:t>
+              <a:t>4/2/2024</a:t>
             </a:fld>
             <a:endParaRPr lang="en-US"/>
           </a:p>
@@ -2234,7 +2343,7 @@
           <a:p>
             <a:fld id="{05F6BD99-6FFD-46C5-B5E2-43A34BDA2566}" type="datetime1">
               <a:rPr lang="en-US" smtClean="0"/>
-              <a:t>3/3/2024</a:t>
+              <a:t>4/2/2024</a:t>
             </a:fld>
             <a:endParaRPr lang="en-US"/>
           </a:p>
@@ -2631,7 +2740,7 @@
           <a:p>
             <a:fld id="{E022678E-214C-4CF8-97C7-95015FB02960}" type="datetime1">
               <a:rPr lang="en-US" smtClean="0"/>
-              <a:t>3/3/2024</a:t>
+              <a:t>4/2/2024</a:t>
             </a:fld>
             <a:endParaRPr lang="en-US"/>
           </a:p>
@@ -2800,7 +2909,7 @@
           <a:p>
             <a:fld id="{D55660E0-FA77-4473-A859-74127B089143}" type="datetime1">
               <a:rPr lang="en-US" smtClean="0"/>
-              <a:t>3/3/2024</a:t>
+              <a:t>4/2/2024</a:t>
             </a:fld>
             <a:endParaRPr lang="en-US"/>
           </a:p>
@@ -2910,7 +3019,7 @@
           <a:p>
             <a:fld id="{3188D7B8-9F07-4899-827D-5F3CFDDEB574}" type="datetime1">
               <a:rPr lang="en-US" smtClean="0"/>
-              <a:t>3/3/2024</a:t>
+              <a:t>4/2/2024</a:t>
             </a:fld>
             <a:endParaRPr lang="en-US"/>
           </a:p>
@@ -3190,7 +3299,7 @@
           <a:p>
             <a:fld id="{B5197C5C-1CD1-417D-A89C-14747F5222C7}" type="datetime1">
               <a:rPr lang="en-US" smtClean="0"/>
-              <a:t>3/3/2024</a:t>
+              <a:t>4/2/2024</a:t>
             </a:fld>
             <a:endParaRPr lang="en-US"/>
           </a:p>
@@ -3543,7 +3652,7 @@
           <a:p>
             <a:fld id="{1359EFBB-CFA1-4AA8-9123-F0B52DBD84FE}" type="datetime1">
               <a:rPr lang="en-US" smtClean="0"/>
-              <a:t>3/3/2024</a:t>
+              <a:t>4/2/2024</a:t>
             </a:fld>
             <a:endParaRPr lang="en-US"/>
           </a:p>
@@ -4577,7 +4686,7 @@
             <a:fld id="{61146459-E3C3-4969-9224-5ED50B492D17}" type="datetime1">
               <a:rPr lang="en-US" smtClean="0"/>
               <a:pPr/>
-              <a:t>3/3/2024</a:t>
+              <a:t>4/2/2024</a:t>
             </a:fld>
             <a:endParaRPr lang="en-US" dirty="0"/>
           </a:p>
@@ -7174,6 +7283,610 @@
       </p:transition>
     </mc:Choice>
     <mc:Fallback xmlns="">
+      <p:transition spd="med">
+        <p:fade/>
+      </p:transition>
+    </mc:Fallback>
+  </mc:AlternateContent>
+</p:sld>
+</file>
+
+<file path=ppt/slides/slide6.xml><?xml version="1.0" encoding="utf-8"?>
+<p:sld xmlns:a="http://schemas.openxmlformats.org/drawingml/2006/main" xmlns:r="http://schemas.openxmlformats.org/officeDocument/2006/relationships" xmlns:p="http://schemas.openxmlformats.org/presentationml/2006/main">
+  <p:cSld>
+    <p:spTree>
+      <p:nvGrpSpPr>
+        <p:cNvPr id="1" name="">
+          <a:extLst>
+            <a:ext uri="{FF2B5EF4-FFF2-40B4-BE49-F238E27FC236}">
+              <a16:creationId xmlns:a16="http://schemas.microsoft.com/office/drawing/2014/main" id="{7A2F18F0-B19B-5A42-79F9-7648AAB476E1}"/>
+            </a:ext>
+          </a:extLst>
+        </p:cNvPr>
+        <p:cNvGrpSpPr/>
+        <p:nvPr/>
+      </p:nvGrpSpPr>
+      <p:grpSpPr>
+        <a:xfrm>
+          <a:off x="0" y="0"/>
+          <a:ext cx="0" cy="0"/>
+          <a:chOff x="0" y="0"/>
+          <a:chExt cx="0" cy="0"/>
+        </a:xfrm>
+      </p:grpSpPr>
+      <p:sp>
+        <p:nvSpPr>
+          <p:cNvPr id="4" name="Title 3">
+            <a:extLst>
+              <a:ext uri="{FF2B5EF4-FFF2-40B4-BE49-F238E27FC236}">
+                <a16:creationId xmlns:a16="http://schemas.microsoft.com/office/drawing/2014/main" id="{FBBD7D0A-FD39-5AE6-3659-9E6652979EF2}"/>
+              </a:ext>
+            </a:extLst>
+          </p:cNvPr>
+          <p:cNvSpPr>
+            <a:spLocks noGrp="1"/>
+          </p:cNvSpPr>
+          <p:nvPr>
+            <p:ph type="ctrTitle"/>
+          </p:nvPr>
+        </p:nvSpPr>
+        <p:spPr>
+          <a:xfrm>
+            <a:off x="715264" y="349246"/>
+            <a:ext cx="10468864" cy="1828800"/>
+          </a:xfrm>
+        </p:spPr>
+        <p:txBody>
+          <a:bodyPr>
+            <a:normAutofit/>
+          </a:bodyPr>
+          <a:lstStyle/>
+          <a:p>
+            <a:r>
+              <a:rPr lang="zh-CN" altLang="en-US" sz="4400" dirty="0"/>
+              <a:t>使用</a:t>
+            </a:r>
+            <a:r>
+              <a:rPr lang="en-US" altLang="zh-CN" sz="4400" dirty="0"/>
+              <a:t>Protégé</a:t>
+            </a:r>
+            <a:r>
+              <a:rPr lang="zh-CN" altLang="en-US" sz="4400" dirty="0"/>
+              <a:t>建立中国传统医学本体模型</a:t>
+            </a:r>
+            <a:r>
+              <a:rPr lang="en-US" altLang="zh-CN" sz="4400" dirty="0"/>
+              <a:t>CN-MEDO Ontology - </a:t>
+            </a:r>
+            <a:r>
+              <a:rPr lang="en-US" altLang="zh-CN" sz="7200" dirty="0"/>
+              <a:t>005</a:t>
+            </a:r>
+            <a:endParaRPr lang="en-US" sz="4400" dirty="0"/>
+          </a:p>
+        </p:txBody>
+      </p:sp>
+      <p:sp>
+        <p:nvSpPr>
+          <p:cNvPr id="2" name="TextBox 1">
+            <a:extLst>
+              <a:ext uri="{FF2B5EF4-FFF2-40B4-BE49-F238E27FC236}">
+                <a16:creationId xmlns:a16="http://schemas.microsoft.com/office/drawing/2014/main" id="{7BAB936B-6853-96B9-2EA4-CA6824376BE0}"/>
+              </a:ext>
+            </a:extLst>
+          </p:cNvPr>
+          <p:cNvSpPr txBox="1"/>
+          <p:nvPr/>
+        </p:nvSpPr>
+        <p:spPr>
+          <a:xfrm>
+            <a:off x="1255058" y="5253317"/>
+            <a:ext cx="5800178" cy="923330"/>
+          </a:xfrm>
+          <a:prstGeom prst="rect">
+            <a:avLst/>
+          </a:prstGeom>
+          <a:solidFill>
+            <a:schemeClr val="accent3">
+              <a:lumMod val="20000"/>
+              <a:lumOff val="80000"/>
+            </a:schemeClr>
+          </a:solidFill>
+          <a:ln>
+            <a:solidFill>
+              <a:schemeClr val="bg2"/>
+            </a:solidFill>
+          </a:ln>
+        </p:spPr>
+        <p:txBody>
+          <a:bodyPr wrap="none" rtlCol="0">
+            <a:spAutoFit/>
+          </a:bodyPr>
+          <a:lstStyle/>
+          <a:p>
+            <a:r>
+              <a:rPr lang="en-US" dirty="0"/>
+              <a:t>GitHub: </a:t>
+            </a:r>
+            <a:r>
+              <a:rPr lang="en-US" dirty="0">
+                <a:hlinkClick r:id="rId3"/>
+              </a:rPr>
+              <a:t>https://github.com/yasenstar/Chinese_Culture</a:t>
+            </a:r>
+            <a:endParaRPr lang="en-US" dirty="0"/>
+          </a:p>
+          <a:p>
+            <a:endParaRPr lang="en-US" dirty="0"/>
+          </a:p>
+          <a:p>
+            <a:r>
+              <a:rPr lang="en-US" dirty="0"/>
+              <a:t>Gitee: </a:t>
+            </a:r>
+            <a:r>
+              <a:rPr lang="en-US" dirty="0">
+                <a:hlinkClick r:id="rId4"/>
+              </a:rPr>
+              <a:t>https://gitee.com/yasenstar/Chinese_Culture</a:t>
+            </a:r>
+            <a:endParaRPr lang="en-US" dirty="0"/>
+          </a:p>
+        </p:txBody>
+      </p:sp>
+      <p:sp>
+        <p:nvSpPr>
+          <p:cNvPr id="3" name="Subtitle 4">
+            <a:extLst>
+              <a:ext uri="{FF2B5EF4-FFF2-40B4-BE49-F238E27FC236}">
+                <a16:creationId xmlns:a16="http://schemas.microsoft.com/office/drawing/2014/main" id="{A2B4AC1D-9459-E328-CB8B-937B80569488}"/>
+              </a:ext>
+            </a:extLst>
+          </p:cNvPr>
+          <p:cNvSpPr txBox="1">
+            <a:spLocks/>
+          </p:cNvSpPr>
+          <p:nvPr/>
+        </p:nvSpPr>
+        <p:spPr>
+          <a:xfrm>
+            <a:off x="1255059" y="2106706"/>
+            <a:ext cx="6176682" cy="3127232"/>
+          </a:xfrm>
+          <a:prstGeom prst="rect">
+            <a:avLst/>
+          </a:prstGeom>
+        </p:spPr>
+        <p:txBody>
+          <a:bodyPr vert="horz" lIns="0" rIns="18288">
+            <a:normAutofit lnSpcReduction="10000"/>
+          </a:bodyPr>
+          <a:lstStyle>
+            <a:lvl1pPr marL="0" marR="45720" indent="0" algn="r" rtl="0" eaLnBrk="1" latinLnBrk="0" hangingPunct="1">
+              <a:spcBef>
+                <a:spcPct val="20000"/>
+              </a:spcBef>
+              <a:buClr>
+                <a:schemeClr val="accent3">
+                  <a:lumMod val="50000"/>
+                </a:schemeClr>
+              </a:buClr>
+              <a:buSzPct val="95000"/>
+              <a:buFont typeface="Wingdings 2"/>
+              <a:buNone/>
+              <a:defRPr kumimoji="0" sz="2600" kern="1200">
+                <a:solidFill>
+                  <a:schemeClr val="tx1"/>
+                </a:solidFill>
+                <a:latin typeface="+mn-lt"/>
+                <a:ea typeface="+mn-ea"/>
+                <a:cs typeface="+mn-cs"/>
+              </a:defRPr>
+            </a:lvl1pPr>
+            <a:lvl2pPr marL="457200" indent="0" algn="ctr" rtl="0" eaLnBrk="1" latinLnBrk="0" hangingPunct="1">
+              <a:spcBef>
+                <a:spcPct val="20000"/>
+              </a:spcBef>
+              <a:buClr>
+                <a:schemeClr val="accent1">
+                  <a:lumMod val="50000"/>
+                </a:schemeClr>
+              </a:buClr>
+              <a:buSzPct val="85000"/>
+              <a:buFont typeface="Wingdings 2"/>
+              <a:buNone/>
+              <a:defRPr kumimoji="0" sz="2400" kern="1200">
+                <a:solidFill>
+                  <a:schemeClr val="tx1"/>
+                </a:solidFill>
+                <a:latin typeface="+mn-lt"/>
+                <a:ea typeface="+mn-ea"/>
+                <a:cs typeface="+mn-cs"/>
+              </a:defRPr>
+            </a:lvl2pPr>
+            <a:lvl3pPr marL="914400" indent="0" algn="ctr" rtl="0" eaLnBrk="1" latinLnBrk="0" hangingPunct="1">
+              <a:spcBef>
+                <a:spcPct val="20000"/>
+              </a:spcBef>
+              <a:buClr>
+                <a:schemeClr val="accent2">
+                  <a:lumMod val="50000"/>
+                </a:schemeClr>
+              </a:buClr>
+              <a:buSzPct val="70000"/>
+              <a:buFont typeface="Wingdings 2"/>
+              <a:buNone/>
+              <a:defRPr kumimoji="0" sz="2100" kern="1200">
+                <a:solidFill>
+                  <a:schemeClr val="tx1"/>
+                </a:solidFill>
+                <a:latin typeface="+mn-lt"/>
+                <a:ea typeface="+mn-ea"/>
+                <a:cs typeface="+mn-cs"/>
+              </a:defRPr>
+            </a:lvl3pPr>
+            <a:lvl4pPr marL="1371600" indent="0" algn="ctr" rtl="0" eaLnBrk="1" latinLnBrk="0" hangingPunct="1">
+              <a:spcBef>
+                <a:spcPct val="20000"/>
+              </a:spcBef>
+              <a:buClr>
+                <a:schemeClr val="accent3">
+                  <a:lumMod val="50000"/>
+                </a:schemeClr>
+              </a:buClr>
+              <a:buSzPct val="65000"/>
+              <a:buFont typeface="Wingdings 2"/>
+              <a:buNone/>
+              <a:defRPr kumimoji="0" sz="2000" kern="1200">
+                <a:solidFill>
+                  <a:schemeClr val="tx1"/>
+                </a:solidFill>
+                <a:latin typeface="+mn-lt"/>
+                <a:ea typeface="+mn-ea"/>
+                <a:cs typeface="+mn-cs"/>
+              </a:defRPr>
+            </a:lvl4pPr>
+            <a:lvl5pPr marL="1828800" indent="0" algn="ctr" rtl="0" eaLnBrk="1" latinLnBrk="0" hangingPunct="1">
+              <a:spcBef>
+                <a:spcPct val="20000"/>
+              </a:spcBef>
+              <a:buClr>
+                <a:schemeClr val="accent4">
+                  <a:lumMod val="75000"/>
+                </a:schemeClr>
+              </a:buClr>
+              <a:buSzPct val="65000"/>
+              <a:buFont typeface="Wingdings 2"/>
+              <a:buNone/>
+              <a:defRPr kumimoji="0" sz="2000" kern="1200">
+                <a:solidFill>
+                  <a:schemeClr val="tx1"/>
+                </a:solidFill>
+                <a:latin typeface="+mn-lt"/>
+                <a:ea typeface="+mn-ea"/>
+                <a:cs typeface="+mn-cs"/>
+              </a:defRPr>
+            </a:lvl5pPr>
+            <a:lvl6pPr marL="2286000" indent="0" algn="ctr" rtl="0" eaLnBrk="1" latinLnBrk="0" hangingPunct="1">
+              <a:spcBef>
+                <a:spcPct val="20000"/>
+              </a:spcBef>
+              <a:buClr>
+                <a:schemeClr val="accent5">
+                  <a:lumMod val="50000"/>
+                </a:schemeClr>
+              </a:buClr>
+              <a:buSzPct val="80000"/>
+              <a:buFont typeface="Wingdings 2"/>
+              <a:buNone/>
+              <a:defRPr kumimoji="0" sz="1800" kern="1200">
+                <a:solidFill>
+                  <a:schemeClr val="tx1"/>
+                </a:solidFill>
+                <a:latin typeface="+mn-lt"/>
+                <a:ea typeface="+mn-ea"/>
+                <a:cs typeface="+mn-cs"/>
+              </a:defRPr>
+            </a:lvl6pPr>
+            <a:lvl7pPr marL="2743200" indent="0" algn="ctr" rtl="0" eaLnBrk="1" latinLnBrk="0" hangingPunct="1">
+              <a:spcBef>
+                <a:spcPct val="20000"/>
+              </a:spcBef>
+              <a:buClr>
+                <a:schemeClr val="accent6">
+                  <a:lumMod val="75000"/>
+                </a:schemeClr>
+              </a:buClr>
+              <a:buSzPct val="80000"/>
+              <a:buFont typeface="Wingdings 2"/>
+              <a:buNone/>
+              <a:defRPr kumimoji="0" sz="1600" kern="1200" baseline="0">
+                <a:solidFill>
+                  <a:schemeClr val="tx1"/>
+                </a:solidFill>
+                <a:latin typeface="+mn-lt"/>
+                <a:ea typeface="+mn-ea"/>
+                <a:cs typeface="+mn-cs"/>
+              </a:defRPr>
+            </a:lvl7pPr>
+            <a:lvl8pPr marL="3200400" indent="0" algn="ctr" rtl="0" eaLnBrk="1" latinLnBrk="0" hangingPunct="1">
+              <a:spcBef>
+                <a:spcPct val="20000"/>
+              </a:spcBef>
+              <a:buClr>
+                <a:schemeClr val="tx2"/>
+              </a:buClr>
+              <a:buNone/>
+              <a:defRPr kumimoji="0" sz="1600" kern="1200">
+                <a:solidFill>
+                  <a:schemeClr val="tx1"/>
+                </a:solidFill>
+                <a:latin typeface="+mn-lt"/>
+                <a:ea typeface="+mn-ea"/>
+                <a:cs typeface="+mn-cs"/>
+              </a:defRPr>
+            </a:lvl8pPr>
+            <a:lvl9pPr marL="3657600" indent="0" algn="ctr" rtl="0" eaLnBrk="1" latinLnBrk="0" hangingPunct="1">
+              <a:spcBef>
+                <a:spcPct val="20000"/>
+              </a:spcBef>
+              <a:buClr>
+                <a:schemeClr val="tx2"/>
+              </a:buClr>
+              <a:buFontTx/>
+              <a:buNone/>
+              <a:defRPr kumimoji="0" sz="1400" kern="1200" baseline="0">
+                <a:solidFill>
+                  <a:schemeClr val="tx1"/>
+                </a:solidFill>
+                <a:latin typeface="+mn-lt"/>
+                <a:ea typeface="+mn-ea"/>
+                <a:cs typeface="+mn-cs"/>
+              </a:defRPr>
+            </a:lvl9pPr>
+          </a:lstStyle>
+          <a:p>
+            <a:pPr marL="457200" indent="-457200" algn="l">
+              <a:buFont typeface="Arial" panose="020B0604020202020204" pitchFamily="34" charset="0"/>
+              <a:buChar char="•"/>
+            </a:pPr>
+            <a:r>
+              <a:rPr lang="zh-CN" altLang="en-US" dirty="0"/>
+              <a:t>建立新的本体模型：</a:t>
+            </a:r>
+            <a:r>
+              <a:rPr lang="en-US" altLang="zh-CN" dirty="0"/>
+              <a:t>CN-MEDO (Chinese Medicine Ontology)</a:t>
+            </a:r>
+          </a:p>
+          <a:p>
+            <a:pPr marL="457200" indent="-457200" algn="l">
+              <a:buFont typeface="Arial" panose="020B0604020202020204" pitchFamily="34" charset="0"/>
+              <a:buChar char="•"/>
+            </a:pPr>
+            <a:r>
+              <a:rPr lang="zh-CN" altLang="en-US" dirty="0"/>
+              <a:t>从</a:t>
+            </a:r>
+            <a:r>
+              <a:rPr lang="en-US" altLang="zh-CN" dirty="0"/>
+              <a:t>《</a:t>
+            </a:r>
+            <a:r>
+              <a:rPr lang="zh-CN" altLang="en-US" dirty="0"/>
+              <a:t>神农本草经</a:t>
+            </a:r>
+            <a:r>
+              <a:rPr lang="en-US" altLang="zh-CN" dirty="0"/>
+              <a:t>》</a:t>
+            </a:r>
+            <a:r>
+              <a:rPr lang="zh-CN" altLang="en-US" dirty="0"/>
+              <a:t>和</a:t>
+            </a:r>
+            <a:r>
+              <a:rPr lang="en-US" altLang="zh-CN" dirty="0"/>
+              <a:t>《</a:t>
+            </a:r>
+            <a:r>
+              <a:rPr lang="zh-CN" altLang="en-US" dirty="0"/>
+              <a:t>伤寒杂病论</a:t>
+            </a:r>
+            <a:r>
+              <a:rPr lang="en-US" altLang="zh-CN" dirty="0"/>
+              <a:t>》</a:t>
+            </a:r>
+            <a:r>
+              <a:rPr lang="zh-CN" altLang="en-US" dirty="0"/>
+              <a:t>入手</a:t>
+            </a:r>
+            <a:endParaRPr lang="en-US" altLang="zh-CN" dirty="0"/>
+          </a:p>
+          <a:p>
+            <a:pPr marL="457200" indent="-457200" algn="l">
+              <a:buFont typeface="Arial" panose="020B0604020202020204" pitchFamily="34" charset="0"/>
+              <a:buChar char="•"/>
+            </a:pPr>
+            <a:r>
+              <a:rPr lang="zh-CN" altLang="en-US" dirty="0"/>
+              <a:t>建立上、中、下三经的药品名录结构</a:t>
+            </a:r>
+            <a:endParaRPr lang="en-US" altLang="zh-CN" dirty="0"/>
+          </a:p>
+          <a:p>
+            <a:pPr marL="457200" indent="-457200" algn="l">
+              <a:buFont typeface="Arial" panose="020B0604020202020204" pitchFamily="34" charset="0"/>
+              <a:buChar char="•"/>
+            </a:pPr>
+            <a:r>
+              <a:rPr lang="zh-CN" altLang="en-US" dirty="0"/>
+              <a:t>建立病脉证第一层结构</a:t>
+            </a:r>
+            <a:endParaRPr lang="en-US" altLang="zh-CN" dirty="0"/>
+          </a:p>
+          <a:p>
+            <a:pPr marL="457200" indent="-457200" algn="l">
+              <a:buFont typeface="Arial" panose="020B0604020202020204" pitchFamily="34" charset="0"/>
+              <a:buChar char="•"/>
+            </a:pPr>
+            <a:r>
+              <a:rPr lang="zh-CN" altLang="en-US" dirty="0"/>
+              <a:t>探讨后续</a:t>
+            </a:r>
+            <a:r>
+              <a:rPr lang="en-US" altLang="zh-CN" dirty="0"/>
+              <a:t>Class / Instance</a:t>
+            </a:r>
+            <a:r>
+              <a:rPr lang="zh-CN" altLang="en-US" dirty="0"/>
+              <a:t>建模考量</a:t>
+            </a:r>
+            <a:endParaRPr lang="en-US" dirty="0"/>
+          </a:p>
+        </p:txBody>
+      </p:sp>
+      <p:pic>
+        <p:nvPicPr>
+          <p:cNvPr id="7" name="Picture 6">
+            <a:extLst>
+              <a:ext uri="{FF2B5EF4-FFF2-40B4-BE49-F238E27FC236}">
+                <a16:creationId xmlns:a16="http://schemas.microsoft.com/office/drawing/2014/main" id="{2E261CD0-0865-67BA-DEA2-604F10B3C1B5}"/>
+              </a:ext>
+            </a:extLst>
+          </p:cNvPr>
+          <p:cNvPicPr>
+            <a:picLocks noChangeAspect="1"/>
+          </p:cNvPicPr>
+          <p:nvPr/>
+        </p:nvPicPr>
+        <p:blipFill>
+          <a:blip r:embed="rId5"/>
+          <a:stretch>
+            <a:fillRect/>
+          </a:stretch>
+        </p:blipFill>
+        <p:spPr>
+          <a:xfrm>
+            <a:off x="7519098" y="2977014"/>
+            <a:ext cx="1507663" cy="2094858"/>
+          </a:xfrm>
+          <a:prstGeom prst="rect">
+            <a:avLst/>
+          </a:prstGeom>
+        </p:spPr>
+      </p:pic>
+      <p:pic>
+        <p:nvPicPr>
+          <p:cNvPr id="10" name="Picture 9">
+            <a:extLst>
+              <a:ext uri="{FF2B5EF4-FFF2-40B4-BE49-F238E27FC236}">
+                <a16:creationId xmlns:a16="http://schemas.microsoft.com/office/drawing/2014/main" id="{E425FC0A-0445-F5DE-5645-DD9EC5561E5F}"/>
+              </a:ext>
+            </a:extLst>
+          </p:cNvPr>
+          <p:cNvPicPr>
+            <a:picLocks noChangeAspect="1"/>
+          </p:cNvPicPr>
+          <p:nvPr/>
+        </p:nvPicPr>
+        <p:blipFill>
+          <a:blip r:embed="rId6"/>
+          <a:stretch>
+            <a:fillRect/>
+          </a:stretch>
+        </p:blipFill>
+        <p:spPr>
+          <a:xfrm>
+            <a:off x="9438068" y="2977014"/>
+            <a:ext cx="1559116" cy="2094858"/>
+          </a:xfrm>
+          <a:prstGeom prst="rect">
+            <a:avLst/>
+          </a:prstGeom>
+        </p:spPr>
+      </p:pic>
+      <p:sp>
+        <p:nvSpPr>
+          <p:cNvPr id="12" name="Subtitle 11">
+            <a:extLst>
+              <a:ext uri="{FF2B5EF4-FFF2-40B4-BE49-F238E27FC236}">
+                <a16:creationId xmlns:a16="http://schemas.microsoft.com/office/drawing/2014/main" id="{E4C8B1F0-1F10-3959-9CDB-4D588701167A}"/>
+              </a:ext>
+            </a:extLst>
+          </p:cNvPr>
+          <p:cNvSpPr>
+            <a:spLocks noGrp="1"/>
+          </p:cNvSpPr>
+          <p:nvPr>
+            <p:ph type="subTitle" idx="1"/>
+          </p:nvPr>
+        </p:nvSpPr>
+        <p:spPr/>
+        <p:txBody>
+          <a:bodyPr/>
+          <a:lstStyle/>
+          <a:p>
+            <a:endParaRPr lang="en-US"/>
+          </a:p>
+        </p:txBody>
+      </p:sp>
+      <p:pic>
+        <p:nvPicPr>
+          <p:cNvPr id="14" name="Picture 13">
+            <a:extLst>
+              <a:ext uri="{FF2B5EF4-FFF2-40B4-BE49-F238E27FC236}">
+                <a16:creationId xmlns:a16="http://schemas.microsoft.com/office/drawing/2014/main" id="{383F1D55-D473-49D7-54AF-75EBD5D5FB94}"/>
+              </a:ext>
+            </a:extLst>
+          </p:cNvPr>
+          <p:cNvPicPr>
+            <a:picLocks noChangeAspect="1"/>
+          </p:cNvPicPr>
+          <p:nvPr/>
+        </p:nvPicPr>
+        <p:blipFill>
+          <a:blip r:embed="rId7"/>
+          <a:stretch>
+            <a:fillRect/>
+          </a:stretch>
+        </p:blipFill>
+        <p:spPr>
+          <a:xfrm>
+            <a:off x="116923" y="6284428"/>
+            <a:ext cx="2120630" cy="441606"/>
+          </a:xfrm>
+          <a:prstGeom prst="rect">
+            <a:avLst/>
+          </a:prstGeom>
+          <a:ln>
+            <a:noFill/>
+          </a:ln>
+          <a:effectLst>
+            <a:outerShdw blurRad="292100" dist="139700" dir="2700000" algn="tl" rotWithShape="0">
+              <a:srgbClr val="333333">
+                <a:alpha val="65000"/>
+              </a:srgbClr>
+            </a:outerShdw>
+          </a:effectLst>
+        </p:spPr>
+      </p:pic>
+    </p:spTree>
+    <p:extLst>
+      <p:ext uri="{BB962C8B-B14F-4D97-AF65-F5344CB8AC3E}">
+        <p14:creationId xmlns:p14="http://schemas.microsoft.com/office/powerpoint/2010/main" val="2518873413"/>
+      </p:ext>
+    </p:extLst>
+  </p:cSld>
+  <p:clrMapOvr>
+    <a:masterClrMapping/>
+  </p:clrMapOvr>
+  <mc:AlternateContent xmlns:mc="http://schemas.openxmlformats.org/markup-compatibility/2006">
+    <mc:Choice xmlns:p14="http://schemas.microsoft.com/office/powerpoint/2010/main" Requires="p14">
+      <p:transition spd="med" p14:dur="700">
+        <p:fade/>
+      </p:transition>
+    </mc:Choice>
+    <mc:Fallback>
       <p:transition spd="med">
         <p:fade/>
       </p:transition>

--- a/使用Protégé建立中国传统医学本体模型.pptx
+++ b/使用Protégé建立中国传统医学本体模型.pptx
@@ -7773,6 +7773,16 @@
           <a:prstGeom prst="rect">
             <a:avLst/>
           </a:prstGeom>
+          <a:ln>
+            <a:noFill/>
+          </a:ln>
+          <a:effectLst>
+            <a:outerShdw blurRad="292100" dist="139700" dir="2700000" algn="tl" rotWithShape="0">
+              <a:srgbClr val="333333">
+                <a:alpha val="65000"/>
+              </a:srgbClr>
+            </a:outerShdw>
+          </a:effectLst>
         </p:spPr>
       </p:pic>
       <p:pic>
@@ -7803,33 +7813,18 @@
           <a:prstGeom prst="rect">
             <a:avLst/>
           </a:prstGeom>
+          <a:ln>
+            <a:noFill/>
+          </a:ln>
+          <a:effectLst>
+            <a:outerShdw blurRad="292100" dist="139700" dir="2700000" algn="tl" rotWithShape="0">
+              <a:srgbClr val="333333">
+                <a:alpha val="65000"/>
+              </a:srgbClr>
+            </a:outerShdw>
+          </a:effectLst>
         </p:spPr>
       </p:pic>
-      <p:sp>
-        <p:nvSpPr>
-          <p:cNvPr id="12" name="Subtitle 11">
-            <a:extLst>
-              <a:ext uri="{FF2B5EF4-FFF2-40B4-BE49-F238E27FC236}">
-                <a16:creationId xmlns:a16="http://schemas.microsoft.com/office/drawing/2014/main" id="{E4C8B1F0-1F10-3959-9CDB-4D588701167A}"/>
-              </a:ext>
-            </a:extLst>
-          </p:cNvPr>
-          <p:cNvSpPr>
-            <a:spLocks noGrp="1"/>
-          </p:cNvSpPr>
-          <p:nvPr>
-            <p:ph type="subTitle" idx="1"/>
-          </p:nvPr>
-        </p:nvSpPr>
-        <p:spPr/>
-        <p:txBody>
-          <a:bodyPr/>
-          <a:lstStyle/>
-          <a:p>
-            <a:endParaRPr lang="en-US"/>
-          </a:p>
-        </p:txBody>
-      </p:sp>
       <p:pic>
         <p:nvPicPr>
           <p:cNvPr id="14" name="Picture 13">

--- a/使用Protégé建立中国传统医学本体模型.pptx
+++ b/使用Protégé建立中国传统医学本体模型.pptx
@@ -5,7 +5,7 @@
     <p:sldMasterId id="2147483684" r:id="rId1"/>
   </p:sldMasterIdLst>
   <p:notesMasterIdLst>
-    <p:notesMasterId r:id="rId8"/>
+    <p:notesMasterId r:id="rId9"/>
   </p:notesMasterIdLst>
   <p:sldIdLst>
     <p:sldId id="272" r:id="rId2"/>
@@ -14,6 +14,7 @@
     <p:sldId id="275" r:id="rId5"/>
     <p:sldId id="276" r:id="rId6"/>
     <p:sldId id="277" r:id="rId7"/>
+    <p:sldId id="278" r:id="rId8"/>
   </p:sldIdLst>
   <p:sldSz cx="12192000" cy="6858000"/>
   <p:notesSz cx="6858000" cy="9144000"/>
@@ -928,6 +929,114 @@
     <p:extLst>
       <p:ext uri="{BB962C8B-B14F-4D97-AF65-F5344CB8AC3E}">
         <p14:creationId xmlns:p14="http://schemas.microsoft.com/office/powerpoint/2010/main" val="700696170"/>
+      </p:ext>
+    </p:extLst>
+  </p:cSld>
+  <p:clrMapOvr>
+    <a:masterClrMapping/>
+  </p:clrMapOvr>
+</p:notes>
+</file>
+
+<file path=ppt/notesSlides/notesSlide6.xml><?xml version="1.0" encoding="utf-8"?>
+<p:notes xmlns:a="http://schemas.openxmlformats.org/drawingml/2006/main" xmlns:r="http://schemas.openxmlformats.org/officeDocument/2006/relationships" xmlns:p="http://schemas.openxmlformats.org/presentationml/2006/main">
+  <p:cSld>
+    <p:spTree>
+      <p:nvGrpSpPr>
+        <p:cNvPr id="1" name="">
+          <a:extLst>
+            <a:ext uri="{FF2B5EF4-FFF2-40B4-BE49-F238E27FC236}">
+              <a16:creationId xmlns:a16="http://schemas.microsoft.com/office/drawing/2014/main" id="{B563666C-A6D2-06F0-DE6C-4A6BE83965DF}"/>
+            </a:ext>
+          </a:extLst>
+        </p:cNvPr>
+        <p:cNvGrpSpPr/>
+        <p:nvPr/>
+      </p:nvGrpSpPr>
+      <p:grpSpPr>
+        <a:xfrm>
+          <a:off x="0" y="0"/>
+          <a:ext cx="0" cy="0"/>
+          <a:chOff x="0" y="0"/>
+          <a:chExt cx="0" cy="0"/>
+        </a:xfrm>
+      </p:grpSpPr>
+      <p:sp>
+        <p:nvSpPr>
+          <p:cNvPr id="2" name="Slide Image Placeholder 1">
+            <a:extLst>
+              <a:ext uri="{FF2B5EF4-FFF2-40B4-BE49-F238E27FC236}">
+                <a16:creationId xmlns:a16="http://schemas.microsoft.com/office/drawing/2014/main" id="{9DCE7F3B-4A5B-D20B-E485-E99AA07F57E2}"/>
+              </a:ext>
+            </a:extLst>
+          </p:cNvPr>
+          <p:cNvSpPr>
+            <a:spLocks noGrp="1" noRot="1" noChangeAspect="1"/>
+          </p:cNvSpPr>
+          <p:nvPr>
+            <p:ph type="sldImg"/>
+          </p:nvPr>
+        </p:nvSpPr>
+        <p:spPr/>
+      </p:sp>
+      <p:sp>
+        <p:nvSpPr>
+          <p:cNvPr id="3" name="Notes Placeholder 2">
+            <a:extLst>
+              <a:ext uri="{FF2B5EF4-FFF2-40B4-BE49-F238E27FC236}">
+                <a16:creationId xmlns:a16="http://schemas.microsoft.com/office/drawing/2014/main" id="{EF6E8193-9EF9-C8CB-8BDB-170D316DC156}"/>
+              </a:ext>
+            </a:extLst>
+          </p:cNvPr>
+          <p:cNvSpPr>
+            <a:spLocks noGrp="1"/>
+          </p:cNvSpPr>
+          <p:nvPr>
+            <p:ph type="body" idx="1"/>
+          </p:nvPr>
+        </p:nvSpPr>
+        <p:spPr/>
+        <p:txBody>
+          <a:bodyPr/>
+          <a:lstStyle/>
+          <a:p>
+            <a:endParaRPr lang="en-US"/>
+          </a:p>
+        </p:txBody>
+      </p:sp>
+      <p:sp>
+        <p:nvSpPr>
+          <p:cNvPr id="4" name="Slide Number Placeholder 3">
+            <a:extLst>
+              <a:ext uri="{FF2B5EF4-FFF2-40B4-BE49-F238E27FC236}">
+                <a16:creationId xmlns:a16="http://schemas.microsoft.com/office/drawing/2014/main" id="{50A9F02C-6B68-C5F6-2D2C-0D6C6688A32E}"/>
+              </a:ext>
+            </a:extLst>
+          </p:cNvPr>
+          <p:cNvSpPr>
+            <a:spLocks noGrp="1"/>
+          </p:cNvSpPr>
+          <p:nvPr>
+            <p:ph type="sldNum" sz="quarter" idx="10"/>
+          </p:nvPr>
+        </p:nvSpPr>
+        <p:spPr/>
+        <p:txBody>
+          <a:bodyPr/>
+          <a:lstStyle/>
+          <a:p>
+            <a:fld id="{893B0CF2-7F87-4E02-A248-870047730F99}" type="slidenum">
+              <a:rPr lang="en-US" smtClean="0"/>
+              <a:t>7</a:t>
+            </a:fld>
+            <a:endParaRPr lang="en-US"/>
+          </a:p>
+        </p:txBody>
+      </p:sp>
+    </p:spTree>
+    <p:extLst>
+      <p:ext uri="{BB962C8B-B14F-4D97-AF65-F5344CB8AC3E}">
+        <p14:creationId xmlns:p14="http://schemas.microsoft.com/office/powerpoint/2010/main" val="2649773292"/>
       </p:ext>
     </p:extLst>
   </p:cSld>
@@ -7869,6 +7978,611 @@
     <p:extLst>
       <p:ext uri="{BB962C8B-B14F-4D97-AF65-F5344CB8AC3E}">
         <p14:creationId xmlns:p14="http://schemas.microsoft.com/office/powerpoint/2010/main" val="2518873413"/>
+      </p:ext>
+    </p:extLst>
+  </p:cSld>
+  <p:clrMapOvr>
+    <a:masterClrMapping/>
+  </p:clrMapOvr>
+  <mc:AlternateContent xmlns:mc="http://schemas.openxmlformats.org/markup-compatibility/2006">
+    <mc:Choice xmlns:p14="http://schemas.microsoft.com/office/powerpoint/2010/main" Requires="p14">
+      <p:transition spd="med" p14:dur="700">
+        <p:fade/>
+      </p:transition>
+    </mc:Choice>
+    <mc:Fallback>
+      <p:transition spd="med">
+        <p:fade/>
+      </p:transition>
+    </mc:Fallback>
+  </mc:AlternateContent>
+</p:sld>
+</file>
+
+<file path=ppt/slides/slide7.xml><?xml version="1.0" encoding="utf-8"?>
+<p:sld xmlns:a="http://schemas.openxmlformats.org/drawingml/2006/main" xmlns:r="http://schemas.openxmlformats.org/officeDocument/2006/relationships" xmlns:p="http://schemas.openxmlformats.org/presentationml/2006/main">
+  <p:cSld>
+    <p:spTree>
+      <p:nvGrpSpPr>
+        <p:cNvPr id="1" name="">
+          <a:extLst>
+            <a:ext uri="{FF2B5EF4-FFF2-40B4-BE49-F238E27FC236}">
+              <a16:creationId xmlns:a16="http://schemas.microsoft.com/office/drawing/2014/main" id="{7A2F18F0-B19B-5A42-79F9-7648AAB476E1}"/>
+            </a:ext>
+          </a:extLst>
+        </p:cNvPr>
+        <p:cNvGrpSpPr/>
+        <p:nvPr/>
+      </p:nvGrpSpPr>
+      <p:grpSpPr>
+        <a:xfrm>
+          <a:off x="0" y="0"/>
+          <a:ext cx="0" cy="0"/>
+          <a:chOff x="0" y="0"/>
+          <a:chExt cx="0" cy="0"/>
+        </a:xfrm>
+      </p:grpSpPr>
+      <p:sp>
+        <p:nvSpPr>
+          <p:cNvPr id="4" name="Title 3">
+            <a:extLst>
+              <a:ext uri="{FF2B5EF4-FFF2-40B4-BE49-F238E27FC236}">
+                <a16:creationId xmlns:a16="http://schemas.microsoft.com/office/drawing/2014/main" id="{FBBD7D0A-FD39-5AE6-3659-9E6652979EF2}"/>
+              </a:ext>
+            </a:extLst>
+          </p:cNvPr>
+          <p:cNvSpPr>
+            <a:spLocks noGrp="1"/>
+          </p:cNvSpPr>
+          <p:nvPr>
+            <p:ph type="ctrTitle"/>
+          </p:nvPr>
+        </p:nvSpPr>
+        <p:spPr>
+          <a:xfrm>
+            <a:off x="715264" y="349246"/>
+            <a:ext cx="10468864" cy="1828800"/>
+          </a:xfrm>
+        </p:spPr>
+        <p:txBody>
+          <a:bodyPr>
+            <a:normAutofit/>
+          </a:bodyPr>
+          <a:lstStyle/>
+          <a:p>
+            <a:r>
+              <a:rPr lang="zh-CN" altLang="en-US" sz="4400" dirty="0"/>
+              <a:t>使用</a:t>
+            </a:r>
+            <a:r>
+              <a:rPr lang="en-US" altLang="zh-CN" sz="4400" dirty="0"/>
+              <a:t>Protégé</a:t>
+            </a:r>
+            <a:r>
+              <a:rPr lang="zh-CN" altLang="en-US" sz="4400" dirty="0"/>
+              <a:t>建立中国医学本体模型</a:t>
+            </a:r>
+            <a:br>
+              <a:rPr lang="en-US" altLang="zh-CN" sz="4400"/>
+            </a:br>
+            <a:r>
+              <a:rPr lang="en-US" altLang="zh-CN" sz="4400"/>
+              <a:t>CN-MEDO </a:t>
+            </a:r>
+            <a:r>
+              <a:rPr lang="en-US" altLang="zh-CN" sz="4400" dirty="0"/>
+              <a:t>Ontology - </a:t>
+            </a:r>
+            <a:r>
+              <a:rPr lang="en-US" altLang="zh-CN" sz="7200" dirty="0"/>
+              <a:t>006</a:t>
+            </a:r>
+            <a:endParaRPr lang="en-US" sz="4400" dirty="0"/>
+          </a:p>
+        </p:txBody>
+      </p:sp>
+      <p:sp>
+        <p:nvSpPr>
+          <p:cNvPr id="2" name="TextBox 1">
+            <a:extLst>
+              <a:ext uri="{FF2B5EF4-FFF2-40B4-BE49-F238E27FC236}">
+                <a16:creationId xmlns:a16="http://schemas.microsoft.com/office/drawing/2014/main" id="{7BAB936B-6853-96B9-2EA4-CA6824376BE0}"/>
+              </a:ext>
+            </a:extLst>
+          </p:cNvPr>
+          <p:cNvSpPr txBox="1"/>
+          <p:nvPr/>
+        </p:nvSpPr>
+        <p:spPr>
+          <a:xfrm>
+            <a:off x="1255058" y="5253317"/>
+            <a:ext cx="5800178" cy="923330"/>
+          </a:xfrm>
+          <a:prstGeom prst="rect">
+            <a:avLst/>
+          </a:prstGeom>
+          <a:solidFill>
+            <a:schemeClr val="accent3">
+              <a:lumMod val="20000"/>
+              <a:lumOff val="80000"/>
+            </a:schemeClr>
+          </a:solidFill>
+          <a:ln>
+            <a:solidFill>
+              <a:schemeClr val="bg2"/>
+            </a:solidFill>
+          </a:ln>
+        </p:spPr>
+        <p:txBody>
+          <a:bodyPr wrap="none" rtlCol="0">
+            <a:spAutoFit/>
+          </a:bodyPr>
+          <a:lstStyle/>
+          <a:p>
+            <a:r>
+              <a:rPr lang="en-US" dirty="0"/>
+              <a:t>GitHub: </a:t>
+            </a:r>
+            <a:r>
+              <a:rPr lang="en-US" dirty="0">
+                <a:hlinkClick r:id="rId3"/>
+              </a:rPr>
+              <a:t>https://github.com/yasenstar/Chinese_Culture</a:t>
+            </a:r>
+            <a:endParaRPr lang="en-US" dirty="0"/>
+          </a:p>
+          <a:p>
+            <a:endParaRPr lang="en-US" dirty="0"/>
+          </a:p>
+          <a:p>
+            <a:r>
+              <a:rPr lang="en-US" dirty="0"/>
+              <a:t>Gitee: </a:t>
+            </a:r>
+            <a:r>
+              <a:rPr lang="en-US" dirty="0">
+                <a:hlinkClick r:id="rId4"/>
+              </a:rPr>
+              <a:t>https://gitee.com/yasenstar/Chinese_Culture</a:t>
+            </a:r>
+            <a:endParaRPr lang="en-US" dirty="0"/>
+          </a:p>
+        </p:txBody>
+      </p:sp>
+      <p:sp>
+        <p:nvSpPr>
+          <p:cNvPr id="3" name="Subtitle 4">
+            <a:extLst>
+              <a:ext uri="{FF2B5EF4-FFF2-40B4-BE49-F238E27FC236}">
+                <a16:creationId xmlns:a16="http://schemas.microsoft.com/office/drawing/2014/main" id="{A2B4AC1D-9459-E328-CB8B-937B80569488}"/>
+              </a:ext>
+            </a:extLst>
+          </p:cNvPr>
+          <p:cNvSpPr txBox="1">
+            <a:spLocks/>
+          </p:cNvSpPr>
+          <p:nvPr/>
+        </p:nvSpPr>
+        <p:spPr>
+          <a:xfrm>
+            <a:off x="1255059" y="2106706"/>
+            <a:ext cx="6176682" cy="3127232"/>
+          </a:xfrm>
+          <a:prstGeom prst="rect">
+            <a:avLst/>
+          </a:prstGeom>
+        </p:spPr>
+        <p:txBody>
+          <a:bodyPr vert="horz" lIns="0" rIns="18288">
+            <a:normAutofit lnSpcReduction="10000"/>
+          </a:bodyPr>
+          <a:lstStyle>
+            <a:lvl1pPr marL="0" marR="45720" indent="0" algn="r" rtl="0" eaLnBrk="1" latinLnBrk="0" hangingPunct="1">
+              <a:spcBef>
+                <a:spcPct val="20000"/>
+              </a:spcBef>
+              <a:buClr>
+                <a:schemeClr val="accent3">
+                  <a:lumMod val="50000"/>
+                </a:schemeClr>
+              </a:buClr>
+              <a:buSzPct val="95000"/>
+              <a:buFont typeface="Wingdings 2"/>
+              <a:buNone/>
+              <a:defRPr kumimoji="0" sz="2600" kern="1200">
+                <a:solidFill>
+                  <a:schemeClr val="tx1"/>
+                </a:solidFill>
+                <a:latin typeface="+mn-lt"/>
+                <a:ea typeface="+mn-ea"/>
+                <a:cs typeface="+mn-cs"/>
+              </a:defRPr>
+            </a:lvl1pPr>
+            <a:lvl2pPr marL="457200" indent="0" algn="ctr" rtl="0" eaLnBrk="1" latinLnBrk="0" hangingPunct="1">
+              <a:spcBef>
+                <a:spcPct val="20000"/>
+              </a:spcBef>
+              <a:buClr>
+                <a:schemeClr val="accent1">
+                  <a:lumMod val="50000"/>
+                </a:schemeClr>
+              </a:buClr>
+              <a:buSzPct val="85000"/>
+              <a:buFont typeface="Wingdings 2"/>
+              <a:buNone/>
+              <a:defRPr kumimoji="0" sz="2400" kern="1200">
+                <a:solidFill>
+                  <a:schemeClr val="tx1"/>
+                </a:solidFill>
+                <a:latin typeface="+mn-lt"/>
+                <a:ea typeface="+mn-ea"/>
+                <a:cs typeface="+mn-cs"/>
+              </a:defRPr>
+            </a:lvl2pPr>
+            <a:lvl3pPr marL="914400" indent="0" algn="ctr" rtl="0" eaLnBrk="1" latinLnBrk="0" hangingPunct="1">
+              <a:spcBef>
+                <a:spcPct val="20000"/>
+              </a:spcBef>
+              <a:buClr>
+                <a:schemeClr val="accent2">
+                  <a:lumMod val="50000"/>
+                </a:schemeClr>
+              </a:buClr>
+              <a:buSzPct val="70000"/>
+              <a:buFont typeface="Wingdings 2"/>
+              <a:buNone/>
+              <a:defRPr kumimoji="0" sz="2100" kern="1200">
+                <a:solidFill>
+                  <a:schemeClr val="tx1"/>
+                </a:solidFill>
+                <a:latin typeface="+mn-lt"/>
+                <a:ea typeface="+mn-ea"/>
+                <a:cs typeface="+mn-cs"/>
+              </a:defRPr>
+            </a:lvl3pPr>
+            <a:lvl4pPr marL="1371600" indent="0" algn="ctr" rtl="0" eaLnBrk="1" latinLnBrk="0" hangingPunct="1">
+              <a:spcBef>
+                <a:spcPct val="20000"/>
+              </a:spcBef>
+              <a:buClr>
+                <a:schemeClr val="accent3">
+                  <a:lumMod val="50000"/>
+                </a:schemeClr>
+              </a:buClr>
+              <a:buSzPct val="65000"/>
+              <a:buFont typeface="Wingdings 2"/>
+              <a:buNone/>
+              <a:defRPr kumimoji="0" sz="2000" kern="1200">
+                <a:solidFill>
+                  <a:schemeClr val="tx1"/>
+                </a:solidFill>
+                <a:latin typeface="+mn-lt"/>
+                <a:ea typeface="+mn-ea"/>
+                <a:cs typeface="+mn-cs"/>
+              </a:defRPr>
+            </a:lvl4pPr>
+            <a:lvl5pPr marL="1828800" indent="0" algn="ctr" rtl="0" eaLnBrk="1" latinLnBrk="0" hangingPunct="1">
+              <a:spcBef>
+                <a:spcPct val="20000"/>
+              </a:spcBef>
+              <a:buClr>
+                <a:schemeClr val="accent4">
+                  <a:lumMod val="75000"/>
+                </a:schemeClr>
+              </a:buClr>
+              <a:buSzPct val="65000"/>
+              <a:buFont typeface="Wingdings 2"/>
+              <a:buNone/>
+              <a:defRPr kumimoji="0" sz="2000" kern="1200">
+                <a:solidFill>
+                  <a:schemeClr val="tx1"/>
+                </a:solidFill>
+                <a:latin typeface="+mn-lt"/>
+                <a:ea typeface="+mn-ea"/>
+                <a:cs typeface="+mn-cs"/>
+              </a:defRPr>
+            </a:lvl5pPr>
+            <a:lvl6pPr marL="2286000" indent="0" algn="ctr" rtl="0" eaLnBrk="1" latinLnBrk="0" hangingPunct="1">
+              <a:spcBef>
+                <a:spcPct val="20000"/>
+              </a:spcBef>
+              <a:buClr>
+                <a:schemeClr val="accent5">
+                  <a:lumMod val="50000"/>
+                </a:schemeClr>
+              </a:buClr>
+              <a:buSzPct val="80000"/>
+              <a:buFont typeface="Wingdings 2"/>
+              <a:buNone/>
+              <a:defRPr kumimoji="0" sz="1800" kern="1200">
+                <a:solidFill>
+                  <a:schemeClr val="tx1"/>
+                </a:solidFill>
+                <a:latin typeface="+mn-lt"/>
+                <a:ea typeface="+mn-ea"/>
+                <a:cs typeface="+mn-cs"/>
+              </a:defRPr>
+            </a:lvl6pPr>
+            <a:lvl7pPr marL="2743200" indent="0" algn="ctr" rtl="0" eaLnBrk="1" latinLnBrk="0" hangingPunct="1">
+              <a:spcBef>
+                <a:spcPct val="20000"/>
+              </a:spcBef>
+              <a:buClr>
+                <a:schemeClr val="accent6">
+                  <a:lumMod val="75000"/>
+                </a:schemeClr>
+              </a:buClr>
+              <a:buSzPct val="80000"/>
+              <a:buFont typeface="Wingdings 2"/>
+              <a:buNone/>
+              <a:defRPr kumimoji="0" sz="1600" kern="1200" baseline="0">
+                <a:solidFill>
+                  <a:schemeClr val="tx1"/>
+                </a:solidFill>
+                <a:latin typeface="+mn-lt"/>
+                <a:ea typeface="+mn-ea"/>
+                <a:cs typeface="+mn-cs"/>
+              </a:defRPr>
+            </a:lvl7pPr>
+            <a:lvl8pPr marL="3200400" indent="0" algn="ctr" rtl="0" eaLnBrk="1" latinLnBrk="0" hangingPunct="1">
+              <a:spcBef>
+                <a:spcPct val="20000"/>
+              </a:spcBef>
+              <a:buClr>
+                <a:schemeClr val="tx2"/>
+              </a:buClr>
+              <a:buNone/>
+              <a:defRPr kumimoji="0" sz="1600" kern="1200">
+                <a:solidFill>
+                  <a:schemeClr val="tx1"/>
+                </a:solidFill>
+                <a:latin typeface="+mn-lt"/>
+                <a:ea typeface="+mn-ea"/>
+                <a:cs typeface="+mn-cs"/>
+              </a:defRPr>
+            </a:lvl8pPr>
+            <a:lvl9pPr marL="3657600" indent="0" algn="ctr" rtl="0" eaLnBrk="1" latinLnBrk="0" hangingPunct="1">
+              <a:spcBef>
+                <a:spcPct val="20000"/>
+              </a:spcBef>
+              <a:buClr>
+                <a:schemeClr val="tx2"/>
+              </a:buClr>
+              <a:buFontTx/>
+              <a:buNone/>
+              <a:defRPr kumimoji="0" sz="1400" kern="1200" baseline="0">
+                <a:solidFill>
+                  <a:schemeClr val="tx1"/>
+                </a:solidFill>
+                <a:latin typeface="+mn-lt"/>
+                <a:ea typeface="+mn-ea"/>
+                <a:cs typeface="+mn-cs"/>
+              </a:defRPr>
+            </a:lvl9pPr>
+          </a:lstStyle>
+          <a:p>
+            <a:pPr marL="457200" indent="-457200" algn="l">
+              <a:buFont typeface="Arial" panose="020B0604020202020204" pitchFamily="34" charset="0"/>
+              <a:buChar char="•"/>
+            </a:pPr>
+            <a:r>
+              <a:rPr lang="zh-CN" altLang="en-US" dirty="0"/>
+              <a:t>对“小青龙汤方”进行</a:t>
+            </a:r>
+            <a:r>
+              <a:rPr lang="en-US" altLang="zh-CN" dirty="0"/>
+              <a:t>Ontology</a:t>
+            </a:r>
+            <a:r>
+              <a:rPr lang="zh-CN" altLang="en-US" dirty="0"/>
+              <a:t>建模</a:t>
+            </a:r>
+            <a:endParaRPr lang="en-US" altLang="zh-CN" dirty="0"/>
+          </a:p>
+          <a:p>
+            <a:pPr marL="914400" lvl="1" indent="-457200" algn="l">
+              <a:buFont typeface="Arial" panose="020B0604020202020204" pitchFamily="34" charset="0"/>
+              <a:buChar char="•"/>
+            </a:pPr>
+            <a:r>
+              <a:rPr lang="zh-CN" altLang="en-US" dirty="0"/>
+              <a:t>药品</a:t>
+            </a:r>
+            <a:r>
+              <a:rPr lang="en-US" altLang="zh-CN" dirty="0"/>
+              <a:t>class / individual</a:t>
+            </a:r>
+          </a:p>
+          <a:p>
+            <a:pPr marL="914400" lvl="1" indent="-457200" algn="l">
+              <a:buFont typeface="Arial" panose="020B0604020202020204" pitchFamily="34" charset="0"/>
+              <a:buChar char="•"/>
+            </a:pPr>
+            <a:r>
+              <a:rPr lang="zh-CN" altLang="en-US" dirty="0"/>
+              <a:t>病证</a:t>
+            </a:r>
+            <a:r>
+              <a:rPr lang="en-US" altLang="zh-CN" dirty="0"/>
+              <a:t>class / individual</a:t>
+            </a:r>
+          </a:p>
+          <a:p>
+            <a:pPr marL="914400" lvl="1" indent="-457200" algn="l">
+              <a:buFont typeface="Arial" panose="020B0604020202020204" pitchFamily="34" charset="0"/>
+              <a:buChar char="•"/>
+            </a:pPr>
+            <a:r>
+              <a:rPr lang="zh-CN" altLang="en-US" dirty="0"/>
+              <a:t>药方</a:t>
+            </a:r>
+            <a:r>
+              <a:rPr lang="en-US" altLang="zh-CN" dirty="0"/>
+              <a:t>class / individual</a:t>
+            </a:r>
+          </a:p>
+          <a:p>
+            <a:pPr marL="457200" indent="-457200" algn="l">
+              <a:buFont typeface="Arial" panose="020B0604020202020204" pitchFamily="34" charset="0"/>
+              <a:buChar char="•"/>
+            </a:pPr>
+            <a:r>
+              <a:rPr lang="zh-CN" altLang="en-US" dirty="0"/>
+              <a:t>建立如下</a:t>
+            </a:r>
+            <a:r>
+              <a:rPr lang="en-US" altLang="zh-CN" dirty="0"/>
+              <a:t>Protégé object property:</a:t>
+            </a:r>
+          </a:p>
+          <a:p>
+            <a:pPr marL="914400" lvl="1" indent="-457200" algn="l">
+              <a:buFont typeface="Arial" panose="020B0604020202020204" pitchFamily="34" charset="0"/>
+              <a:buChar char="•"/>
+            </a:pPr>
+            <a:r>
+              <a:rPr lang="zh-CN" altLang="en-US" dirty="0"/>
+              <a:t>药方与药品的组分</a:t>
+            </a:r>
+            <a:endParaRPr lang="en-US" altLang="zh-CN" dirty="0"/>
+          </a:p>
+          <a:p>
+            <a:pPr marL="914400" lvl="1" indent="-457200" algn="l">
+              <a:buFont typeface="Arial" panose="020B0604020202020204" pitchFamily="34" charset="0"/>
+              <a:buChar char="•"/>
+            </a:pPr>
+            <a:r>
+              <a:rPr lang="zh-CN" altLang="en-US" dirty="0"/>
+              <a:t>示例药品药性</a:t>
+            </a:r>
+            <a:endParaRPr lang="en-US" dirty="0"/>
+          </a:p>
+        </p:txBody>
+      </p:sp>
+      <p:pic>
+        <p:nvPicPr>
+          <p:cNvPr id="7" name="Picture 6">
+            <a:extLst>
+              <a:ext uri="{FF2B5EF4-FFF2-40B4-BE49-F238E27FC236}">
+                <a16:creationId xmlns:a16="http://schemas.microsoft.com/office/drawing/2014/main" id="{2E261CD0-0865-67BA-DEA2-604F10B3C1B5}"/>
+              </a:ext>
+            </a:extLst>
+          </p:cNvPr>
+          <p:cNvPicPr>
+            <a:picLocks noChangeAspect="1"/>
+          </p:cNvPicPr>
+          <p:nvPr/>
+        </p:nvPicPr>
+        <p:blipFill>
+          <a:blip r:embed="rId5"/>
+          <a:stretch>
+            <a:fillRect/>
+          </a:stretch>
+        </p:blipFill>
+        <p:spPr>
+          <a:xfrm>
+            <a:off x="7519098" y="2977014"/>
+            <a:ext cx="1507663" cy="2094858"/>
+          </a:xfrm>
+          <a:prstGeom prst="rect">
+            <a:avLst/>
+          </a:prstGeom>
+          <a:ln>
+            <a:noFill/>
+          </a:ln>
+          <a:effectLst>
+            <a:outerShdw blurRad="292100" dist="139700" dir="2700000" algn="tl" rotWithShape="0">
+              <a:srgbClr val="333333">
+                <a:alpha val="65000"/>
+              </a:srgbClr>
+            </a:outerShdw>
+          </a:effectLst>
+        </p:spPr>
+      </p:pic>
+      <p:pic>
+        <p:nvPicPr>
+          <p:cNvPr id="10" name="Picture 9">
+            <a:extLst>
+              <a:ext uri="{FF2B5EF4-FFF2-40B4-BE49-F238E27FC236}">
+                <a16:creationId xmlns:a16="http://schemas.microsoft.com/office/drawing/2014/main" id="{E425FC0A-0445-F5DE-5645-DD9EC5561E5F}"/>
+              </a:ext>
+            </a:extLst>
+          </p:cNvPr>
+          <p:cNvPicPr>
+            <a:picLocks noChangeAspect="1"/>
+          </p:cNvPicPr>
+          <p:nvPr/>
+        </p:nvPicPr>
+        <p:blipFill>
+          <a:blip r:embed="rId6"/>
+          <a:stretch>
+            <a:fillRect/>
+          </a:stretch>
+        </p:blipFill>
+        <p:spPr>
+          <a:xfrm>
+            <a:off x="9438068" y="2977014"/>
+            <a:ext cx="1559116" cy="2094858"/>
+          </a:xfrm>
+          <a:prstGeom prst="rect">
+            <a:avLst/>
+          </a:prstGeom>
+          <a:ln>
+            <a:noFill/>
+          </a:ln>
+          <a:effectLst>
+            <a:outerShdw blurRad="292100" dist="139700" dir="2700000" algn="tl" rotWithShape="0">
+              <a:srgbClr val="333333">
+                <a:alpha val="65000"/>
+              </a:srgbClr>
+            </a:outerShdw>
+          </a:effectLst>
+        </p:spPr>
+      </p:pic>
+      <p:pic>
+        <p:nvPicPr>
+          <p:cNvPr id="14" name="Picture 13">
+            <a:extLst>
+              <a:ext uri="{FF2B5EF4-FFF2-40B4-BE49-F238E27FC236}">
+                <a16:creationId xmlns:a16="http://schemas.microsoft.com/office/drawing/2014/main" id="{383F1D55-D473-49D7-54AF-75EBD5D5FB94}"/>
+              </a:ext>
+            </a:extLst>
+          </p:cNvPr>
+          <p:cNvPicPr>
+            <a:picLocks noChangeAspect="1"/>
+          </p:cNvPicPr>
+          <p:nvPr/>
+        </p:nvPicPr>
+        <p:blipFill>
+          <a:blip r:embed="rId7"/>
+          <a:stretch>
+            <a:fillRect/>
+          </a:stretch>
+        </p:blipFill>
+        <p:spPr>
+          <a:xfrm>
+            <a:off x="116923" y="6284428"/>
+            <a:ext cx="2120630" cy="441606"/>
+          </a:xfrm>
+          <a:prstGeom prst="rect">
+            <a:avLst/>
+          </a:prstGeom>
+          <a:ln>
+            <a:noFill/>
+          </a:ln>
+          <a:effectLst>
+            <a:outerShdw blurRad="292100" dist="139700" dir="2700000" algn="tl" rotWithShape="0">
+              <a:srgbClr val="333333">
+                <a:alpha val="65000"/>
+              </a:srgbClr>
+            </a:outerShdw>
+          </a:effectLst>
+        </p:spPr>
+      </p:pic>
+    </p:spTree>
+    <p:extLst>
+      <p:ext uri="{BB962C8B-B14F-4D97-AF65-F5344CB8AC3E}">
+        <p14:creationId xmlns:p14="http://schemas.microsoft.com/office/powerpoint/2010/main" val="78055737"/>
       </p:ext>
     </p:extLst>
   </p:cSld>

--- a/使用Protégé建立中国传统医学本体模型.pptx
+++ b/使用Protégé建立中国传统医学本体模型.pptx
@@ -5,7 +5,7 @@
     <p:sldMasterId id="2147483684" r:id="rId1"/>
   </p:sldMasterIdLst>
   <p:notesMasterIdLst>
-    <p:notesMasterId r:id="rId9"/>
+    <p:notesMasterId r:id="rId10"/>
   </p:notesMasterIdLst>
   <p:sldIdLst>
     <p:sldId id="272" r:id="rId2"/>
@@ -15,6 +15,7 @@
     <p:sldId id="276" r:id="rId6"/>
     <p:sldId id="277" r:id="rId7"/>
     <p:sldId id="278" r:id="rId8"/>
+    <p:sldId id="279" r:id="rId9"/>
   </p:sldIdLst>
   <p:sldSz cx="12192000" cy="6858000"/>
   <p:notesSz cx="6858000" cy="9144000"/>
@@ -1037,6 +1038,114 @@
     <p:extLst>
       <p:ext uri="{BB962C8B-B14F-4D97-AF65-F5344CB8AC3E}">
         <p14:creationId xmlns:p14="http://schemas.microsoft.com/office/powerpoint/2010/main" val="2649773292"/>
+      </p:ext>
+    </p:extLst>
+  </p:cSld>
+  <p:clrMapOvr>
+    <a:masterClrMapping/>
+  </p:clrMapOvr>
+</p:notes>
+</file>
+
+<file path=ppt/notesSlides/notesSlide7.xml><?xml version="1.0" encoding="utf-8"?>
+<p:notes xmlns:a="http://schemas.openxmlformats.org/drawingml/2006/main" xmlns:r="http://schemas.openxmlformats.org/officeDocument/2006/relationships" xmlns:p="http://schemas.openxmlformats.org/presentationml/2006/main">
+  <p:cSld>
+    <p:spTree>
+      <p:nvGrpSpPr>
+        <p:cNvPr id="1" name="">
+          <a:extLst>
+            <a:ext uri="{FF2B5EF4-FFF2-40B4-BE49-F238E27FC236}">
+              <a16:creationId xmlns:a16="http://schemas.microsoft.com/office/drawing/2014/main" id="{B563666C-A6D2-06F0-DE6C-4A6BE83965DF}"/>
+            </a:ext>
+          </a:extLst>
+        </p:cNvPr>
+        <p:cNvGrpSpPr/>
+        <p:nvPr/>
+      </p:nvGrpSpPr>
+      <p:grpSpPr>
+        <a:xfrm>
+          <a:off x="0" y="0"/>
+          <a:ext cx="0" cy="0"/>
+          <a:chOff x="0" y="0"/>
+          <a:chExt cx="0" cy="0"/>
+        </a:xfrm>
+      </p:grpSpPr>
+      <p:sp>
+        <p:nvSpPr>
+          <p:cNvPr id="2" name="Slide Image Placeholder 1">
+            <a:extLst>
+              <a:ext uri="{FF2B5EF4-FFF2-40B4-BE49-F238E27FC236}">
+                <a16:creationId xmlns:a16="http://schemas.microsoft.com/office/drawing/2014/main" id="{9DCE7F3B-4A5B-D20B-E485-E99AA07F57E2}"/>
+              </a:ext>
+            </a:extLst>
+          </p:cNvPr>
+          <p:cNvSpPr>
+            <a:spLocks noGrp="1" noRot="1" noChangeAspect="1"/>
+          </p:cNvSpPr>
+          <p:nvPr>
+            <p:ph type="sldImg"/>
+          </p:nvPr>
+        </p:nvSpPr>
+        <p:spPr/>
+      </p:sp>
+      <p:sp>
+        <p:nvSpPr>
+          <p:cNvPr id="3" name="Notes Placeholder 2">
+            <a:extLst>
+              <a:ext uri="{FF2B5EF4-FFF2-40B4-BE49-F238E27FC236}">
+                <a16:creationId xmlns:a16="http://schemas.microsoft.com/office/drawing/2014/main" id="{EF6E8193-9EF9-C8CB-8BDB-170D316DC156}"/>
+              </a:ext>
+            </a:extLst>
+          </p:cNvPr>
+          <p:cNvSpPr>
+            <a:spLocks noGrp="1"/>
+          </p:cNvSpPr>
+          <p:nvPr>
+            <p:ph type="body" idx="1"/>
+          </p:nvPr>
+        </p:nvSpPr>
+        <p:spPr/>
+        <p:txBody>
+          <a:bodyPr/>
+          <a:lstStyle/>
+          <a:p>
+            <a:endParaRPr lang="en-US"/>
+          </a:p>
+        </p:txBody>
+      </p:sp>
+      <p:sp>
+        <p:nvSpPr>
+          <p:cNvPr id="4" name="Slide Number Placeholder 3">
+            <a:extLst>
+              <a:ext uri="{FF2B5EF4-FFF2-40B4-BE49-F238E27FC236}">
+                <a16:creationId xmlns:a16="http://schemas.microsoft.com/office/drawing/2014/main" id="{50A9F02C-6B68-C5F6-2D2C-0D6C6688A32E}"/>
+              </a:ext>
+            </a:extLst>
+          </p:cNvPr>
+          <p:cNvSpPr>
+            <a:spLocks noGrp="1"/>
+          </p:cNvSpPr>
+          <p:nvPr>
+            <p:ph type="sldNum" sz="quarter" idx="10"/>
+          </p:nvPr>
+        </p:nvSpPr>
+        <p:spPr/>
+        <p:txBody>
+          <a:bodyPr/>
+          <a:lstStyle/>
+          <a:p>
+            <a:fld id="{893B0CF2-7F87-4E02-A248-870047730F99}" type="slidenum">
+              <a:rPr lang="en-US" smtClean="0"/>
+              <a:t>8</a:t>
+            </a:fld>
+            <a:endParaRPr lang="en-US"/>
+          </a:p>
+        </p:txBody>
+      </p:sp>
+    </p:spTree>
+    <p:extLst>
+      <p:ext uri="{BB962C8B-B14F-4D97-AF65-F5344CB8AC3E}">
+        <p14:creationId xmlns:p14="http://schemas.microsoft.com/office/powerpoint/2010/main" val="1542956777"/>
       </p:ext>
     </p:extLst>
   </p:cSld>
@@ -8063,15 +8172,11 @@
               <a:t>建立中国医学本体模型</a:t>
             </a:r>
             <a:br>
-              <a:rPr lang="en-US" altLang="zh-CN" sz="4400"/>
+              <a:rPr lang="en-US" altLang="zh-CN" sz="4400" dirty="0"/>
             </a:br>
             <a:r>
-              <a:rPr lang="en-US" altLang="zh-CN" sz="4400"/>
-              <a:t>CN-MEDO </a:t>
-            </a:r>
-            <a:r>
               <a:rPr lang="en-US" altLang="zh-CN" sz="4400" dirty="0"/>
-              <a:t>Ontology - </a:t>
+              <a:t>CN-MEDO Ontology - </a:t>
             </a:r>
             <a:r>
               <a:rPr lang="en-US" altLang="zh-CN" sz="7200" dirty="0"/>
@@ -8583,6 +8688,608 @@
     <p:extLst>
       <p:ext uri="{BB962C8B-B14F-4D97-AF65-F5344CB8AC3E}">
         <p14:creationId xmlns:p14="http://schemas.microsoft.com/office/powerpoint/2010/main" val="78055737"/>
+      </p:ext>
+    </p:extLst>
+  </p:cSld>
+  <p:clrMapOvr>
+    <a:masterClrMapping/>
+  </p:clrMapOvr>
+  <mc:AlternateContent xmlns:mc="http://schemas.openxmlformats.org/markup-compatibility/2006">
+    <mc:Choice xmlns:p14="http://schemas.microsoft.com/office/powerpoint/2010/main" Requires="p14">
+      <p:transition spd="med" p14:dur="700">
+        <p:fade/>
+      </p:transition>
+    </mc:Choice>
+    <mc:Fallback>
+      <p:transition spd="med">
+        <p:fade/>
+      </p:transition>
+    </mc:Fallback>
+  </mc:AlternateContent>
+</p:sld>
+</file>
+
+<file path=ppt/slides/slide8.xml><?xml version="1.0" encoding="utf-8"?>
+<p:sld xmlns:a="http://schemas.openxmlformats.org/drawingml/2006/main" xmlns:r="http://schemas.openxmlformats.org/officeDocument/2006/relationships" xmlns:p="http://schemas.openxmlformats.org/presentationml/2006/main">
+  <p:cSld>
+    <p:spTree>
+      <p:nvGrpSpPr>
+        <p:cNvPr id="1" name="">
+          <a:extLst>
+            <a:ext uri="{FF2B5EF4-FFF2-40B4-BE49-F238E27FC236}">
+              <a16:creationId xmlns:a16="http://schemas.microsoft.com/office/drawing/2014/main" id="{7A2F18F0-B19B-5A42-79F9-7648AAB476E1}"/>
+            </a:ext>
+          </a:extLst>
+        </p:cNvPr>
+        <p:cNvGrpSpPr/>
+        <p:nvPr/>
+      </p:nvGrpSpPr>
+      <p:grpSpPr>
+        <a:xfrm>
+          <a:off x="0" y="0"/>
+          <a:ext cx="0" cy="0"/>
+          <a:chOff x="0" y="0"/>
+          <a:chExt cx="0" cy="0"/>
+        </a:xfrm>
+      </p:grpSpPr>
+      <p:sp>
+        <p:nvSpPr>
+          <p:cNvPr id="4" name="Title 3">
+            <a:extLst>
+              <a:ext uri="{FF2B5EF4-FFF2-40B4-BE49-F238E27FC236}">
+                <a16:creationId xmlns:a16="http://schemas.microsoft.com/office/drawing/2014/main" id="{FBBD7D0A-FD39-5AE6-3659-9E6652979EF2}"/>
+              </a:ext>
+            </a:extLst>
+          </p:cNvPr>
+          <p:cNvSpPr>
+            <a:spLocks noGrp="1"/>
+          </p:cNvSpPr>
+          <p:nvPr>
+            <p:ph type="ctrTitle"/>
+          </p:nvPr>
+        </p:nvSpPr>
+        <p:spPr>
+          <a:xfrm>
+            <a:off x="715264" y="349246"/>
+            <a:ext cx="10468864" cy="1535220"/>
+          </a:xfrm>
+        </p:spPr>
+        <p:txBody>
+          <a:bodyPr>
+            <a:normAutofit fontScale="90000"/>
+          </a:bodyPr>
+          <a:lstStyle/>
+          <a:p>
+            <a:pPr algn="l"/>
+            <a:r>
+              <a:rPr lang="zh-CN" altLang="en-US" sz="4400" dirty="0"/>
+              <a:t>使用</a:t>
+            </a:r>
+            <a:r>
+              <a:rPr lang="en-US" altLang="zh-CN" sz="4400" dirty="0"/>
+              <a:t>Protégé</a:t>
+            </a:r>
+            <a:r>
+              <a:rPr lang="zh-CN" altLang="en-US" sz="4400" dirty="0"/>
+              <a:t>建立中国医学本体模型</a:t>
+            </a:r>
+            <a:br>
+              <a:rPr lang="en-US" altLang="zh-CN" sz="4400" dirty="0"/>
+            </a:br>
+            <a:r>
+              <a:rPr lang="en-US" altLang="zh-CN" sz="4400" dirty="0"/>
+              <a:t>CN-MEDO Ontology - </a:t>
+            </a:r>
+            <a:r>
+              <a:rPr lang="en-US" altLang="zh-CN" sz="7200" dirty="0"/>
+              <a:t>007</a:t>
+            </a:r>
+            <a:endParaRPr lang="en-US" sz="4400" dirty="0"/>
+          </a:p>
+        </p:txBody>
+      </p:sp>
+      <p:sp>
+        <p:nvSpPr>
+          <p:cNvPr id="2" name="TextBox 1">
+            <a:extLst>
+              <a:ext uri="{FF2B5EF4-FFF2-40B4-BE49-F238E27FC236}">
+                <a16:creationId xmlns:a16="http://schemas.microsoft.com/office/drawing/2014/main" id="{7BAB936B-6853-96B9-2EA4-CA6824376BE0}"/>
+              </a:ext>
+            </a:extLst>
+          </p:cNvPr>
+          <p:cNvSpPr txBox="1"/>
+          <p:nvPr/>
+        </p:nvSpPr>
+        <p:spPr>
+          <a:xfrm>
+            <a:off x="1255058" y="5253317"/>
+            <a:ext cx="5800178" cy="923330"/>
+          </a:xfrm>
+          <a:prstGeom prst="rect">
+            <a:avLst/>
+          </a:prstGeom>
+          <a:solidFill>
+            <a:schemeClr val="accent3">
+              <a:lumMod val="20000"/>
+              <a:lumOff val="80000"/>
+            </a:schemeClr>
+          </a:solidFill>
+          <a:ln>
+            <a:solidFill>
+              <a:schemeClr val="bg2"/>
+            </a:solidFill>
+          </a:ln>
+        </p:spPr>
+        <p:txBody>
+          <a:bodyPr wrap="none" rtlCol="0">
+            <a:spAutoFit/>
+          </a:bodyPr>
+          <a:lstStyle/>
+          <a:p>
+            <a:r>
+              <a:rPr lang="en-US" dirty="0"/>
+              <a:t>GitHub: </a:t>
+            </a:r>
+            <a:r>
+              <a:rPr lang="en-US" dirty="0">
+                <a:hlinkClick r:id="rId3"/>
+              </a:rPr>
+              <a:t>https://github.com/yasenstar/Chinese_Culture</a:t>
+            </a:r>
+            <a:endParaRPr lang="en-US" dirty="0"/>
+          </a:p>
+          <a:p>
+            <a:endParaRPr lang="en-US" dirty="0"/>
+          </a:p>
+          <a:p>
+            <a:r>
+              <a:rPr lang="en-US" dirty="0"/>
+              <a:t>Gitee: </a:t>
+            </a:r>
+            <a:r>
+              <a:rPr lang="en-US" dirty="0">
+                <a:hlinkClick r:id="rId4"/>
+              </a:rPr>
+              <a:t>https://gitee.com/yasenstar/Chinese_Culture</a:t>
+            </a:r>
+            <a:endParaRPr lang="en-US" dirty="0"/>
+          </a:p>
+        </p:txBody>
+      </p:sp>
+      <p:sp>
+        <p:nvSpPr>
+          <p:cNvPr id="3" name="Subtitle 4">
+            <a:extLst>
+              <a:ext uri="{FF2B5EF4-FFF2-40B4-BE49-F238E27FC236}">
+                <a16:creationId xmlns:a16="http://schemas.microsoft.com/office/drawing/2014/main" id="{A2B4AC1D-9459-E328-CB8B-937B80569488}"/>
+              </a:ext>
+            </a:extLst>
+          </p:cNvPr>
+          <p:cNvSpPr txBox="1">
+            <a:spLocks/>
+          </p:cNvSpPr>
+          <p:nvPr/>
+        </p:nvSpPr>
+        <p:spPr>
+          <a:xfrm>
+            <a:off x="331694" y="2072195"/>
+            <a:ext cx="6176682" cy="3127232"/>
+          </a:xfrm>
+          <a:prstGeom prst="rect">
+            <a:avLst/>
+          </a:prstGeom>
+        </p:spPr>
+        <p:txBody>
+          <a:bodyPr vert="horz" lIns="0" rIns="18288">
+            <a:normAutofit/>
+          </a:bodyPr>
+          <a:lstStyle>
+            <a:lvl1pPr marL="0" marR="45720" indent="0" algn="r" rtl="0" eaLnBrk="1" latinLnBrk="0" hangingPunct="1">
+              <a:spcBef>
+                <a:spcPct val="20000"/>
+              </a:spcBef>
+              <a:buClr>
+                <a:schemeClr val="accent3">
+                  <a:lumMod val="50000"/>
+                </a:schemeClr>
+              </a:buClr>
+              <a:buSzPct val="95000"/>
+              <a:buFont typeface="Wingdings 2"/>
+              <a:buNone/>
+              <a:defRPr kumimoji="0" sz="2600" kern="1200">
+                <a:solidFill>
+                  <a:schemeClr val="tx1"/>
+                </a:solidFill>
+                <a:latin typeface="+mn-lt"/>
+                <a:ea typeface="+mn-ea"/>
+                <a:cs typeface="+mn-cs"/>
+              </a:defRPr>
+            </a:lvl1pPr>
+            <a:lvl2pPr marL="457200" indent="0" algn="ctr" rtl="0" eaLnBrk="1" latinLnBrk="0" hangingPunct="1">
+              <a:spcBef>
+                <a:spcPct val="20000"/>
+              </a:spcBef>
+              <a:buClr>
+                <a:schemeClr val="accent1">
+                  <a:lumMod val="50000"/>
+                </a:schemeClr>
+              </a:buClr>
+              <a:buSzPct val="85000"/>
+              <a:buFont typeface="Wingdings 2"/>
+              <a:buNone/>
+              <a:defRPr kumimoji="0" sz="2400" kern="1200">
+                <a:solidFill>
+                  <a:schemeClr val="tx1"/>
+                </a:solidFill>
+                <a:latin typeface="+mn-lt"/>
+                <a:ea typeface="+mn-ea"/>
+                <a:cs typeface="+mn-cs"/>
+              </a:defRPr>
+            </a:lvl2pPr>
+            <a:lvl3pPr marL="914400" indent="0" algn="ctr" rtl="0" eaLnBrk="1" latinLnBrk="0" hangingPunct="1">
+              <a:spcBef>
+                <a:spcPct val="20000"/>
+              </a:spcBef>
+              <a:buClr>
+                <a:schemeClr val="accent2">
+                  <a:lumMod val="50000"/>
+                </a:schemeClr>
+              </a:buClr>
+              <a:buSzPct val="70000"/>
+              <a:buFont typeface="Wingdings 2"/>
+              <a:buNone/>
+              <a:defRPr kumimoji="0" sz="2100" kern="1200">
+                <a:solidFill>
+                  <a:schemeClr val="tx1"/>
+                </a:solidFill>
+                <a:latin typeface="+mn-lt"/>
+                <a:ea typeface="+mn-ea"/>
+                <a:cs typeface="+mn-cs"/>
+              </a:defRPr>
+            </a:lvl3pPr>
+            <a:lvl4pPr marL="1371600" indent="0" algn="ctr" rtl="0" eaLnBrk="1" latinLnBrk="0" hangingPunct="1">
+              <a:spcBef>
+                <a:spcPct val="20000"/>
+              </a:spcBef>
+              <a:buClr>
+                <a:schemeClr val="accent3">
+                  <a:lumMod val="50000"/>
+                </a:schemeClr>
+              </a:buClr>
+              <a:buSzPct val="65000"/>
+              <a:buFont typeface="Wingdings 2"/>
+              <a:buNone/>
+              <a:defRPr kumimoji="0" sz="2000" kern="1200">
+                <a:solidFill>
+                  <a:schemeClr val="tx1"/>
+                </a:solidFill>
+                <a:latin typeface="+mn-lt"/>
+                <a:ea typeface="+mn-ea"/>
+                <a:cs typeface="+mn-cs"/>
+              </a:defRPr>
+            </a:lvl4pPr>
+            <a:lvl5pPr marL="1828800" indent="0" algn="ctr" rtl="0" eaLnBrk="1" latinLnBrk="0" hangingPunct="1">
+              <a:spcBef>
+                <a:spcPct val="20000"/>
+              </a:spcBef>
+              <a:buClr>
+                <a:schemeClr val="accent4">
+                  <a:lumMod val="75000"/>
+                </a:schemeClr>
+              </a:buClr>
+              <a:buSzPct val="65000"/>
+              <a:buFont typeface="Wingdings 2"/>
+              <a:buNone/>
+              <a:defRPr kumimoji="0" sz="2000" kern="1200">
+                <a:solidFill>
+                  <a:schemeClr val="tx1"/>
+                </a:solidFill>
+                <a:latin typeface="+mn-lt"/>
+                <a:ea typeface="+mn-ea"/>
+                <a:cs typeface="+mn-cs"/>
+              </a:defRPr>
+            </a:lvl5pPr>
+            <a:lvl6pPr marL="2286000" indent="0" algn="ctr" rtl="0" eaLnBrk="1" latinLnBrk="0" hangingPunct="1">
+              <a:spcBef>
+                <a:spcPct val="20000"/>
+              </a:spcBef>
+              <a:buClr>
+                <a:schemeClr val="accent5">
+                  <a:lumMod val="50000"/>
+                </a:schemeClr>
+              </a:buClr>
+              <a:buSzPct val="80000"/>
+              <a:buFont typeface="Wingdings 2"/>
+              <a:buNone/>
+              <a:defRPr kumimoji="0" sz="1800" kern="1200">
+                <a:solidFill>
+                  <a:schemeClr val="tx1"/>
+                </a:solidFill>
+                <a:latin typeface="+mn-lt"/>
+                <a:ea typeface="+mn-ea"/>
+                <a:cs typeface="+mn-cs"/>
+              </a:defRPr>
+            </a:lvl6pPr>
+            <a:lvl7pPr marL="2743200" indent="0" algn="ctr" rtl="0" eaLnBrk="1" latinLnBrk="0" hangingPunct="1">
+              <a:spcBef>
+                <a:spcPct val="20000"/>
+              </a:spcBef>
+              <a:buClr>
+                <a:schemeClr val="accent6">
+                  <a:lumMod val="75000"/>
+                </a:schemeClr>
+              </a:buClr>
+              <a:buSzPct val="80000"/>
+              <a:buFont typeface="Wingdings 2"/>
+              <a:buNone/>
+              <a:defRPr kumimoji="0" sz="1600" kern="1200" baseline="0">
+                <a:solidFill>
+                  <a:schemeClr val="tx1"/>
+                </a:solidFill>
+                <a:latin typeface="+mn-lt"/>
+                <a:ea typeface="+mn-ea"/>
+                <a:cs typeface="+mn-cs"/>
+              </a:defRPr>
+            </a:lvl7pPr>
+            <a:lvl8pPr marL="3200400" indent="0" algn="ctr" rtl="0" eaLnBrk="1" latinLnBrk="0" hangingPunct="1">
+              <a:spcBef>
+                <a:spcPct val="20000"/>
+              </a:spcBef>
+              <a:buClr>
+                <a:schemeClr val="tx2"/>
+              </a:buClr>
+              <a:buNone/>
+              <a:defRPr kumimoji="0" sz="1600" kern="1200">
+                <a:solidFill>
+                  <a:schemeClr val="tx1"/>
+                </a:solidFill>
+                <a:latin typeface="+mn-lt"/>
+                <a:ea typeface="+mn-ea"/>
+                <a:cs typeface="+mn-cs"/>
+              </a:defRPr>
+            </a:lvl8pPr>
+            <a:lvl9pPr marL="3657600" indent="0" algn="ctr" rtl="0" eaLnBrk="1" latinLnBrk="0" hangingPunct="1">
+              <a:spcBef>
+                <a:spcPct val="20000"/>
+              </a:spcBef>
+              <a:buClr>
+                <a:schemeClr val="tx2"/>
+              </a:buClr>
+              <a:buFontTx/>
+              <a:buNone/>
+              <a:defRPr kumimoji="0" sz="1400" kern="1200" baseline="0">
+                <a:solidFill>
+                  <a:schemeClr val="tx1"/>
+                </a:solidFill>
+                <a:latin typeface="+mn-lt"/>
+                <a:ea typeface="+mn-ea"/>
+                <a:cs typeface="+mn-cs"/>
+              </a:defRPr>
+            </a:lvl9pPr>
+          </a:lstStyle>
+          <a:p>
+            <a:pPr marL="457200" indent="-457200" algn="l">
+              <a:buFont typeface="Arial" panose="020B0604020202020204" pitchFamily="34" charset="0"/>
+              <a:buChar char="•"/>
+            </a:pPr>
+            <a:r>
+              <a:rPr lang="zh-CN" altLang="en-US" dirty="0"/>
+              <a:t>完成“小青龙汤”的方剂建模</a:t>
+            </a:r>
+            <a:endParaRPr lang="en-US" altLang="zh-CN" dirty="0"/>
+          </a:p>
+          <a:p>
+            <a:pPr marL="457200" indent="-457200" algn="l">
+              <a:buFont typeface="Arial" panose="020B0604020202020204" pitchFamily="34" charset="0"/>
+              <a:buChar char="•"/>
+            </a:pPr>
+            <a:r>
+              <a:rPr lang="zh-CN" altLang="en-US" dirty="0"/>
+              <a:t>使用</a:t>
+            </a:r>
+            <a:r>
+              <a:rPr lang="en-US" altLang="zh-CN" dirty="0"/>
+              <a:t>Create Axioms from Excel Workbook</a:t>
+            </a:r>
+            <a:r>
+              <a:rPr lang="zh-CN" altLang="en-US" dirty="0"/>
+              <a:t>来批量输入</a:t>
+            </a:r>
+            <a:r>
+              <a:rPr lang="en-US" altLang="zh-CN" dirty="0"/>
+              <a:t>individuals</a:t>
+            </a:r>
+          </a:p>
+          <a:p>
+            <a:pPr marL="457200" indent="-457200" algn="l">
+              <a:buFont typeface="Arial" panose="020B0604020202020204" pitchFamily="34" charset="0"/>
+              <a:buChar char="•"/>
+            </a:pPr>
+            <a:r>
+              <a:rPr lang="zh-CN" altLang="en-US" dirty="0"/>
+              <a:t>导入</a:t>
+            </a:r>
+            <a:r>
+              <a:rPr lang="en-US" altLang="zh-CN" dirty="0"/>
+              <a:t>《</a:t>
+            </a:r>
+            <a:r>
+              <a:rPr lang="zh-CN" altLang="en-US" dirty="0"/>
+              <a:t>伤寒杂病论</a:t>
+            </a:r>
+            <a:r>
+              <a:rPr lang="en-US" altLang="zh-CN" dirty="0"/>
+              <a:t>》</a:t>
+            </a:r>
+            <a:r>
+              <a:rPr lang="zh-CN" altLang="en-US" dirty="0"/>
+              <a:t>第一章：辨太阳病脉证并治</a:t>
+            </a:r>
+            <a:r>
+              <a:rPr lang="en-US" altLang="zh-CN" dirty="0"/>
+              <a:t>-</a:t>
+            </a:r>
+            <a:r>
+              <a:rPr lang="zh-CN" altLang="en-US" dirty="0"/>
+              <a:t>上</a:t>
+            </a:r>
+            <a:endParaRPr lang="en-US" altLang="zh-CN" dirty="0"/>
+          </a:p>
+          <a:p>
+            <a:pPr marL="914400" lvl="1" indent="-457200" algn="l">
+              <a:buFont typeface="Arial" panose="020B0604020202020204" pitchFamily="34" charset="0"/>
+              <a:buChar char="•"/>
+            </a:pPr>
+            <a:r>
+              <a:rPr lang="zh-CN" altLang="en-US" dirty="0"/>
+              <a:t>病脉证：</a:t>
+            </a:r>
+            <a:r>
+              <a:rPr lang="en-US" altLang="zh-CN" dirty="0"/>
+              <a:t>BMZxxx</a:t>
+            </a:r>
+          </a:p>
+          <a:p>
+            <a:pPr marL="914400" lvl="1" indent="-457200" algn="l">
+              <a:buFont typeface="Arial" panose="020B0604020202020204" pitchFamily="34" charset="0"/>
+              <a:buChar char="•"/>
+            </a:pPr>
+            <a:r>
+              <a:rPr lang="zh-CN" altLang="en-US" dirty="0"/>
+              <a:t>方剂</a:t>
+            </a:r>
+            <a:r>
+              <a:rPr lang="en-US" altLang="zh-CN" dirty="0"/>
+              <a:t>: FJxxx</a:t>
+            </a:r>
+            <a:endParaRPr lang="en-US" dirty="0"/>
+          </a:p>
+        </p:txBody>
+      </p:sp>
+      <p:pic>
+        <p:nvPicPr>
+          <p:cNvPr id="14" name="Picture 13">
+            <a:extLst>
+              <a:ext uri="{FF2B5EF4-FFF2-40B4-BE49-F238E27FC236}">
+                <a16:creationId xmlns:a16="http://schemas.microsoft.com/office/drawing/2014/main" id="{383F1D55-D473-49D7-54AF-75EBD5D5FB94}"/>
+              </a:ext>
+            </a:extLst>
+          </p:cNvPr>
+          <p:cNvPicPr>
+            <a:picLocks noChangeAspect="1"/>
+          </p:cNvPicPr>
+          <p:nvPr/>
+        </p:nvPicPr>
+        <p:blipFill>
+          <a:blip r:embed="rId5"/>
+          <a:stretch>
+            <a:fillRect/>
+          </a:stretch>
+        </p:blipFill>
+        <p:spPr>
+          <a:xfrm>
+            <a:off x="116923" y="6284428"/>
+            <a:ext cx="2120630" cy="441606"/>
+          </a:xfrm>
+          <a:prstGeom prst="rect">
+            <a:avLst/>
+          </a:prstGeom>
+          <a:ln>
+            <a:noFill/>
+          </a:ln>
+          <a:effectLst>
+            <a:outerShdw blurRad="292100" dist="139700" dir="2700000" algn="tl" rotWithShape="0">
+              <a:srgbClr val="333333">
+                <a:alpha val="65000"/>
+              </a:srgbClr>
+            </a:outerShdw>
+          </a:effectLst>
+        </p:spPr>
+      </p:pic>
+      <p:pic>
+        <p:nvPicPr>
+          <p:cNvPr id="6" name="Picture 5">
+            <a:extLst>
+              <a:ext uri="{FF2B5EF4-FFF2-40B4-BE49-F238E27FC236}">
+                <a16:creationId xmlns:a16="http://schemas.microsoft.com/office/drawing/2014/main" id="{68E78EE2-2178-E333-A601-44E56EBFE12E}"/>
+              </a:ext>
+            </a:extLst>
+          </p:cNvPr>
+          <p:cNvPicPr>
+            <a:picLocks noChangeAspect="1"/>
+          </p:cNvPicPr>
+          <p:nvPr/>
+        </p:nvPicPr>
+        <p:blipFill>
+          <a:blip r:embed="rId6"/>
+          <a:stretch>
+            <a:fillRect/>
+          </a:stretch>
+        </p:blipFill>
+        <p:spPr>
+          <a:xfrm>
+            <a:off x="6508376" y="2285981"/>
+            <a:ext cx="5416083" cy="2859555"/>
+          </a:xfrm>
+          <a:prstGeom prst="rect">
+            <a:avLst/>
+          </a:prstGeom>
+          <a:ln>
+            <a:noFill/>
+          </a:ln>
+          <a:effectLst>
+            <a:outerShdw blurRad="292100" dist="139700" dir="2700000" algn="tl" rotWithShape="0">
+              <a:srgbClr val="333333">
+                <a:alpha val="65000"/>
+              </a:srgbClr>
+            </a:outerShdw>
+          </a:effectLst>
+        </p:spPr>
+      </p:pic>
+      <p:pic>
+        <p:nvPicPr>
+          <p:cNvPr id="8" name="Picture 7">
+            <a:extLst>
+              <a:ext uri="{FF2B5EF4-FFF2-40B4-BE49-F238E27FC236}">
+                <a16:creationId xmlns:a16="http://schemas.microsoft.com/office/drawing/2014/main" id="{84E36F72-40B0-718F-FA8B-28BC42CE017A}"/>
+              </a:ext>
+            </a:extLst>
+          </p:cNvPr>
+          <p:cNvPicPr>
+            <a:picLocks noChangeAspect="1"/>
+          </p:cNvPicPr>
+          <p:nvPr/>
+        </p:nvPicPr>
+        <p:blipFill>
+          <a:blip r:embed="rId7"/>
+          <a:stretch>
+            <a:fillRect/>
+          </a:stretch>
+        </p:blipFill>
+        <p:spPr>
+          <a:xfrm>
+            <a:off x="9894745" y="69427"/>
+            <a:ext cx="1507663" cy="2094858"/>
+          </a:xfrm>
+          <a:prstGeom prst="rect">
+            <a:avLst/>
+          </a:prstGeom>
+          <a:ln>
+            <a:noFill/>
+          </a:ln>
+          <a:effectLst>
+            <a:outerShdw blurRad="292100" dist="139700" dir="2700000" algn="tl" rotWithShape="0">
+              <a:srgbClr val="333333">
+                <a:alpha val="65000"/>
+              </a:srgbClr>
+            </a:outerShdw>
+          </a:effectLst>
+        </p:spPr>
+      </p:pic>
+    </p:spTree>
+    <p:extLst>
+      <p:ext uri="{BB962C8B-B14F-4D97-AF65-F5344CB8AC3E}">
+        <p14:creationId xmlns:p14="http://schemas.microsoft.com/office/powerpoint/2010/main" val="4132582851"/>
       </p:ext>
     </p:extLst>
   </p:cSld>

--- a/使用Protégé建立中国传统医学本体模型.pptx
+++ b/使用Protégé建立中国传统医学本体模型.pptx
@@ -5,7 +5,7 @@
     <p:sldMasterId id="2147483684" r:id="rId1"/>
   </p:sldMasterIdLst>
   <p:notesMasterIdLst>
-    <p:notesMasterId r:id="rId10"/>
+    <p:notesMasterId r:id="rId11"/>
   </p:notesMasterIdLst>
   <p:sldIdLst>
     <p:sldId id="272" r:id="rId2"/>
@@ -16,6 +16,7 @@
     <p:sldId id="277" r:id="rId7"/>
     <p:sldId id="278" r:id="rId8"/>
     <p:sldId id="279" r:id="rId9"/>
+    <p:sldId id="280" r:id="rId10"/>
   </p:sldIdLst>
   <p:sldSz cx="12192000" cy="6858000"/>
   <p:notesSz cx="6858000" cy="9144000"/>
@@ -204,7 +205,7 @@
           <a:p>
             <a:fld id="{71BD4573-58E7-4156-A133-2731F5F8D1A6}" type="datetimeFigureOut">
               <a:rPr lang="en-US" smtClean="0"/>
-              <a:t>4/2/2024</a:t>
+              <a:t>4/6/2024</a:t>
             </a:fld>
             <a:endParaRPr lang="en-US"/>
           </a:p>
@@ -1146,6 +1147,114 @@
     <p:extLst>
       <p:ext uri="{BB962C8B-B14F-4D97-AF65-F5344CB8AC3E}">
         <p14:creationId xmlns:p14="http://schemas.microsoft.com/office/powerpoint/2010/main" val="1542956777"/>
+      </p:ext>
+    </p:extLst>
+  </p:cSld>
+  <p:clrMapOvr>
+    <a:masterClrMapping/>
+  </p:clrMapOvr>
+</p:notes>
+</file>
+
+<file path=ppt/notesSlides/notesSlide8.xml><?xml version="1.0" encoding="utf-8"?>
+<p:notes xmlns:a="http://schemas.openxmlformats.org/drawingml/2006/main" xmlns:r="http://schemas.openxmlformats.org/officeDocument/2006/relationships" xmlns:p="http://schemas.openxmlformats.org/presentationml/2006/main">
+  <p:cSld>
+    <p:spTree>
+      <p:nvGrpSpPr>
+        <p:cNvPr id="1" name="">
+          <a:extLst>
+            <a:ext uri="{FF2B5EF4-FFF2-40B4-BE49-F238E27FC236}">
+              <a16:creationId xmlns:a16="http://schemas.microsoft.com/office/drawing/2014/main" id="{B563666C-A6D2-06F0-DE6C-4A6BE83965DF}"/>
+            </a:ext>
+          </a:extLst>
+        </p:cNvPr>
+        <p:cNvGrpSpPr/>
+        <p:nvPr/>
+      </p:nvGrpSpPr>
+      <p:grpSpPr>
+        <a:xfrm>
+          <a:off x="0" y="0"/>
+          <a:ext cx="0" cy="0"/>
+          <a:chOff x="0" y="0"/>
+          <a:chExt cx="0" cy="0"/>
+        </a:xfrm>
+      </p:grpSpPr>
+      <p:sp>
+        <p:nvSpPr>
+          <p:cNvPr id="2" name="Slide Image Placeholder 1">
+            <a:extLst>
+              <a:ext uri="{FF2B5EF4-FFF2-40B4-BE49-F238E27FC236}">
+                <a16:creationId xmlns:a16="http://schemas.microsoft.com/office/drawing/2014/main" id="{9DCE7F3B-4A5B-D20B-E485-E99AA07F57E2}"/>
+              </a:ext>
+            </a:extLst>
+          </p:cNvPr>
+          <p:cNvSpPr>
+            <a:spLocks noGrp="1" noRot="1" noChangeAspect="1"/>
+          </p:cNvSpPr>
+          <p:nvPr>
+            <p:ph type="sldImg"/>
+          </p:nvPr>
+        </p:nvSpPr>
+        <p:spPr/>
+      </p:sp>
+      <p:sp>
+        <p:nvSpPr>
+          <p:cNvPr id="3" name="Notes Placeholder 2">
+            <a:extLst>
+              <a:ext uri="{FF2B5EF4-FFF2-40B4-BE49-F238E27FC236}">
+                <a16:creationId xmlns:a16="http://schemas.microsoft.com/office/drawing/2014/main" id="{EF6E8193-9EF9-C8CB-8BDB-170D316DC156}"/>
+              </a:ext>
+            </a:extLst>
+          </p:cNvPr>
+          <p:cNvSpPr>
+            <a:spLocks noGrp="1"/>
+          </p:cNvSpPr>
+          <p:nvPr>
+            <p:ph type="body" idx="1"/>
+          </p:nvPr>
+        </p:nvSpPr>
+        <p:spPr/>
+        <p:txBody>
+          <a:bodyPr/>
+          <a:lstStyle/>
+          <a:p>
+            <a:endParaRPr lang="en-US"/>
+          </a:p>
+        </p:txBody>
+      </p:sp>
+      <p:sp>
+        <p:nvSpPr>
+          <p:cNvPr id="4" name="Slide Number Placeholder 3">
+            <a:extLst>
+              <a:ext uri="{FF2B5EF4-FFF2-40B4-BE49-F238E27FC236}">
+                <a16:creationId xmlns:a16="http://schemas.microsoft.com/office/drawing/2014/main" id="{50A9F02C-6B68-C5F6-2D2C-0D6C6688A32E}"/>
+              </a:ext>
+            </a:extLst>
+          </p:cNvPr>
+          <p:cNvSpPr>
+            <a:spLocks noGrp="1"/>
+          </p:cNvSpPr>
+          <p:nvPr>
+            <p:ph type="sldNum" sz="quarter" idx="10"/>
+          </p:nvPr>
+        </p:nvSpPr>
+        <p:spPr/>
+        <p:txBody>
+          <a:bodyPr/>
+          <a:lstStyle/>
+          <a:p>
+            <a:fld id="{893B0CF2-7F87-4E02-A248-870047730F99}" type="slidenum">
+              <a:rPr lang="en-US" smtClean="0"/>
+              <a:t>9</a:t>
+            </a:fld>
+            <a:endParaRPr lang="en-US"/>
+          </a:p>
+        </p:txBody>
+      </p:sp>
+    </p:spTree>
+    <p:extLst>
+      <p:ext uri="{BB962C8B-B14F-4D97-AF65-F5344CB8AC3E}">
+        <p14:creationId xmlns:p14="http://schemas.microsoft.com/office/powerpoint/2010/main" val="1626584059"/>
       </p:ext>
     </p:extLst>
   </p:cSld>
@@ -1469,7 +1578,7 @@
           <a:p>
             <a:fld id="{021A1D30-C0A0-4124-A783-34D9F15FA0FE}" type="datetime1">
               <a:rPr lang="en-US" smtClean="0"/>
-              <a:t>4/2/2024</a:t>
+              <a:t>4/6/2024</a:t>
             </a:fld>
             <a:endParaRPr lang="en-US"/>
           </a:p>
@@ -1653,7 +1762,7 @@
           <a:p>
             <a:fld id="{8D2D5871-AB0F-4B3D-8861-97E78CB7B47E}" type="datetime1">
               <a:rPr lang="en-US" smtClean="0"/>
-              <a:t>4/2/2024</a:t>
+              <a:t>4/6/2024</a:t>
             </a:fld>
             <a:endParaRPr lang="en-US"/>
           </a:p>
@@ -1847,7 +1956,7 @@
           <a:p>
             <a:fld id="{14418406-4C3F-4F3E-80BD-A22568EA37EB}" type="datetime1">
               <a:rPr lang="en-US" smtClean="0"/>
-              <a:t>4/2/2024</a:t>
+              <a:t>4/6/2024</a:t>
             </a:fld>
             <a:endParaRPr lang="en-US"/>
           </a:p>
@@ -2031,7 +2140,7 @@
           <a:p>
             <a:fld id="{65F28077-7188-48C5-8679-2287FAC952E9}" type="datetime1">
               <a:rPr lang="en-US" smtClean="0"/>
-              <a:t>4/2/2024</a:t>
+              <a:t>4/6/2024</a:t>
             </a:fld>
             <a:endParaRPr lang="en-US"/>
           </a:p>
@@ -2278,7 +2387,7 @@
           <a:p>
             <a:fld id="{D2DCB740-6776-4EE9-99FD-96D592FA5A23}" type="datetime1">
               <a:rPr lang="en-US" smtClean="0"/>
-              <a:t>4/2/2024</a:t>
+              <a:t>4/6/2024</a:t>
             </a:fld>
             <a:endParaRPr lang="en-US"/>
           </a:p>
@@ -2561,7 +2670,7 @@
           <a:p>
             <a:fld id="{05F6BD99-6FFD-46C5-B5E2-43A34BDA2566}" type="datetime1">
               <a:rPr lang="en-US" smtClean="0"/>
-              <a:t>4/2/2024</a:t>
+              <a:t>4/6/2024</a:t>
             </a:fld>
             <a:endParaRPr lang="en-US"/>
           </a:p>
@@ -2958,7 +3067,7 @@
           <a:p>
             <a:fld id="{E022678E-214C-4CF8-97C7-95015FB02960}" type="datetime1">
               <a:rPr lang="en-US" smtClean="0"/>
-              <a:t>4/2/2024</a:t>
+              <a:t>4/6/2024</a:t>
             </a:fld>
             <a:endParaRPr lang="en-US"/>
           </a:p>
@@ -3127,7 +3236,7 @@
           <a:p>
             <a:fld id="{D55660E0-FA77-4473-A859-74127B089143}" type="datetime1">
               <a:rPr lang="en-US" smtClean="0"/>
-              <a:t>4/2/2024</a:t>
+              <a:t>4/6/2024</a:t>
             </a:fld>
             <a:endParaRPr lang="en-US"/>
           </a:p>
@@ -3237,7 +3346,7 @@
           <a:p>
             <a:fld id="{3188D7B8-9F07-4899-827D-5F3CFDDEB574}" type="datetime1">
               <a:rPr lang="en-US" smtClean="0"/>
-              <a:t>4/2/2024</a:t>
+              <a:t>4/6/2024</a:t>
             </a:fld>
             <a:endParaRPr lang="en-US"/>
           </a:p>
@@ -3517,7 +3626,7 @@
           <a:p>
             <a:fld id="{B5197C5C-1CD1-417D-A89C-14747F5222C7}" type="datetime1">
               <a:rPr lang="en-US" smtClean="0"/>
-              <a:t>4/2/2024</a:t>
+              <a:t>4/6/2024</a:t>
             </a:fld>
             <a:endParaRPr lang="en-US"/>
           </a:p>
@@ -3870,7 +3979,7 @@
           <a:p>
             <a:fld id="{1359EFBB-CFA1-4AA8-9123-F0B52DBD84FE}" type="datetime1">
               <a:rPr lang="en-US" smtClean="0"/>
-              <a:t>4/2/2024</a:t>
+              <a:t>4/6/2024</a:t>
             </a:fld>
             <a:endParaRPr lang="en-US"/>
           </a:p>
@@ -4904,7 +5013,7 @@
             <a:fld id="{61146459-E3C3-4969-9224-5ED50B492D17}" type="datetime1">
               <a:rPr lang="en-US" smtClean="0"/>
               <a:pPr/>
-              <a:t>4/2/2024</a:t>
+              <a:t>4/6/2024</a:t>
             </a:fld>
             <a:endParaRPr lang="en-US" dirty="0"/>
           </a:p>
@@ -8093,13 +8202,13 @@
   <p:clrMapOvr>
     <a:masterClrMapping/>
   </p:clrMapOvr>
-  <mc:AlternateContent xmlns:mc="http://schemas.openxmlformats.org/markup-compatibility/2006">
-    <mc:Choice xmlns:p14="http://schemas.microsoft.com/office/powerpoint/2010/main" Requires="p14">
+  <mc:AlternateContent xmlns:mc="http://schemas.openxmlformats.org/markup-compatibility/2006" xmlns:p14="http://schemas.microsoft.com/office/powerpoint/2010/main">
+    <mc:Choice Requires="p14">
       <p:transition spd="med" p14:dur="700">
         <p:fade/>
       </p:transition>
     </mc:Choice>
-    <mc:Fallback>
+    <mc:Fallback xmlns="">
       <p:transition spd="med">
         <p:fade/>
       </p:transition>
@@ -8694,13 +8803,13 @@
   <p:clrMapOvr>
     <a:masterClrMapping/>
   </p:clrMapOvr>
-  <mc:AlternateContent xmlns:mc="http://schemas.openxmlformats.org/markup-compatibility/2006">
-    <mc:Choice xmlns:p14="http://schemas.microsoft.com/office/powerpoint/2010/main" Requires="p14">
+  <mc:AlternateContent xmlns:mc="http://schemas.openxmlformats.org/markup-compatibility/2006" xmlns:p14="http://schemas.microsoft.com/office/powerpoint/2010/main">
+    <mc:Choice Requires="p14">
       <p:transition spd="med" p14:dur="700">
         <p:fade/>
       </p:transition>
     </mc:Choice>
-    <mc:Fallback>
+    <mc:Fallback xmlns="">
       <p:transition spd="med">
         <p:fade/>
       </p:transition>
@@ -9290,6 +9399,576 @@
     <p:extLst>
       <p:ext uri="{BB962C8B-B14F-4D97-AF65-F5344CB8AC3E}">
         <p14:creationId xmlns:p14="http://schemas.microsoft.com/office/powerpoint/2010/main" val="4132582851"/>
+      </p:ext>
+    </p:extLst>
+  </p:cSld>
+  <p:clrMapOvr>
+    <a:masterClrMapping/>
+  </p:clrMapOvr>
+  <mc:AlternateContent xmlns:mc="http://schemas.openxmlformats.org/markup-compatibility/2006" xmlns:p14="http://schemas.microsoft.com/office/powerpoint/2010/main">
+    <mc:Choice Requires="p14">
+      <p:transition spd="med" p14:dur="700">
+        <p:fade/>
+      </p:transition>
+    </mc:Choice>
+    <mc:Fallback xmlns="">
+      <p:transition spd="med">
+        <p:fade/>
+      </p:transition>
+    </mc:Fallback>
+  </mc:AlternateContent>
+</p:sld>
+</file>
+
+<file path=ppt/slides/slide9.xml><?xml version="1.0" encoding="utf-8"?>
+<p:sld xmlns:a="http://schemas.openxmlformats.org/drawingml/2006/main" xmlns:r="http://schemas.openxmlformats.org/officeDocument/2006/relationships" xmlns:p="http://schemas.openxmlformats.org/presentationml/2006/main">
+  <p:cSld>
+    <p:spTree>
+      <p:nvGrpSpPr>
+        <p:cNvPr id="1" name="">
+          <a:extLst>
+            <a:ext uri="{FF2B5EF4-FFF2-40B4-BE49-F238E27FC236}">
+              <a16:creationId xmlns:a16="http://schemas.microsoft.com/office/drawing/2014/main" id="{7A2F18F0-B19B-5A42-79F9-7648AAB476E1}"/>
+            </a:ext>
+          </a:extLst>
+        </p:cNvPr>
+        <p:cNvGrpSpPr/>
+        <p:nvPr/>
+      </p:nvGrpSpPr>
+      <p:grpSpPr>
+        <a:xfrm>
+          <a:off x="0" y="0"/>
+          <a:ext cx="0" cy="0"/>
+          <a:chOff x="0" y="0"/>
+          <a:chExt cx="0" cy="0"/>
+        </a:xfrm>
+      </p:grpSpPr>
+      <p:sp>
+        <p:nvSpPr>
+          <p:cNvPr id="4" name="Title 3">
+            <a:extLst>
+              <a:ext uri="{FF2B5EF4-FFF2-40B4-BE49-F238E27FC236}">
+                <a16:creationId xmlns:a16="http://schemas.microsoft.com/office/drawing/2014/main" id="{FBBD7D0A-FD39-5AE6-3659-9E6652979EF2}"/>
+              </a:ext>
+            </a:extLst>
+          </p:cNvPr>
+          <p:cNvSpPr>
+            <a:spLocks noGrp="1"/>
+          </p:cNvSpPr>
+          <p:nvPr>
+            <p:ph type="ctrTitle"/>
+          </p:nvPr>
+        </p:nvSpPr>
+        <p:spPr>
+          <a:xfrm>
+            <a:off x="715264" y="349246"/>
+            <a:ext cx="10468864" cy="1535220"/>
+          </a:xfrm>
+        </p:spPr>
+        <p:txBody>
+          <a:bodyPr>
+            <a:normAutofit fontScale="90000"/>
+          </a:bodyPr>
+          <a:lstStyle/>
+          <a:p>
+            <a:pPr algn="l"/>
+            <a:r>
+              <a:rPr lang="zh-CN" altLang="en-US" sz="4400" dirty="0"/>
+              <a:t>使用</a:t>
+            </a:r>
+            <a:r>
+              <a:rPr lang="en-US" altLang="zh-CN" sz="4400" dirty="0"/>
+              <a:t>Protégé</a:t>
+            </a:r>
+            <a:r>
+              <a:rPr lang="zh-CN" altLang="en-US" sz="4400" dirty="0"/>
+              <a:t>建立中国医学本体模型</a:t>
+            </a:r>
+            <a:br>
+              <a:rPr lang="en-US" altLang="zh-CN" sz="4400" dirty="0"/>
+            </a:br>
+            <a:r>
+              <a:rPr lang="en-US" altLang="zh-CN" sz="4400" dirty="0"/>
+              <a:t>CN-MEDO Ontology - </a:t>
+            </a:r>
+            <a:r>
+              <a:rPr lang="en-US" altLang="zh-CN" sz="7200" dirty="0"/>
+              <a:t>008</a:t>
+            </a:r>
+            <a:endParaRPr lang="en-US" sz="4400" dirty="0"/>
+          </a:p>
+        </p:txBody>
+      </p:sp>
+      <p:sp>
+        <p:nvSpPr>
+          <p:cNvPr id="2" name="TextBox 1">
+            <a:extLst>
+              <a:ext uri="{FF2B5EF4-FFF2-40B4-BE49-F238E27FC236}">
+                <a16:creationId xmlns:a16="http://schemas.microsoft.com/office/drawing/2014/main" id="{7BAB936B-6853-96B9-2EA4-CA6824376BE0}"/>
+              </a:ext>
+            </a:extLst>
+          </p:cNvPr>
+          <p:cNvSpPr txBox="1"/>
+          <p:nvPr/>
+        </p:nvSpPr>
+        <p:spPr>
+          <a:xfrm>
+            <a:off x="5949696" y="5793739"/>
+            <a:ext cx="5800178" cy="923330"/>
+          </a:xfrm>
+          <a:prstGeom prst="rect">
+            <a:avLst/>
+          </a:prstGeom>
+          <a:solidFill>
+            <a:schemeClr val="accent3">
+              <a:lumMod val="20000"/>
+              <a:lumOff val="80000"/>
+            </a:schemeClr>
+          </a:solidFill>
+          <a:ln>
+            <a:solidFill>
+              <a:schemeClr val="bg2"/>
+            </a:solidFill>
+          </a:ln>
+        </p:spPr>
+        <p:txBody>
+          <a:bodyPr wrap="none" rtlCol="0">
+            <a:spAutoFit/>
+          </a:bodyPr>
+          <a:lstStyle/>
+          <a:p>
+            <a:r>
+              <a:rPr lang="en-US" dirty="0"/>
+              <a:t>GitHub: </a:t>
+            </a:r>
+            <a:r>
+              <a:rPr lang="en-US" dirty="0">
+                <a:hlinkClick r:id="rId3"/>
+              </a:rPr>
+              <a:t>https://github.com/yasenstar/Chinese_Culture</a:t>
+            </a:r>
+            <a:endParaRPr lang="en-US" dirty="0"/>
+          </a:p>
+          <a:p>
+            <a:endParaRPr lang="en-US" dirty="0"/>
+          </a:p>
+          <a:p>
+            <a:r>
+              <a:rPr lang="en-US" dirty="0"/>
+              <a:t>Gitee: </a:t>
+            </a:r>
+            <a:r>
+              <a:rPr lang="en-US" dirty="0">
+                <a:hlinkClick r:id="rId4"/>
+              </a:rPr>
+              <a:t>https://gitee.com/yasenstar/Chinese_Culture</a:t>
+            </a:r>
+            <a:endParaRPr lang="en-US" dirty="0"/>
+          </a:p>
+        </p:txBody>
+      </p:sp>
+      <p:sp>
+        <p:nvSpPr>
+          <p:cNvPr id="3" name="Subtitle 4">
+            <a:extLst>
+              <a:ext uri="{FF2B5EF4-FFF2-40B4-BE49-F238E27FC236}">
+                <a16:creationId xmlns:a16="http://schemas.microsoft.com/office/drawing/2014/main" id="{A2B4AC1D-9459-E328-CB8B-937B80569488}"/>
+              </a:ext>
+            </a:extLst>
+          </p:cNvPr>
+          <p:cNvSpPr txBox="1">
+            <a:spLocks/>
+          </p:cNvSpPr>
+          <p:nvPr/>
+        </p:nvSpPr>
+        <p:spPr>
+          <a:xfrm>
+            <a:off x="331694" y="2368679"/>
+            <a:ext cx="5618002" cy="2830747"/>
+          </a:xfrm>
+          <a:prstGeom prst="rect">
+            <a:avLst/>
+          </a:prstGeom>
+        </p:spPr>
+        <p:txBody>
+          <a:bodyPr vert="horz" lIns="0" rIns="18288">
+            <a:normAutofit/>
+          </a:bodyPr>
+          <a:lstStyle>
+            <a:lvl1pPr marL="0" marR="45720" indent="0" algn="r" rtl="0" eaLnBrk="1" latinLnBrk="0" hangingPunct="1">
+              <a:spcBef>
+                <a:spcPct val="20000"/>
+              </a:spcBef>
+              <a:buClr>
+                <a:schemeClr val="accent3">
+                  <a:lumMod val="50000"/>
+                </a:schemeClr>
+              </a:buClr>
+              <a:buSzPct val="95000"/>
+              <a:buFont typeface="Wingdings 2"/>
+              <a:buNone/>
+              <a:defRPr kumimoji="0" sz="2600" kern="1200">
+                <a:solidFill>
+                  <a:schemeClr val="tx1"/>
+                </a:solidFill>
+                <a:latin typeface="+mn-lt"/>
+                <a:ea typeface="+mn-ea"/>
+                <a:cs typeface="+mn-cs"/>
+              </a:defRPr>
+            </a:lvl1pPr>
+            <a:lvl2pPr marL="457200" indent="0" algn="ctr" rtl="0" eaLnBrk="1" latinLnBrk="0" hangingPunct="1">
+              <a:spcBef>
+                <a:spcPct val="20000"/>
+              </a:spcBef>
+              <a:buClr>
+                <a:schemeClr val="accent1">
+                  <a:lumMod val="50000"/>
+                </a:schemeClr>
+              </a:buClr>
+              <a:buSzPct val="85000"/>
+              <a:buFont typeface="Wingdings 2"/>
+              <a:buNone/>
+              <a:defRPr kumimoji="0" sz="2400" kern="1200">
+                <a:solidFill>
+                  <a:schemeClr val="tx1"/>
+                </a:solidFill>
+                <a:latin typeface="+mn-lt"/>
+                <a:ea typeface="+mn-ea"/>
+                <a:cs typeface="+mn-cs"/>
+              </a:defRPr>
+            </a:lvl2pPr>
+            <a:lvl3pPr marL="914400" indent="0" algn="ctr" rtl="0" eaLnBrk="1" latinLnBrk="0" hangingPunct="1">
+              <a:spcBef>
+                <a:spcPct val="20000"/>
+              </a:spcBef>
+              <a:buClr>
+                <a:schemeClr val="accent2">
+                  <a:lumMod val="50000"/>
+                </a:schemeClr>
+              </a:buClr>
+              <a:buSzPct val="70000"/>
+              <a:buFont typeface="Wingdings 2"/>
+              <a:buNone/>
+              <a:defRPr kumimoji="0" sz="2100" kern="1200">
+                <a:solidFill>
+                  <a:schemeClr val="tx1"/>
+                </a:solidFill>
+                <a:latin typeface="+mn-lt"/>
+                <a:ea typeface="+mn-ea"/>
+                <a:cs typeface="+mn-cs"/>
+              </a:defRPr>
+            </a:lvl3pPr>
+            <a:lvl4pPr marL="1371600" indent="0" algn="ctr" rtl="0" eaLnBrk="1" latinLnBrk="0" hangingPunct="1">
+              <a:spcBef>
+                <a:spcPct val="20000"/>
+              </a:spcBef>
+              <a:buClr>
+                <a:schemeClr val="accent3">
+                  <a:lumMod val="50000"/>
+                </a:schemeClr>
+              </a:buClr>
+              <a:buSzPct val="65000"/>
+              <a:buFont typeface="Wingdings 2"/>
+              <a:buNone/>
+              <a:defRPr kumimoji="0" sz="2000" kern="1200">
+                <a:solidFill>
+                  <a:schemeClr val="tx1"/>
+                </a:solidFill>
+                <a:latin typeface="+mn-lt"/>
+                <a:ea typeface="+mn-ea"/>
+                <a:cs typeface="+mn-cs"/>
+              </a:defRPr>
+            </a:lvl4pPr>
+            <a:lvl5pPr marL="1828800" indent="0" algn="ctr" rtl="0" eaLnBrk="1" latinLnBrk="0" hangingPunct="1">
+              <a:spcBef>
+                <a:spcPct val="20000"/>
+              </a:spcBef>
+              <a:buClr>
+                <a:schemeClr val="accent4">
+                  <a:lumMod val="75000"/>
+                </a:schemeClr>
+              </a:buClr>
+              <a:buSzPct val="65000"/>
+              <a:buFont typeface="Wingdings 2"/>
+              <a:buNone/>
+              <a:defRPr kumimoji="0" sz="2000" kern="1200">
+                <a:solidFill>
+                  <a:schemeClr val="tx1"/>
+                </a:solidFill>
+                <a:latin typeface="+mn-lt"/>
+                <a:ea typeface="+mn-ea"/>
+                <a:cs typeface="+mn-cs"/>
+              </a:defRPr>
+            </a:lvl5pPr>
+            <a:lvl6pPr marL="2286000" indent="0" algn="ctr" rtl="0" eaLnBrk="1" latinLnBrk="0" hangingPunct="1">
+              <a:spcBef>
+                <a:spcPct val="20000"/>
+              </a:spcBef>
+              <a:buClr>
+                <a:schemeClr val="accent5">
+                  <a:lumMod val="50000"/>
+                </a:schemeClr>
+              </a:buClr>
+              <a:buSzPct val="80000"/>
+              <a:buFont typeface="Wingdings 2"/>
+              <a:buNone/>
+              <a:defRPr kumimoji="0" sz="1800" kern="1200">
+                <a:solidFill>
+                  <a:schemeClr val="tx1"/>
+                </a:solidFill>
+                <a:latin typeface="+mn-lt"/>
+                <a:ea typeface="+mn-ea"/>
+                <a:cs typeface="+mn-cs"/>
+              </a:defRPr>
+            </a:lvl6pPr>
+            <a:lvl7pPr marL="2743200" indent="0" algn="ctr" rtl="0" eaLnBrk="1" latinLnBrk="0" hangingPunct="1">
+              <a:spcBef>
+                <a:spcPct val="20000"/>
+              </a:spcBef>
+              <a:buClr>
+                <a:schemeClr val="accent6">
+                  <a:lumMod val="75000"/>
+                </a:schemeClr>
+              </a:buClr>
+              <a:buSzPct val="80000"/>
+              <a:buFont typeface="Wingdings 2"/>
+              <a:buNone/>
+              <a:defRPr kumimoji="0" sz="1600" kern="1200" baseline="0">
+                <a:solidFill>
+                  <a:schemeClr val="tx1"/>
+                </a:solidFill>
+                <a:latin typeface="+mn-lt"/>
+                <a:ea typeface="+mn-ea"/>
+                <a:cs typeface="+mn-cs"/>
+              </a:defRPr>
+            </a:lvl7pPr>
+            <a:lvl8pPr marL="3200400" indent="0" algn="ctr" rtl="0" eaLnBrk="1" latinLnBrk="0" hangingPunct="1">
+              <a:spcBef>
+                <a:spcPct val="20000"/>
+              </a:spcBef>
+              <a:buClr>
+                <a:schemeClr val="tx2"/>
+              </a:buClr>
+              <a:buNone/>
+              <a:defRPr kumimoji="0" sz="1600" kern="1200">
+                <a:solidFill>
+                  <a:schemeClr val="tx1"/>
+                </a:solidFill>
+                <a:latin typeface="+mn-lt"/>
+                <a:ea typeface="+mn-ea"/>
+                <a:cs typeface="+mn-cs"/>
+              </a:defRPr>
+            </a:lvl8pPr>
+            <a:lvl9pPr marL="3657600" indent="0" algn="ctr" rtl="0" eaLnBrk="1" latinLnBrk="0" hangingPunct="1">
+              <a:spcBef>
+                <a:spcPct val="20000"/>
+              </a:spcBef>
+              <a:buClr>
+                <a:schemeClr val="tx2"/>
+              </a:buClr>
+              <a:buFontTx/>
+              <a:buNone/>
+              <a:defRPr kumimoji="0" sz="1400" kern="1200" baseline="0">
+                <a:solidFill>
+                  <a:schemeClr val="tx1"/>
+                </a:solidFill>
+                <a:latin typeface="+mn-lt"/>
+                <a:ea typeface="+mn-ea"/>
+                <a:cs typeface="+mn-cs"/>
+              </a:defRPr>
+            </a:lvl9pPr>
+          </a:lstStyle>
+          <a:p>
+            <a:pPr marL="457200" indent="-457200" algn="l">
+              <a:buFont typeface="Arial" panose="020B0604020202020204" pitchFamily="34" charset="0"/>
+              <a:buChar char="•"/>
+            </a:pPr>
+            <a:r>
+              <a:rPr lang="zh-CN" altLang="en-US" sz="3200"/>
+              <a:t>完成“伤寒杂病论 之 </a:t>
+            </a:r>
+            <a:r>
+              <a:rPr lang="en-US" altLang="zh-CN" sz="3200"/>
+              <a:t>01</a:t>
+            </a:r>
+            <a:r>
+              <a:rPr lang="en-US" altLang="zh-CN" sz="3200" dirty="0"/>
+              <a:t>_</a:t>
+            </a:r>
+            <a:r>
+              <a:rPr lang="zh-CN" altLang="en-US" sz="3200" dirty="0"/>
+              <a:t>辨太阳病脉证并治</a:t>
+            </a:r>
+            <a:r>
+              <a:rPr lang="en-US" altLang="zh-CN" sz="3200" dirty="0"/>
+              <a:t>-</a:t>
+            </a:r>
+            <a:r>
+              <a:rPr lang="zh-CN" altLang="en-US" sz="3200" dirty="0"/>
+              <a:t>上”的方剂与病证建模</a:t>
+            </a:r>
+            <a:endParaRPr lang="en-US" altLang="zh-CN" sz="3200" dirty="0"/>
+          </a:p>
+          <a:p>
+            <a:pPr marL="457200" indent="-457200" algn="l">
+              <a:buFont typeface="Arial" panose="020B0604020202020204" pitchFamily="34" charset="0"/>
+              <a:buChar char="•"/>
+            </a:pPr>
+            <a:r>
+              <a:rPr lang="en-US" altLang="zh-CN" sz="2800" dirty="0"/>
+              <a:t>OntoGraf</a:t>
+            </a:r>
+            <a:r>
+              <a:rPr lang="zh-CN" altLang="en-US" sz="2800" dirty="0"/>
+              <a:t>的可视化</a:t>
+            </a:r>
+            <a:endParaRPr lang="en-US" altLang="zh-CN" sz="2800" dirty="0"/>
+          </a:p>
+          <a:p>
+            <a:pPr marL="457200" indent="-457200" algn="l">
+              <a:buFont typeface="Arial" panose="020B0604020202020204" pitchFamily="34" charset="0"/>
+              <a:buChar char="•"/>
+            </a:pPr>
+            <a:r>
+              <a:rPr lang="zh-CN" altLang="en-US" sz="2800" dirty="0"/>
+              <a:t>基本</a:t>
+            </a:r>
+            <a:r>
+              <a:rPr lang="en-US" altLang="zh-CN" sz="2800" dirty="0"/>
+              <a:t>SPARQL</a:t>
+            </a:r>
+            <a:r>
+              <a:rPr lang="zh-CN" altLang="en-US" sz="2800" dirty="0"/>
+              <a:t>查询</a:t>
+            </a:r>
+            <a:endParaRPr lang="en-US" sz="2800" dirty="0"/>
+          </a:p>
+        </p:txBody>
+      </p:sp>
+      <p:pic>
+        <p:nvPicPr>
+          <p:cNvPr id="14" name="Picture 13">
+            <a:extLst>
+              <a:ext uri="{FF2B5EF4-FFF2-40B4-BE49-F238E27FC236}">
+                <a16:creationId xmlns:a16="http://schemas.microsoft.com/office/drawing/2014/main" id="{383F1D55-D473-49D7-54AF-75EBD5D5FB94}"/>
+              </a:ext>
+            </a:extLst>
+          </p:cNvPr>
+          <p:cNvPicPr>
+            <a:picLocks noChangeAspect="1"/>
+          </p:cNvPicPr>
+          <p:nvPr/>
+        </p:nvPicPr>
+        <p:blipFill>
+          <a:blip r:embed="rId5"/>
+          <a:stretch>
+            <a:fillRect/>
+          </a:stretch>
+        </p:blipFill>
+        <p:spPr>
+          <a:xfrm>
+            <a:off x="116923" y="6284428"/>
+            <a:ext cx="2120630" cy="441606"/>
+          </a:xfrm>
+          <a:prstGeom prst="rect">
+            <a:avLst/>
+          </a:prstGeom>
+          <a:ln>
+            <a:noFill/>
+          </a:ln>
+          <a:effectLst>
+            <a:outerShdw blurRad="292100" dist="139700" dir="2700000" algn="tl" rotWithShape="0">
+              <a:srgbClr val="333333">
+                <a:alpha val="65000"/>
+              </a:srgbClr>
+            </a:outerShdw>
+          </a:effectLst>
+        </p:spPr>
+      </p:pic>
+      <p:pic>
+        <p:nvPicPr>
+          <p:cNvPr id="8" name="Picture 7">
+            <a:extLst>
+              <a:ext uri="{FF2B5EF4-FFF2-40B4-BE49-F238E27FC236}">
+                <a16:creationId xmlns:a16="http://schemas.microsoft.com/office/drawing/2014/main" id="{84E36F72-40B0-718F-FA8B-28BC42CE017A}"/>
+              </a:ext>
+            </a:extLst>
+          </p:cNvPr>
+          <p:cNvPicPr>
+            <a:picLocks noChangeAspect="1"/>
+          </p:cNvPicPr>
+          <p:nvPr/>
+        </p:nvPicPr>
+        <p:blipFill>
+          <a:blip r:embed="rId6"/>
+          <a:stretch>
+            <a:fillRect/>
+          </a:stretch>
+        </p:blipFill>
+        <p:spPr>
+          <a:xfrm>
+            <a:off x="9894745" y="69427"/>
+            <a:ext cx="1507663" cy="2094858"/>
+          </a:xfrm>
+          <a:prstGeom prst="rect">
+            <a:avLst/>
+          </a:prstGeom>
+          <a:ln>
+            <a:noFill/>
+          </a:ln>
+          <a:effectLst>
+            <a:outerShdw blurRad="292100" dist="139700" dir="2700000" algn="tl" rotWithShape="0">
+              <a:srgbClr val="333333">
+                <a:alpha val="65000"/>
+              </a:srgbClr>
+            </a:outerShdw>
+          </a:effectLst>
+        </p:spPr>
+      </p:pic>
+      <p:pic>
+        <p:nvPicPr>
+          <p:cNvPr id="7" name="Picture 6">
+            <a:extLst>
+              <a:ext uri="{FF2B5EF4-FFF2-40B4-BE49-F238E27FC236}">
+                <a16:creationId xmlns:a16="http://schemas.microsoft.com/office/drawing/2014/main" id="{AF03AC1D-DDB6-274A-B495-5B94B57C67B3}"/>
+              </a:ext>
+            </a:extLst>
+          </p:cNvPr>
+          <p:cNvPicPr>
+            <a:picLocks noChangeAspect="1"/>
+          </p:cNvPicPr>
+          <p:nvPr/>
+        </p:nvPicPr>
+        <p:blipFill>
+          <a:blip r:embed="rId7"/>
+          <a:stretch>
+            <a:fillRect/>
+          </a:stretch>
+        </p:blipFill>
+        <p:spPr>
+          <a:xfrm>
+            <a:off x="5949696" y="2368680"/>
+            <a:ext cx="6024282" cy="3220663"/>
+          </a:xfrm>
+          <a:prstGeom prst="rect">
+            <a:avLst/>
+          </a:prstGeom>
+          <a:ln>
+            <a:noFill/>
+          </a:ln>
+          <a:effectLst>
+            <a:outerShdw blurRad="292100" dist="139700" dir="2700000" algn="tl" rotWithShape="0">
+              <a:srgbClr val="333333">
+                <a:alpha val="65000"/>
+              </a:srgbClr>
+            </a:outerShdw>
+          </a:effectLst>
+        </p:spPr>
+      </p:pic>
+    </p:spTree>
+    <p:extLst>
+      <p:ext uri="{BB962C8B-B14F-4D97-AF65-F5344CB8AC3E}">
+        <p14:creationId xmlns:p14="http://schemas.microsoft.com/office/powerpoint/2010/main" val="1185946216"/>
       </p:ext>
     </p:extLst>
   </p:cSld>

--- a/使用Protégé建立中国传统医学本体模型.pptx
+++ b/使用Protégé建立中国传统医学本体模型.pptx
@@ -5,7 +5,7 @@
     <p:sldMasterId id="2147483684" r:id="rId1"/>
   </p:sldMasterIdLst>
   <p:notesMasterIdLst>
-    <p:notesMasterId r:id="rId11"/>
+    <p:notesMasterId r:id="rId12"/>
   </p:notesMasterIdLst>
   <p:sldIdLst>
     <p:sldId id="272" r:id="rId2"/>
@@ -17,6 +17,7 @@
     <p:sldId id="278" r:id="rId8"/>
     <p:sldId id="279" r:id="rId9"/>
     <p:sldId id="280" r:id="rId10"/>
+    <p:sldId id="281" r:id="rId11"/>
   </p:sldIdLst>
   <p:sldSz cx="12192000" cy="6858000"/>
   <p:notesSz cx="6858000" cy="9144000"/>
@@ -205,7 +206,7 @@
           <a:p>
             <a:fld id="{71BD4573-58E7-4156-A133-2731F5F8D1A6}" type="datetimeFigureOut">
               <a:rPr lang="en-US" smtClean="0"/>
-              <a:t>4/6/2024</a:t>
+              <a:t>4/7/2024</a:t>
             </a:fld>
             <a:endParaRPr lang="en-US"/>
           </a:p>
@@ -1255,6 +1256,114 @@
     <p:extLst>
       <p:ext uri="{BB962C8B-B14F-4D97-AF65-F5344CB8AC3E}">
         <p14:creationId xmlns:p14="http://schemas.microsoft.com/office/powerpoint/2010/main" val="1626584059"/>
+      </p:ext>
+    </p:extLst>
+  </p:cSld>
+  <p:clrMapOvr>
+    <a:masterClrMapping/>
+  </p:clrMapOvr>
+</p:notes>
+</file>
+
+<file path=ppt/notesSlides/notesSlide9.xml><?xml version="1.0" encoding="utf-8"?>
+<p:notes xmlns:a="http://schemas.openxmlformats.org/drawingml/2006/main" xmlns:r="http://schemas.openxmlformats.org/officeDocument/2006/relationships" xmlns:p="http://schemas.openxmlformats.org/presentationml/2006/main">
+  <p:cSld>
+    <p:spTree>
+      <p:nvGrpSpPr>
+        <p:cNvPr id="1" name="">
+          <a:extLst>
+            <a:ext uri="{FF2B5EF4-FFF2-40B4-BE49-F238E27FC236}">
+              <a16:creationId xmlns:a16="http://schemas.microsoft.com/office/drawing/2014/main" id="{B563666C-A6D2-06F0-DE6C-4A6BE83965DF}"/>
+            </a:ext>
+          </a:extLst>
+        </p:cNvPr>
+        <p:cNvGrpSpPr/>
+        <p:nvPr/>
+      </p:nvGrpSpPr>
+      <p:grpSpPr>
+        <a:xfrm>
+          <a:off x="0" y="0"/>
+          <a:ext cx="0" cy="0"/>
+          <a:chOff x="0" y="0"/>
+          <a:chExt cx="0" cy="0"/>
+        </a:xfrm>
+      </p:grpSpPr>
+      <p:sp>
+        <p:nvSpPr>
+          <p:cNvPr id="2" name="Slide Image Placeholder 1">
+            <a:extLst>
+              <a:ext uri="{FF2B5EF4-FFF2-40B4-BE49-F238E27FC236}">
+                <a16:creationId xmlns:a16="http://schemas.microsoft.com/office/drawing/2014/main" id="{9DCE7F3B-4A5B-D20B-E485-E99AA07F57E2}"/>
+              </a:ext>
+            </a:extLst>
+          </p:cNvPr>
+          <p:cNvSpPr>
+            <a:spLocks noGrp="1" noRot="1" noChangeAspect="1"/>
+          </p:cNvSpPr>
+          <p:nvPr>
+            <p:ph type="sldImg"/>
+          </p:nvPr>
+        </p:nvSpPr>
+        <p:spPr/>
+      </p:sp>
+      <p:sp>
+        <p:nvSpPr>
+          <p:cNvPr id="3" name="Notes Placeholder 2">
+            <a:extLst>
+              <a:ext uri="{FF2B5EF4-FFF2-40B4-BE49-F238E27FC236}">
+                <a16:creationId xmlns:a16="http://schemas.microsoft.com/office/drawing/2014/main" id="{EF6E8193-9EF9-C8CB-8BDB-170D316DC156}"/>
+              </a:ext>
+            </a:extLst>
+          </p:cNvPr>
+          <p:cNvSpPr>
+            <a:spLocks noGrp="1"/>
+          </p:cNvSpPr>
+          <p:nvPr>
+            <p:ph type="body" idx="1"/>
+          </p:nvPr>
+        </p:nvSpPr>
+        <p:spPr/>
+        <p:txBody>
+          <a:bodyPr/>
+          <a:lstStyle/>
+          <a:p>
+            <a:endParaRPr lang="en-US"/>
+          </a:p>
+        </p:txBody>
+      </p:sp>
+      <p:sp>
+        <p:nvSpPr>
+          <p:cNvPr id="4" name="Slide Number Placeholder 3">
+            <a:extLst>
+              <a:ext uri="{FF2B5EF4-FFF2-40B4-BE49-F238E27FC236}">
+                <a16:creationId xmlns:a16="http://schemas.microsoft.com/office/drawing/2014/main" id="{50A9F02C-6B68-C5F6-2D2C-0D6C6688A32E}"/>
+              </a:ext>
+            </a:extLst>
+          </p:cNvPr>
+          <p:cNvSpPr>
+            <a:spLocks noGrp="1"/>
+          </p:cNvSpPr>
+          <p:nvPr>
+            <p:ph type="sldNum" sz="quarter" idx="10"/>
+          </p:nvPr>
+        </p:nvSpPr>
+        <p:spPr/>
+        <p:txBody>
+          <a:bodyPr/>
+          <a:lstStyle/>
+          <a:p>
+            <a:fld id="{893B0CF2-7F87-4E02-A248-870047730F99}" type="slidenum">
+              <a:rPr lang="en-US" smtClean="0"/>
+              <a:t>10</a:t>
+            </a:fld>
+            <a:endParaRPr lang="en-US"/>
+          </a:p>
+        </p:txBody>
+      </p:sp>
+    </p:spTree>
+    <p:extLst>
+      <p:ext uri="{BB962C8B-B14F-4D97-AF65-F5344CB8AC3E}">
+        <p14:creationId xmlns:p14="http://schemas.microsoft.com/office/powerpoint/2010/main" val="3326595272"/>
       </p:ext>
     </p:extLst>
   </p:cSld>
@@ -1578,7 +1687,7 @@
           <a:p>
             <a:fld id="{021A1D30-C0A0-4124-A783-34D9F15FA0FE}" type="datetime1">
               <a:rPr lang="en-US" smtClean="0"/>
-              <a:t>4/6/2024</a:t>
+              <a:t>4/7/2024</a:t>
             </a:fld>
             <a:endParaRPr lang="en-US"/>
           </a:p>
@@ -1762,7 +1871,7 @@
           <a:p>
             <a:fld id="{8D2D5871-AB0F-4B3D-8861-97E78CB7B47E}" type="datetime1">
               <a:rPr lang="en-US" smtClean="0"/>
-              <a:t>4/6/2024</a:t>
+              <a:t>4/7/2024</a:t>
             </a:fld>
             <a:endParaRPr lang="en-US"/>
           </a:p>
@@ -1956,7 +2065,7 @@
           <a:p>
             <a:fld id="{14418406-4C3F-4F3E-80BD-A22568EA37EB}" type="datetime1">
               <a:rPr lang="en-US" smtClean="0"/>
-              <a:t>4/6/2024</a:t>
+              <a:t>4/7/2024</a:t>
             </a:fld>
             <a:endParaRPr lang="en-US"/>
           </a:p>
@@ -2140,7 +2249,7 @@
           <a:p>
             <a:fld id="{65F28077-7188-48C5-8679-2287FAC952E9}" type="datetime1">
               <a:rPr lang="en-US" smtClean="0"/>
-              <a:t>4/6/2024</a:t>
+              <a:t>4/7/2024</a:t>
             </a:fld>
             <a:endParaRPr lang="en-US"/>
           </a:p>
@@ -2387,7 +2496,7 @@
           <a:p>
             <a:fld id="{D2DCB740-6776-4EE9-99FD-96D592FA5A23}" type="datetime1">
               <a:rPr lang="en-US" smtClean="0"/>
-              <a:t>4/6/2024</a:t>
+              <a:t>4/7/2024</a:t>
             </a:fld>
             <a:endParaRPr lang="en-US"/>
           </a:p>
@@ -2670,7 +2779,7 @@
           <a:p>
             <a:fld id="{05F6BD99-6FFD-46C5-B5E2-43A34BDA2566}" type="datetime1">
               <a:rPr lang="en-US" smtClean="0"/>
-              <a:t>4/6/2024</a:t>
+              <a:t>4/7/2024</a:t>
             </a:fld>
             <a:endParaRPr lang="en-US"/>
           </a:p>
@@ -3067,7 +3176,7 @@
           <a:p>
             <a:fld id="{E022678E-214C-4CF8-97C7-95015FB02960}" type="datetime1">
               <a:rPr lang="en-US" smtClean="0"/>
-              <a:t>4/6/2024</a:t>
+              <a:t>4/7/2024</a:t>
             </a:fld>
             <a:endParaRPr lang="en-US"/>
           </a:p>
@@ -3236,7 +3345,7 @@
           <a:p>
             <a:fld id="{D55660E0-FA77-4473-A859-74127B089143}" type="datetime1">
               <a:rPr lang="en-US" smtClean="0"/>
-              <a:t>4/6/2024</a:t>
+              <a:t>4/7/2024</a:t>
             </a:fld>
             <a:endParaRPr lang="en-US"/>
           </a:p>
@@ -3346,7 +3455,7 @@
           <a:p>
             <a:fld id="{3188D7B8-9F07-4899-827D-5F3CFDDEB574}" type="datetime1">
               <a:rPr lang="en-US" smtClean="0"/>
-              <a:t>4/6/2024</a:t>
+              <a:t>4/7/2024</a:t>
             </a:fld>
             <a:endParaRPr lang="en-US"/>
           </a:p>
@@ -3626,7 +3735,7 @@
           <a:p>
             <a:fld id="{B5197C5C-1CD1-417D-A89C-14747F5222C7}" type="datetime1">
               <a:rPr lang="en-US" smtClean="0"/>
-              <a:t>4/6/2024</a:t>
+              <a:t>4/7/2024</a:t>
             </a:fld>
             <a:endParaRPr lang="en-US"/>
           </a:p>
@@ -3979,7 +4088,7 @@
           <a:p>
             <a:fld id="{1359EFBB-CFA1-4AA8-9123-F0B52DBD84FE}" type="datetime1">
               <a:rPr lang="en-US" smtClean="0"/>
-              <a:t>4/6/2024</a:t>
+              <a:t>4/7/2024</a:t>
             </a:fld>
             <a:endParaRPr lang="en-US"/>
           </a:p>
@@ -5013,7 +5122,7 @@
             <a:fld id="{61146459-E3C3-4969-9224-5ED50B492D17}" type="datetime1">
               <a:rPr lang="en-US" smtClean="0"/>
               <a:pPr/>
-              <a:t>4/6/2024</a:t>
+              <a:t>4/7/2024</a:t>
             </a:fld>
             <a:endParaRPr lang="en-US" dirty="0"/>
           </a:p>
@@ -5632,6 +5741,555 @@
 </p:sld>
 </file>
 
+<file path=ppt/slides/slide10.xml><?xml version="1.0" encoding="utf-8"?>
+<p:sld xmlns:a="http://schemas.openxmlformats.org/drawingml/2006/main" xmlns:r="http://schemas.openxmlformats.org/officeDocument/2006/relationships" xmlns:p="http://schemas.openxmlformats.org/presentationml/2006/main">
+  <p:cSld>
+    <p:spTree>
+      <p:nvGrpSpPr>
+        <p:cNvPr id="1" name="">
+          <a:extLst>
+            <a:ext uri="{FF2B5EF4-FFF2-40B4-BE49-F238E27FC236}">
+              <a16:creationId xmlns:a16="http://schemas.microsoft.com/office/drawing/2014/main" id="{7A2F18F0-B19B-5A42-79F9-7648AAB476E1}"/>
+            </a:ext>
+          </a:extLst>
+        </p:cNvPr>
+        <p:cNvGrpSpPr/>
+        <p:nvPr/>
+      </p:nvGrpSpPr>
+      <p:grpSpPr>
+        <a:xfrm>
+          <a:off x="0" y="0"/>
+          <a:ext cx="0" cy="0"/>
+          <a:chOff x="0" y="0"/>
+          <a:chExt cx="0" cy="0"/>
+        </a:xfrm>
+      </p:grpSpPr>
+      <p:sp>
+        <p:nvSpPr>
+          <p:cNvPr id="4" name="Title 3">
+            <a:extLst>
+              <a:ext uri="{FF2B5EF4-FFF2-40B4-BE49-F238E27FC236}">
+                <a16:creationId xmlns:a16="http://schemas.microsoft.com/office/drawing/2014/main" id="{FBBD7D0A-FD39-5AE6-3659-9E6652979EF2}"/>
+              </a:ext>
+            </a:extLst>
+          </p:cNvPr>
+          <p:cNvSpPr>
+            <a:spLocks noGrp="1"/>
+          </p:cNvSpPr>
+          <p:nvPr>
+            <p:ph type="ctrTitle"/>
+          </p:nvPr>
+        </p:nvSpPr>
+        <p:spPr>
+          <a:xfrm>
+            <a:off x="715264" y="815412"/>
+            <a:ext cx="10468864" cy="1535220"/>
+          </a:xfrm>
+        </p:spPr>
+        <p:txBody>
+          <a:bodyPr>
+            <a:normAutofit fontScale="90000"/>
+          </a:bodyPr>
+          <a:lstStyle/>
+          <a:p>
+            <a:pPr algn="l"/>
+            <a:r>
+              <a:rPr lang="zh-CN" altLang="en-US" sz="4400" dirty="0"/>
+              <a:t>使用</a:t>
+            </a:r>
+            <a:r>
+              <a:rPr lang="en-US" altLang="zh-CN" sz="4400" dirty="0"/>
+              <a:t>Protégé</a:t>
+            </a:r>
+            <a:r>
+              <a:rPr lang="zh-CN" altLang="en-US" sz="4400" dirty="0"/>
+              <a:t>建立中国医学本体模型</a:t>
+            </a:r>
+            <a:br>
+              <a:rPr lang="en-US" altLang="zh-CN" sz="4400" dirty="0"/>
+            </a:br>
+            <a:r>
+              <a:rPr lang="en-US" altLang="zh-CN" sz="4400" dirty="0"/>
+              <a:t>CN-MEDO Ontology - </a:t>
+            </a:r>
+            <a:r>
+              <a:rPr lang="en-US" altLang="zh-CN" sz="7200" dirty="0"/>
+              <a:t>009</a:t>
+            </a:r>
+            <a:endParaRPr lang="en-US" sz="4400" dirty="0"/>
+          </a:p>
+        </p:txBody>
+      </p:sp>
+      <p:sp>
+        <p:nvSpPr>
+          <p:cNvPr id="2" name="TextBox 1">
+            <a:extLst>
+              <a:ext uri="{FF2B5EF4-FFF2-40B4-BE49-F238E27FC236}">
+                <a16:creationId xmlns:a16="http://schemas.microsoft.com/office/drawing/2014/main" id="{7BAB936B-6853-96B9-2EA4-CA6824376BE0}"/>
+              </a:ext>
+            </a:extLst>
+          </p:cNvPr>
+          <p:cNvSpPr txBox="1"/>
+          <p:nvPr/>
+        </p:nvSpPr>
+        <p:spPr>
+          <a:xfrm>
+            <a:off x="5949696" y="5793739"/>
+            <a:ext cx="5800178" cy="923330"/>
+          </a:xfrm>
+          <a:prstGeom prst="rect">
+            <a:avLst/>
+          </a:prstGeom>
+          <a:solidFill>
+            <a:schemeClr val="accent3">
+              <a:lumMod val="20000"/>
+              <a:lumOff val="80000"/>
+            </a:schemeClr>
+          </a:solidFill>
+          <a:ln>
+            <a:solidFill>
+              <a:schemeClr val="bg2"/>
+            </a:solidFill>
+          </a:ln>
+        </p:spPr>
+        <p:txBody>
+          <a:bodyPr wrap="none" rtlCol="0">
+            <a:spAutoFit/>
+          </a:bodyPr>
+          <a:lstStyle/>
+          <a:p>
+            <a:r>
+              <a:rPr lang="en-US" dirty="0"/>
+              <a:t>GitHub: </a:t>
+            </a:r>
+            <a:r>
+              <a:rPr lang="en-US" dirty="0">
+                <a:hlinkClick r:id="rId3"/>
+              </a:rPr>
+              <a:t>https://github.com/yasenstar/Chinese_Culture</a:t>
+            </a:r>
+            <a:endParaRPr lang="en-US" dirty="0"/>
+          </a:p>
+          <a:p>
+            <a:endParaRPr lang="en-US" dirty="0"/>
+          </a:p>
+          <a:p>
+            <a:r>
+              <a:rPr lang="en-US" dirty="0"/>
+              <a:t>Gitee: </a:t>
+            </a:r>
+            <a:r>
+              <a:rPr lang="en-US" dirty="0">
+                <a:hlinkClick r:id="rId4"/>
+              </a:rPr>
+              <a:t>https://gitee.com/yasenstar/Chinese_Culture</a:t>
+            </a:r>
+            <a:endParaRPr lang="en-US" dirty="0"/>
+          </a:p>
+        </p:txBody>
+      </p:sp>
+      <p:sp>
+        <p:nvSpPr>
+          <p:cNvPr id="3" name="Subtitle 4">
+            <a:extLst>
+              <a:ext uri="{FF2B5EF4-FFF2-40B4-BE49-F238E27FC236}">
+                <a16:creationId xmlns:a16="http://schemas.microsoft.com/office/drawing/2014/main" id="{A2B4AC1D-9459-E328-CB8B-937B80569488}"/>
+              </a:ext>
+            </a:extLst>
+          </p:cNvPr>
+          <p:cNvSpPr txBox="1">
+            <a:spLocks/>
+          </p:cNvSpPr>
+          <p:nvPr/>
+        </p:nvSpPr>
+        <p:spPr>
+          <a:xfrm>
+            <a:off x="331693" y="2368679"/>
+            <a:ext cx="7888941" cy="2830747"/>
+          </a:xfrm>
+          <a:prstGeom prst="rect">
+            <a:avLst/>
+          </a:prstGeom>
+        </p:spPr>
+        <p:txBody>
+          <a:bodyPr vert="horz" lIns="0" rIns="18288">
+            <a:normAutofit/>
+          </a:bodyPr>
+          <a:lstStyle>
+            <a:lvl1pPr marL="0" marR="45720" indent="0" algn="r" rtl="0" eaLnBrk="1" latinLnBrk="0" hangingPunct="1">
+              <a:spcBef>
+                <a:spcPct val="20000"/>
+              </a:spcBef>
+              <a:buClr>
+                <a:schemeClr val="accent3">
+                  <a:lumMod val="50000"/>
+                </a:schemeClr>
+              </a:buClr>
+              <a:buSzPct val="95000"/>
+              <a:buFont typeface="Wingdings 2"/>
+              <a:buNone/>
+              <a:defRPr kumimoji="0" sz="2600" kern="1200">
+                <a:solidFill>
+                  <a:schemeClr val="tx1"/>
+                </a:solidFill>
+                <a:latin typeface="+mn-lt"/>
+                <a:ea typeface="+mn-ea"/>
+                <a:cs typeface="+mn-cs"/>
+              </a:defRPr>
+            </a:lvl1pPr>
+            <a:lvl2pPr marL="457200" indent="0" algn="ctr" rtl="0" eaLnBrk="1" latinLnBrk="0" hangingPunct="1">
+              <a:spcBef>
+                <a:spcPct val="20000"/>
+              </a:spcBef>
+              <a:buClr>
+                <a:schemeClr val="accent1">
+                  <a:lumMod val="50000"/>
+                </a:schemeClr>
+              </a:buClr>
+              <a:buSzPct val="85000"/>
+              <a:buFont typeface="Wingdings 2"/>
+              <a:buNone/>
+              <a:defRPr kumimoji="0" sz="2400" kern="1200">
+                <a:solidFill>
+                  <a:schemeClr val="tx1"/>
+                </a:solidFill>
+                <a:latin typeface="+mn-lt"/>
+                <a:ea typeface="+mn-ea"/>
+                <a:cs typeface="+mn-cs"/>
+              </a:defRPr>
+            </a:lvl2pPr>
+            <a:lvl3pPr marL="914400" indent="0" algn="ctr" rtl="0" eaLnBrk="1" latinLnBrk="0" hangingPunct="1">
+              <a:spcBef>
+                <a:spcPct val="20000"/>
+              </a:spcBef>
+              <a:buClr>
+                <a:schemeClr val="accent2">
+                  <a:lumMod val="50000"/>
+                </a:schemeClr>
+              </a:buClr>
+              <a:buSzPct val="70000"/>
+              <a:buFont typeface="Wingdings 2"/>
+              <a:buNone/>
+              <a:defRPr kumimoji="0" sz="2100" kern="1200">
+                <a:solidFill>
+                  <a:schemeClr val="tx1"/>
+                </a:solidFill>
+                <a:latin typeface="+mn-lt"/>
+                <a:ea typeface="+mn-ea"/>
+                <a:cs typeface="+mn-cs"/>
+              </a:defRPr>
+            </a:lvl3pPr>
+            <a:lvl4pPr marL="1371600" indent="0" algn="ctr" rtl="0" eaLnBrk="1" latinLnBrk="0" hangingPunct="1">
+              <a:spcBef>
+                <a:spcPct val="20000"/>
+              </a:spcBef>
+              <a:buClr>
+                <a:schemeClr val="accent3">
+                  <a:lumMod val="50000"/>
+                </a:schemeClr>
+              </a:buClr>
+              <a:buSzPct val="65000"/>
+              <a:buFont typeface="Wingdings 2"/>
+              <a:buNone/>
+              <a:defRPr kumimoji="0" sz="2000" kern="1200">
+                <a:solidFill>
+                  <a:schemeClr val="tx1"/>
+                </a:solidFill>
+                <a:latin typeface="+mn-lt"/>
+                <a:ea typeface="+mn-ea"/>
+                <a:cs typeface="+mn-cs"/>
+              </a:defRPr>
+            </a:lvl4pPr>
+            <a:lvl5pPr marL="1828800" indent="0" algn="ctr" rtl="0" eaLnBrk="1" latinLnBrk="0" hangingPunct="1">
+              <a:spcBef>
+                <a:spcPct val="20000"/>
+              </a:spcBef>
+              <a:buClr>
+                <a:schemeClr val="accent4">
+                  <a:lumMod val="75000"/>
+                </a:schemeClr>
+              </a:buClr>
+              <a:buSzPct val="65000"/>
+              <a:buFont typeface="Wingdings 2"/>
+              <a:buNone/>
+              <a:defRPr kumimoji="0" sz="2000" kern="1200">
+                <a:solidFill>
+                  <a:schemeClr val="tx1"/>
+                </a:solidFill>
+                <a:latin typeface="+mn-lt"/>
+                <a:ea typeface="+mn-ea"/>
+                <a:cs typeface="+mn-cs"/>
+              </a:defRPr>
+            </a:lvl5pPr>
+            <a:lvl6pPr marL="2286000" indent="0" algn="ctr" rtl="0" eaLnBrk="1" latinLnBrk="0" hangingPunct="1">
+              <a:spcBef>
+                <a:spcPct val="20000"/>
+              </a:spcBef>
+              <a:buClr>
+                <a:schemeClr val="accent5">
+                  <a:lumMod val="50000"/>
+                </a:schemeClr>
+              </a:buClr>
+              <a:buSzPct val="80000"/>
+              <a:buFont typeface="Wingdings 2"/>
+              <a:buNone/>
+              <a:defRPr kumimoji="0" sz="1800" kern="1200">
+                <a:solidFill>
+                  <a:schemeClr val="tx1"/>
+                </a:solidFill>
+                <a:latin typeface="+mn-lt"/>
+                <a:ea typeface="+mn-ea"/>
+                <a:cs typeface="+mn-cs"/>
+              </a:defRPr>
+            </a:lvl6pPr>
+            <a:lvl7pPr marL="2743200" indent="0" algn="ctr" rtl="0" eaLnBrk="1" latinLnBrk="0" hangingPunct="1">
+              <a:spcBef>
+                <a:spcPct val="20000"/>
+              </a:spcBef>
+              <a:buClr>
+                <a:schemeClr val="accent6">
+                  <a:lumMod val="75000"/>
+                </a:schemeClr>
+              </a:buClr>
+              <a:buSzPct val="80000"/>
+              <a:buFont typeface="Wingdings 2"/>
+              <a:buNone/>
+              <a:defRPr kumimoji="0" sz="1600" kern="1200" baseline="0">
+                <a:solidFill>
+                  <a:schemeClr val="tx1"/>
+                </a:solidFill>
+                <a:latin typeface="+mn-lt"/>
+                <a:ea typeface="+mn-ea"/>
+                <a:cs typeface="+mn-cs"/>
+              </a:defRPr>
+            </a:lvl7pPr>
+            <a:lvl8pPr marL="3200400" indent="0" algn="ctr" rtl="0" eaLnBrk="1" latinLnBrk="0" hangingPunct="1">
+              <a:spcBef>
+                <a:spcPct val="20000"/>
+              </a:spcBef>
+              <a:buClr>
+                <a:schemeClr val="tx2"/>
+              </a:buClr>
+              <a:buNone/>
+              <a:defRPr kumimoji="0" sz="1600" kern="1200">
+                <a:solidFill>
+                  <a:schemeClr val="tx1"/>
+                </a:solidFill>
+                <a:latin typeface="+mn-lt"/>
+                <a:ea typeface="+mn-ea"/>
+                <a:cs typeface="+mn-cs"/>
+              </a:defRPr>
+            </a:lvl8pPr>
+            <a:lvl9pPr marL="3657600" indent="0" algn="ctr" rtl="0" eaLnBrk="1" latinLnBrk="0" hangingPunct="1">
+              <a:spcBef>
+                <a:spcPct val="20000"/>
+              </a:spcBef>
+              <a:buClr>
+                <a:schemeClr val="tx2"/>
+              </a:buClr>
+              <a:buFontTx/>
+              <a:buNone/>
+              <a:defRPr kumimoji="0" sz="1400" kern="1200" baseline="0">
+                <a:solidFill>
+                  <a:schemeClr val="tx1"/>
+                </a:solidFill>
+                <a:latin typeface="+mn-lt"/>
+                <a:ea typeface="+mn-ea"/>
+                <a:cs typeface="+mn-cs"/>
+              </a:defRPr>
+            </a:lvl9pPr>
+          </a:lstStyle>
+          <a:p>
+            <a:pPr marL="457200" indent="-457200" algn="l">
+              <a:buFont typeface="Arial" panose="020B0604020202020204" pitchFamily="34" charset="0"/>
+              <a:buChar char="•"/>
+            </a:pPr>
+            <a:r>
+              <a:rPr lang="zh-CN" altLang="en-US" sz="3200" dirty="0"/>
+              <a:t>完成“伤寒杂病论 之 </a:t>
+            </a:r>
+            <a:r>
+              <a:rPr lang="en-US" altLang="zh-CN" sz="3200" dirty="0"/>
+              <a:t>01_</a:t>
+            </a:r>
+            <a:r>
+              <a:rPr lang="zh-CN" altLang="en-US" sz="3200" dirty="0"/>
+              <a:t>辨太阳病脉证并治</a:t>
+            </a:r>
+            <a:r>
+              <a:rPr lang="en-US" altLang="zh-CN" sz="3200" dirty="0"/>
+              <a:t>-</a:t>
+            </a:r>
+            <a:r>
+              <a:rPr lang="zh-CN" altLang="en-US" sz="3200" dirty="0"/>
+              <a:t>上”的方剂与病证建模数据准备</a:t>
+            </a:r>
+            <a:endParaRPr lang="en-US" altLang="zh-CN" sz="3200" dirty="0"/>
+          </a:p>
+          <a:p>
+            <a:pPr marL="457200" indent="-457200" algn="l">
+              <a:buFont typeface="Arial" panose="020B0604020202020204" pitchFamily="34" charset="0"/>
+              <a:buChar char="•"/>
+            </a:pPr>
+            <a:r>
+              <a:rPr lang="en-US" altLang="zh-CN" sz="2800" dirty="0"/>
+              <a:t>Protégé</a:t>
+            </a:r>
+            <a:r>
+              <a:rPr lang="zh-CN" altLang="en-US" sz="2800" dirty="0"/>
+              <a:t>中</a:t>
+            </a:r>
+            <a:r>
+              <a:rPr lang="en-US" altLang="zh-CN" sz="2800" dirty="0"/>
+              <a:t>Individuals</a:t>
+            </a:r>
+            <a:r>
+              <a:rPr lang="zh-CN" altLang="en-US" sz="2800" dirty="0"/>
+              <a:t>的批量重命名</a:t>
+            </a:r>
+            <a:endParaRPr lang="en-US" altLang="zh-CN" sz="2800" dirty="0"/>
+          </a:p>
+          <a:p>
+            <a:pPr marL="457200" indent="-457200" algn="l">
+              <a:buFont typeface="Arial" panose="020B0604020202020204" pitchFamily="34" charset="0"/>
+              <a:buChar char="•"/>
+            </a:pPr>
+            <a:r>
+              <a:rPr lang="en-US" altLang="zh-CN" sz="2800" dirty="0"/>
+              <a:t>Protégé</a:t>
+            </a:r>
+            <a:r>
+              <a:rPr lang="zh-CN" altLang="en-US" sz="2800" dirty="0"/>
+              <a:t>批量导入</a:t>
+            </a:r>
+            <a:r>
+              <a:rPr lang="en-US" altLang="zh-CN" sz="2800" dirty="0"/>
+              <a:t>Individuals (Axioms)</a:t>
+            </a:r>
+          </a:p>
+        </p:txBody>
+      </p:sp>
+      <p:pic>
+        <p:nvPicPr>
+          <p:cNvPr id="14" name="Picture 13">
+            <a:extLst>
+              <a:ext uri="{FF2B5EF4-FFF2-40B4-BE49-F238E27FC236}">
+                <a16:creationId xmlns:a16="http://schemas.microsoft.com/office/drawing/2014/main" id="{383F1D55-D473-49D7-54AF-75EBD5D5FB94}"/>
+              </a:ext>
+            </a:extLst>
+          </p:cNvPr>
+          <p:cNvPicPr>
+            <a:picLocks noChangeAspect="1"/>
+          </p:cNvPicPr>
+          <p:nvPr/>
+        </p:nvPicPr>
+        <p:blipFill>
+          <a:blip r:embed="rId5"/>
+          <a:stretch>
+            <a:fillRect/>
+          </a:stretch>
+        </p:blipFill>
+        <p:spPr>
+          <a:xfrm>
+            <a:off x="116923" y="6284428"/>
+            <a:ext cx="2120630" cy="441606"/>
+          </a:xfrm>
+          <a:prstGeom prst="rect">
+            <a:avLst/>
+          </a:prstGeom>
+          <a:ln>
+            <a:noFill/>
+          </a:ln>
+          <a:effectLst>
+            <a:outerShdw blurRad="292100" dist="139700" dir="2700000" algn="tl" rotWithShape="0">
+              <a:srgbClr val="333333">
+                <a:alpha val="65000"/>
+              </a:srgbClr>
+            </a:outerShdw>
+          </a:effectLst>
+        </p:spPr>
+      </p:pic>
+      <p:pic>
+        <p:nvPicPr>
+          <p:cNvPr id="1026" name="Picture 2" descr="伤寒杂病论（Word+PDF+ePub+PPT） | 学习用书">
+            <a:extLst>
+              <a:ext uri="{FF2B5EF4-FFF2-40B4-BE49-F238E27FC236}">
+                <a16:creationId xmlns:a16="http://schemas.microsoft.com/office/drawing/2014/main" id="{3AF5F4ED-0110-653A-8AF8-75741E830295}"/>
+              </a:ext>
+            </a:extLst>
+          </p:cNvPr>
+          <p:cNvPicPr>
+            <a:picLocks noChangeAspect="1" noChangeArrowheads="1"/>
+          </p:cNvPicPr>
+          <p:nvPr/>
+        </p:nvPicPr>
+        <p:blipFill>
+          <a:blip r:embed="rId6">
+            <a:extLst>
+              <a:ext uri="{28A0092B-C50C-407E-A947-70E740481C1C}">
+                <a14:useLocalDpi xmlns:a14="http://schemas.microsoft.com/office/drawing/2010/main" val="0"/>
+              </a:ext>
+            </a:extLst>
+          </a:blip>
+          <a:srcRect/>
+          <a:stretch>
+            <a:fillRect/>
+          </a:stretch>
+        </p:blipFill>
+        <p:spPr bwMode="auto">
+          <a:xfrm>
+            <a:off x="8471673" y="1452283"/>
+            <a:ext cx="2798923" cy="4080062"/>
+          </a:xfrm>
+          <a:prstGeom prst="rect">
+            <a:avLst/>
+          </a:prstGeom>
+          <a:ln>
+            <a:noFill/>
+          </a:ln>
+          <a:effectLst>
+            <a:outerShdw blurRad="292100" dist="139700" dir="2700000" algn="tl" rotWithShape="0">
+              <a:srgbClr val="333333">
+                <a:alpha val="65000"/>
+              </a:srgbClr>
+            </a:outerShdw>
+          </a:effectLst>
+          <a:extLst>
+            <a:ext uri="{909E8E84-426E-40DD-AFC4-6F175D3DCCD1}">
+              <a14:hiddenFill xmlns:a14="http://schemas.microsoft.com/office/drawing/2010/main">
+                <a:solidFill>
+                  <a:srgbClr val="FFFFFF"/>
+                </a:solidFill>
+              </a14:hiddenFill>
+            </a:ext>
+          </a:extLst>
+        </p:spPr>
+      </p:pic>
+    </p:spTree>
+    <p:extLst>
+      <p:ext uri="{BB962C8B-B14F-4D97-AF65-F5344CB8AC3E}">
+        <p14:creationId xmlns:p14="http://schemas.microsoft.com/office/powerpoint/2010/main" val="684533003"/>
+      </p:ext>
+    </p:extLst>
+  </p:cSld>
+  <p:clrMapOvr>
+    <a:masterClrMapping/>
+  </p:clrMapOvr>
+  <mc:AlternateContent xmlns:mc="http://schemas.openxmlformats.org/markup-compatibility/2006">
+    <mc:Choice xmlns:p14="http://schemas.microsoft.com/office/powerpoint/2010/main" Requires="p14">
+      <p:transition spd="med" p14:dur="700">
+        <p:fade/>
+      </p:transition>
+    </mc:Choice>
+    <mc:Fallback>
+      <p:transition spd="med">
+        <p:fade/>
+      </p:transition>
+    </mc:Fallback>
+  </mc:AlternateContent>
+</p:sld>
+</file>
+
 <file path=ppt/slides/slide2.xml><?xml version="1.0" encoding="utf-8"?>
 <p:sld xmlns:a="http://schemas.openxmlformats.org/drawingml/2006/main" xmlns:r="http://schemas.openxmlformats.org/officeDocument/2006/relationships" xmlns:p="http://schemas.openxmlformats.org/presentationml/2006/main">
   <p:cSld>
@@ -9975,13 +10633,13 @@
   <p:clrMapOvr>
     <a:masterClrMapping/>
   </p:clrMapOvr>
-  <mc:AlternateContent xmlns:mc="http://schemas.openxmlformats.org/markup-compatibility/2006">
-    <mc:Choice xmlns:p14="http://schemas.microsoft.com/office/powerpoint/2010/main" Requires="p14">
+  <mc:AlternateContent xmlns:mc="http://schemas.openxmlformats.org/markup-compatibility/2006" xmlns:p14="http://schemas.microsoft.com/office/powerpoint/2010/main">
+    <mc:Choice Requires="p14">
       <p:transition spd="med" p14:dur="700">
         <p:fade/>
       </p:transition>
     </mc:Choice>
-    <mc:Fallback>
+    <mc:Fallback xmlns="">
       <p:transition spd="med">
         <p:fade/>
       </p:transition>

--- a/使用Protégé建立中国传统医学本体模型.pptx
+++ b/使用Protégé建立中国传统医学本体模型.pptx
@@ -5904,8 +5904,8 @@
         </p:nvSpPr>
         <p:spPr>
           <a:xfrm>
-            <a:off x="331693" y="2368679"/>
-            <a:ext cx="7888941" cy="2830747"/>
+            <a:off x="331693" y="2537012"/>
+            <a:ext cx="7888941" cy="2662414"/>
           </a:xfrm>
           <a:prstGeom prst="rect">
             <a:avLst/>
@@ -5913,7 +5913,7 @@
         </p:spPr>
         <p:txBody>
           <a:bodyPr vert="horz" lIns="0" rIns="18288">
-            <a:normAutofit/>
+            <a:normAutofit fontScale="92500"/>
           </a:bodyPr>
           <a:lstStyle>
             <a:lvl1pPr marL="0" marR="45720" indent="0" algn="r" rtl="0" eaLnBrk="1" latinLnBrk="0" hangingPunct="1">
@@ -6150,6 +6150,16 @@
             <a:endParaRPr lang="en-US" altLang="zh-CN" sz="2800" dirty="0"/>
           </a:p>
           <a:p>
+            <a:pPr marL="914400" lvl="1" indent="-457200" algn="l">
+              <a:buFont typeface="Arial" panose="020B0604020202020204" pitchFamily="34" charset="0"/>
+              <a:buChar char="•"/>
+            </a:pPr>
+            <a:r>
+              <a:rPr lang="en-US" altLang="zh-CN" sz="2600" dirty="0"/>
+              <a:t>0xx -&gt; 000xx (Refactor – Rename Multiple Entities)</a:t>
+            </a:r>
+          </a:p>
+          <a:p>
             <a:pPr marL="457200" indent="-457200" algn="l">
               <a:buFont typeface="Arial" panose="020B0604020202020204" pitchFamily="34" charset="0"/>
               <a:buChar char="•"/>
@@ -6263,6 +6273,42 @@
               </a14:hiddenFill>
             </a:ext>
           </a:extLst>
+        </p:spPr>
+      </p:pic>
+      <p:pic>
+        <p:nvPicPr>
+          <p:cNvPr id="6" name="Picture 5">
+            <a:extLst>
+              <a:ext uri="{FF2B5EF4-FFF2-40B4-BE49-F238E27FC236}">
+                <a16:creationId xmlns:a16="http://schemas.microsoft.com/office/drawing/2014/main" id="{90E5FBE7-6EC0-E518-8872-C9ED657B2A32}"/>
+              </a:ext>
+            </a:extLst>
+          </p:cNvPr>
+          <p:cNvPicPr>
+            <a:picLocks noChangeAspect="1"/>
+          </p:cNvPicPr>
+          <p:nvPr/>
+        </p:nvPicPr>
+        <p:blipFill>
+          <a:blip r:embed="rId7"/>
+          <a:stretch>
+            <a:fillRect/>
+          </a:stretch>
+        </p:blipFill>
+        <p:spPr>
+          <a:xfrm>
+            <a:off x="9169021" y="30143"/>
+            <a:ext cx="2327251" cy="785269"/>
+          </a:xfrm>
+          <a:prstGeom prst="rect">
+            <a:avLst/>
+          </a:prstGeom>
+          <a:ln>
+            <a:noFill/>
+          </a:ln>
+          <a:effectLst>
+            <a:softEdge rad="112500"/>
+          </a:effectLst>
         </p:spPr>
       </p:pic>
     </p:spTree>

--- a/使用Protégé建立中国传统医学本体模型.pptx
+++ b/使用Protégé建立中国传统医学本体模型.pptx
@@ -6106,23 +6106,7 @@
             </a:pPr>
             <a:r>
               <a:rPr lang="zh-CN" altLang="en-US" sz="3200" dirty="0"/>
-              <a:t>完成“伤寒杂病论 之 </a:t>
-            </a:r>
-            <a:r>
-              <a:rPr lang="en-US" altLang="zh-CN" sz="3200" dirty="0"/>
-              <a:t>01_</a:t>
-            </a:r>
-            <a:r>
-              <a:rPr lang="zh-CN" altLang="en-US" sz="3200" dirty="0"/>
-              <a:t>辨太阳病脉证并治</a:t>
-            </a:r>
-            <a:r>
-              <a:rPr lang="en-US" altLang="zh-CN" sz="3200" dirty="0"/>
-              <a:t>-</a:t>
-            </a:r>
-            <a:r>
-              <a:rPr lang="zh-CN" altLang="en-US" sz="3200" dirty="0"/>
-              <a:t>上”的方剂与病证建模数据准备</a:t>
+              <a:t>完成“伤寒杂病论”其他章节的方剂与病脉证建模数据准备</a:t>
             </a:r>
             <a:endParaRPr lang="en-US" altLang="zh-CN" sz="3200" dirty="0"/>
           </a:p>

--- a/使用Protégé建立中国传统医学本体模型.pptx
+++ b/使用Protégé建立中国传统医学本体模型.pptx
@@ -5,7 +5,7 @@
     <p:sldMasterId id="2147483684" r:id="rId1"/>
   </p:sldMasterIdLst>
   <p:notesMasterIdLst>
-    <p:notesMasterId r:id="rId12"/>
+    <p:notesMasterId r:id="rId14"/>
   </p:notesMasterIdLst>
   <p:sldIdLst>
     <p:sldId id="272" r:id="rId2"/>
@@ -18,6 +18,8 @@
     <p:sldId id="279" r:id="rId9"/>
     <p:sldId id="280" r:id="rId10"/>
     <p:sldId id="281" r:id="rId11"/>
+    <p:sldId id="282" r:id="rId12"/>
+    <p:sldId id="283" r:id="rId13"/>
   </p:sldIdLst>
   <p:sldSz cx="12192000" cy="6858000"/>
   <p:notesSz cx="6858000" cy="9144000"/>
@@ -206,7 +208,7 @@
           <a:p>
             <a:fld id="{71BD4573-58E7-4156-A133-2731F5F8D1A6}" type="datetimeFigureOut">
               <a:rPr lang="en-US" smtClean="0"/>
-              <a:t>4/7/2024</a:t>
+              <a:t>5/11/2024</a:t>
             </a:fld>
             <a:endParaRPr lang="en-US"/>
           </a:p>
@@ -548,6 +550,222 @@
     <p:extLst>
       <p:ext uri="{BB962C8B-B14F-4D97-AF65-F5344CB8AC3E}">
         <p14:creationId xmlns:p14="http://schemas.microsoft.com/office/powerpoint/2010/main" val="1495133884"/>
+      </p:ext>
+    </p:extLst>
+  </p:cSld>
+  <p:clrMapOvr>
+    <a:masterClrMapping/>
+  </p:clrMapOvr>
+</p:notes>
+</file>
+
+<file path=ppt/notesSlides/notesSlide10.xml><?xml version="1.0" encoding="utf-8"?>
+<p:notes xmlns:a="http://schemas.openxmlformats.org/drawingml/2006/main" xmlns:r="http://schemas.openxmlformats.org/officeDocument/2006/relationships" xmlns:p="http://schemas.openxmlformats.org/presentationml/2006/main">
+  <p:cSld>
+    <p:spTree>
+      <p:nvGrpSpPr>
+        <p:cNvPr id="1" name="">
+          <a:extLst>
+            <a:ext uri="{FF2B5EF4-FFF2-40B4-BE49-F238E27FC236}">
+              <a16:creationId xmlns:a16="http://schemas.microsoft.com/office/drawing/2014/main" id="{B563666C-A6D2-06F0-DE6C-4A6BE83965DF}"/>
+            </a:ext>
+          </a:extLst>
+        </p:cNvPr>
+        <p:cNvGrpSpPr/>
+        <p:nvPr/>
+      </p:nvGrpSpPr>
+      <p:grpSpPr>
+        <a:xfrm>
+          <a:off x="0" y="0"/>
+          <a:ext cx="0" cy="0"/>
+          <a:chOff x="0" y="0"/>
+          <a:chExt cx="0" cy="0"/>
+        </a:xfrm>
+      </p:grpSpPr>
+      <p:sp>
+        <p:nvSpPr>
+          <p:cNvPr id="2" name="Slide Image Placeholder 1">
+            <a:extLst>
+              <a:ext uri="{FF2B5EF4-FFF2-40B4-BE49-F238E27FC236}">
+                <a16:creationId xmlns:a16="http://schemas.microsoft.com/office/drawing/2014/main" id="{9DCE7F3B-4A5B-D20B-E485-E99AA07F57E2}"/>
+              </a:ext>
+            </a:extLst>
+          </p:cNvPr>
+          <p:cNvSpPr>
+            <a:spLocks noGrp="1" noRot="1" noChangeAspect="1"/>
+          </p:cNvSpPr>
+          <p:nvPr>
+            <p:ph type="sldImg"/>
+          </p:nvPr>
+        </p:nvSpPr>
+        <p:spPr/>
+      </p:sp>
+      <p:sp>
+        <p:nvSpPr>
+          <p:cNvPr id="3" name="Notes Placeholder 2">
+            <a:extLst>
+              <a:ext uri="{FF2B5EF4-FFF2-40B4-BE49-F238E27FC236}">
+                <a16:creationId xmlns:a16="http://schemas.microsoft.com/office/drawing/2014/main" id="{EF6E8193-9EF9-C8CB-8BDB-170D316DC156}"/>
+              </a:ext>
+            </a:extLst>
+          </p:cNvPr>
+          <p:cNvSpPr>
+            <a:spLocks noGrp="1"/>
+          </p:cNvSpPr>
+          <p:nvPr>
+            <p:ph type="body" idx="1"/>
+          </p:nvPr>
+        </p:nvSpPr>
+        <p:spPr/>
+        <p:txBody>
+          <a:bodyPr/>
+          <a:lstStyle/>
+          <a:p>
+            <a:endParaRPr lang="en-US"/>
+          </a:p>
+        </p:txBody>
+      </p:sp>
+      <p:sp>
+        <p:nvSpPr>
+          <p:cNvPr id="4" name="Slide Number Placeholder 3">
+            <a:extLst>
+              <a:ext uri="{FF2B5EF4-FFF2-40B4-BE49-F238E27FC236}">
+                <a16:creationId xmlns:a16="http://schemas.microsoft.com/office/drawing/2014/main" id="{50A9F02C-6B68-C5F6-2D2C-0D6C6688A32E}"/>
+              </a:ext>
+            </a:extLst>
+          </p:cNvPr>
+          <p:cNvSpPr>
+            <a:spLocks noGrp="1"/>
+          </p:cNvSpPr>
+          <p:nvPr>
+            <p:ph type="sldNum" sz="quarter" idx="10"/>
+          </p:nvPr>
+        </p:nvSpPr>
+        <p:spPr/>
+        <p:txBody>
+          <a:bodyPr/>
+          <a:lstStyle/>
+          <a:p>
+            <a:fld id="{893B0CF2-7F87-4E02-A248-870047730F99}" type="slidenum">
+              <a:rPr lang="en-US" smtClean="0"/>
+              <a:t>11</a:t>
+            </a:fld>
+            <a:endParaRPr lang="en-US"/>
+          </a:p>
+        </p:txBody>
+      </p:sp>
+    </p:spTree>
+    <p:extLst>
+      <p:ext uri="{BB962C8B-B14F-4D97-AF65-F5344CB8AC3E}">
+        <p14:creationId xmlns:p14="http://schemas.microsoft.com/office/powerpoint/2010/main" val="462627864"/>
+      </p:ext>
+    </p:extLst>
+  </p:cSld>
+  <p:clrMapOvr>
+    <a:masterClrMapping/>
+  </p:clrMapOvr>
+</p:notes>
+</file>
+
+<file path=ppt/notesSlides/notesSlide11.xml><?xml version="1.0" encoding="utf-8"?>
+<p:notes xmlns:a="http://schemas.openxmlformats.org/drawingml/2006/main" xmlns:r="http://schemas.openxmlformats.org/officeDocument/2006/relationships" xmlns:p="http://schemas.openxmlformats.org/presentationml/2006/main">
+  <p:cSld>
+    <p:spTree>
+      <p:nvGrpSpPr>
+        <p:cNvPr id="1" name="">
+          <a:extLst>
+            <a:ext uri="{FF2B5EF4-FFF2-40B4-BE49-F238E27FC236}">
+              <a16:creationId xmlns:a16="http://schemas.microsoft.com/office/drawing/2014/main" id="{B563666C-A6D2-06F0-DE6C-4A6BE83965DF}"/>
+            </a:ext>
+          </a:extLst>
+        </p:cNvPr>
+        <p:cNvGrpSpPr/>
+        <p:nvPr/>
+      </p:nvGrpSpPr>
+      <p:grpSpPr>
+        <a:xfrm>
+          <a:off x="0" y="0"/>
+          <a:ext cx="0" cy="0"/>
+          <a:chOff x="0" y="0"/>
+          <a:chExt cx="0" cy="0"/>
+        </a:xfrm>
+      </p:grpSpPr>
+      <p:sp>
+        <p:nvSpPr>
+          <p:cNvPr id="2" name="Slide Image Placeholder 1">
+            <a:extLst>
+              <a:ext uri="{FF2B5EF4-FFF2-40B4-BE49-F238E27FC236}">
+                <a16:creationId xmlns:a16="http://schemas.microsoft.com/office/drawing/2014/main" id="{9DCE7F3B-4A5B-D20B-E485-E99AA07F57E2}"/>
+              </a:ext>
+            </a:extLst>
+          </p:cNvPr>
+          <p:cNvSpPr>
+            <a:spLocks noGrp="1" noRot="1" noChangeAspect="1"/>
+          </p:cNvSpPr>
+          <p:nvPr>
+            <p:ph type="sldImg"/>
+          </p:nvPr>
+        </p:nvSpPr>
+        <p:spPr/>
+      </p:sp>
+      <p:sp>
+        <p:nvSpPr>
+          <p:cNvPr id="3" name="Notes Placeholder 2">
+            <a:extLst>
+              <a:ext uri="{FF2B5EF4-FFF2-40B4-BE49-F238E27FC236}">
+                <a16:creationId xmlns:a16="http://schemas.microsoft.com/office/drawing/2014/main" id="{EF6E8193-9EF9-C8CB-8BDB-170D316DC156}"/>
+              </a:ext>
+            </a:extLst>
+          </p:cNvPr>
+          <p:cNvSpPr>
+            <a:spLocks noGrp="1"/>
+          </p:cNvSpPr>
+          <p:nvPr>
+            <p:ph type="body" idx="1"/>
+          </p:nvPr>
+        </p:nvSpPr>
+        <p:spPr/>
+        <p:txBody>
+          <a:bodyPr/>
+          <a:lstStyle/>
+          <a:p>
+            <a:endParaRPr lang="en-US"/>
+          </a:p>
+        </p:txBody>
+      </p:sp>
+      <p:sp>
+        <p:nvSpPr>
+          <p:cNvPr id="4" name="Slide Number Placeholder 3">
+            <a:extLst>
+              <a:ext uri="{FF2B5EF4-FFF2-40B4-BE49-F238E27FC236}">
+                <a16:creationId xmlns:a16="http://schemas.microsoft.com/office/drawing/2014/main" id="{50A9F02C-6B68-C5F6-2D2C-0D6C6688A32E}"/>
+              </a:ext>
+            </a:extLst>
+          </p:cNvPr>
+          <p:cNvSpPr>
+            <a:spLocks noGrp="1"/>
+          </p:cNvSpPr>
+          <p:nvPr>
+            <p:ph type="sldNum" sz="quarter" idx="10"/>
+          </p:nvPr>
+        </p:nvSpPr>
+        <p:spPr/>
+        <p:txBody>
+          <a:bodyPr/>
+          <a:lstStyle/>
+          <a:p>
+            <a:fld id="{893B0CF2-7F87-4E02-A248-870047730F99}" type="slidenum">
+              <a:rPr lang="en-US" smtClean="0"/>
+              <a:t>12</a:t>
+            </a:fld>
+            <a:endParaRPr lang="en-US"/>
+          </a:p>
+        </p:txBody>
+      </p:sp>
+    </p:spTree>
+    <p:extLst>
+      <p:ext uri="{BB962C8B-B14F-4D97-AF65-F5344CB8AC3E}">
+        <p14:creationId xmlns:p14="http://schemas.microsoft.com/office/powerpoint/2010/main" val="3999387307"/>
       </p:ext>
     </p:extLst>
   </p:cSld>
@@ -1687,7 +1905,7 @@
           <a:p>
             <a:fld id="{021A1D30-C0A0-4124-A783-34D9F15FA0FE}" type="datetime1">
               <a:rPr lang="en-US" smtClean="0"/>
-              <a:t>4/7/2024</a:t>
+              <a:t>5/11/2024</a:t>
             </a:fld>
             <a:endParaRPr lang="en-US"/>
           </a:p>
@@ -1871,7 +2089,7 @@
           <a:p>
             <a:fld id="{8D2D5871-AB0F-4B3D-8861-97E78CB7B47E}" type="datetime1">
               <a:rPr lang="en-US" smtClean="0"/>
-              <a:t>4/7/2024</a:t>
+              <a:t>5/11/2024</a:t>
             </a:fld>
             <a:endParaRPr lang="en-US"/>
           </a:p>
@@ -2065,7 +2283,7 @@
           <a:p>
             <a:fld id="{14418406-4C3F-4F3E-80BD-A22568EA37EB}" type="datetime1">
               <a:rPr lang="en-US" smtClean="0"/>
-              <a:t>4/7/2024</a:t>
+              <a:t>5/11/2024</a:t>
             </a:fld>
             <a:endParaRPr lang="en-US"/>
           </a:p>
@@ -2249,7 +2467,7 @@
           <a:p>
             <a:fld id="{65F28077-7188-48C5-8679-2287FAC952E9}" type="datetime1">
               <a:rPr lang="en-US" smtClean="0"/>
-              <a:t>4/7/2024</a:t>
+              <a:t>5/11/2024</a:t>
             </a:fld>
             <a:endParaRPr lang="en-US"/>
           </a:p>
@@ -2496,7 +2714,7 @@
           <a:p>
             <a:fld id="{D2DCB740-6776-4EE9-99FD-96D592FA5A23}" type="datetime1">
               <a:rPr lang="en-US" smtClean="0"/>
-              <a:t>4/7/2024</a:t>
+              <a:t>5/11/2024</a:t>
             </a:fld>
             <a:endParaRPr lang="en-US"/>
           </a:p>
@@ -2779,7 +2997,7 @@
           <a:p>
             <a:fld id="{05F6BD99-6FFD-46C5-B5E2-43A34BDA2566}" type="datetime1">
               <a:rPr lang="en-US" smtClean="0"/>
-              <a:t>4/7/2024</a:t>
+              <a:t>5/11/2024</a:t>
             </a:fld>
             <a:endParaRPr lang="en-US"/>
           </a:p>
@@ -3176,7 +3394,7 @@
           <a:p>
             <a:fld id="{E022678E-214C-4CF8-97C7-95015FB02960}" type="datetime1">
               <a:rPr lang="en-US" smtClean="0"/>
-              <a:t>4/7/2024</a:t>
+              <a:t>5/11/2024</a:t>
             </a:fld>
             <a:endParaRPr lang="en-US"/>
           </a:p>
@@ -3345,7 +3563,7 @@
           <a:p>
             <a:fld id="{D55660E0-FA77-4473-A859-74127B089143}" type="datetime1">
               <a:rPr lang="en-US" smtClean="0"/>
-              <a:t>4/7/2024</a:t>
+              <a:t>5/11/2024</a:t>
             </a:fld>
             <a:endParaRPr lang="en-US"/>
           </a:p>
@@ -3455,7 +3673,7 @@
           <a:p>
             <a:fld id="{3188D7B8-9F07-4899-827D-5F3CFDDEB574}" type="datetime1">
               <a:rPr lang="en-US" smtClean="0"/>
-              <a:t>4/7/2024</a:t>
+              <a:t>5/11/2024</a:t>
             </a:fld>
             <a:endParaRPr lang="en-US"/>
           </a:p>
@@ -3735,7 +3953,7 @@
           <a:p>
             <a:fld id="{B5197C5C-1CD1-417D-A89C-14747F5222C7}" type="datetime1">
               <a:rPr lang="en-US" smtClean="0"/>
-              <a:t>4/7/2024</a:t>
+              <a:t>5/11/2024</a:t>
             </a:fld>
             <a:endParaRPr lang="en-US"/>
           </a:p>
@@ -4088,7 +4306,7 @@
           <a:p>
             <a:fld id="{1359EFBB-CFA1-4AA8-9123-F0B52DBD84FE}" type="datetime1">
               <a:rPr lang="en-US" smtClean="0"/>
-              <a:t>4/7/2024</a:t>
+              <a:t>5/11/2024</a:t>
             </a:fld>
             <a:endParaRPr lang="en-US"/>
           </a:p>
@@ -5122,7 +5340,7 @@
             <a:fld id="{61146459-E3C3-4969-9224-5ED50B492D17}" type="datetime1">
               <a:rPr lang="en-US" smtClean="0"/>
               <a:pPr/>
-              <a:t>4/7/2024</a:t>
+              <a:t>5/11/2024</a:t>
             </a:fld>
             <a:endParaRPr lang="en-US" dirty="0"/>
           </a:p>
@@ -6305,13 +6523,1543 @@
   <p:clrMapOvr>
     <a:masterClrMapping/>
   </p:clrMapOvr>
-  <mc:AlternateContent xmlns:mc="http://schemas.openxmlformats.org/markup-compatibility/2006">
-    <mc:Choice xmlns:p14="http://schemas.microsoft.com/office/powerpoint/2010/main" Requires="p14">
+  <mc:AlternateContent xmlns:mc="http://schemas.openxmlformats.org/markup-compatibility/2006" xmlns:p14="http://schemas.microsoft.com/office/powerpoint/2010/main">
+    <mc:Choice Requires="p14">
       <p:transition spd="med" p14:dur="700">
         <p:fade/>
       </p:transition>
     </mc:Choice>
-    <mc:Fallback>
+    <mc:Fallback xmlns="">
+      <p:transition spd="med">
+        <p:fade/>
+      </p:transition>
+    </mc:Fallback>
+  </mc:AlternateContent>
+</p:sld>
+</file>
+
+<file path=ppt/slides/slide11.xml><?xml version="1.0" encoding="utf-8"?>
+<p:sld xmlns:a="http://schemas.openxmlformats.org/drawingml/2006/main" xmlns:r="http://schemas.openxmlformats.org/officeDocument/2006/relationships" xmlns:p="http://schemas.openxmlformats.org/presentationml/2006/main">
+  <p:cSld>
+    <p:spTree>
+      <p:nvGrpSpPr>
+        <p:cNvPr id="1" name="">
+          <a:extLst>
+            <a:ext uri="{FF2B5EF4-FFF2-40B4-BE49-F238E27FC236}">
+              <a16:creationId xmlns:a16="http://schemas.microsoft.com/office/drawing/2014/main" id="{7A2F18F0-B19B-5A42-79F9-7648AAB476E1}"/>
+            </a:ext>
+          </a:extLst>
+        </p:cNvPr>
+        <p:cNvGrpSpPr/>
+        <p:nvPr/>
+      </p:nvGrpSpPr>
+      <p:grpSpPr>
+        <a:xfrm>
+          <a:off x="0" y="0"/>
+          <a:ext cx="0" cy="0"/>
+          <a:chOff x="0" y="0"/>
+          <a:chExt cx="0" cy="0"/>
+        </a:xfrm>
+      </p:grpSpPr>
+      <p:sp>
+        <p:nvSpPr>
+          <p:cNvPr id="4" name="Title 3">
+            <a:extLst>
+              <a:ext uri="{FF2B5EF4-FFF2-40B4-BE49-F238E27FC236}">
+                <a16:creationId xmlns:a16="http://schemas.microsoft.com/office/drawing/2014/main" id="{FBBD7D0A-FD39-5AE6-3659-9E6652979EF2}"/>
+              </a:ext>
+            </a:extLst>
+          </p:cNvPr>
+          <p:cNvSpPr>
+            <a:spLocks noGrp="1"/>
+          </p:cNvSpPr>
+          <p:nvPr>
+            <p:ph type="ctrTitle"/>
+          </p:nvPr>
+        </p:nvSpPr>
+        <p:spPr>
+          <a:xfrm>
+            <a:off x="715264" y="815412"/>
+            <a:ext cx="10468864" cy="1535220"/>
+          </a:xfrm>
+        </p:spPr>
+        <p:txBody>
+          <a:bodyPr>
+            <a:normAutofit fontScale="90000"/>
+          </a:bodyPr>
+          <a:lstStyle/>
+          <a:p>
+            <a:pPr algn="l"/>
+            <a:r>
+              <a:rPr lang="zh-CN" altLang="en-US" sz="4400" dirty="0"/>
+              <a:t>使用</a:t>
+            </a:r>
+            <a:r>
+              <a:rPr lang="en-US" altLang="zh-CN" sz="4400" dirty="0"/>
+              <a:t>Protégé</a:t>
+            </a:r>
+            <a:r>
+              <a:rPr lang="zh-CN" altLang="en-US" sz="4400" dirty="0"/>
+              <a:t>建立中国医学本体模型</a:t>
+            </a:r>
+            <a:br>
+              <a:rPr lang="en-US" altLang="zh-CN" sz="4400" dirty="0"/>
+            </a:br>
+            <a:r>
+              <a:rPr lang="en-US" altLang="zh-CN" sz="4400" dirty="0"/>
+              <a:t>CN-MEDO Ontology - </a:t>
+            </a:r>
+            <a:r>
+              <a:rPr lang="en-US" altLang="zh-CN" sz="7200" dirty="0"/>
+              <a:t>010</a:t>
+            </a:r>
+            <a:endParaRPr lang="en-US" sz="4400" dirty="0"/>
+          </a:p>
+        </p:txBody>
+      </p:sp>
+      <p:sp>
+        <p:nvSpPr>
+          <p:cNvPr id="2" name="TextBox 1">
+            <a:extLst>
+              <a:ext uri="{FF2B5EF4-FFF2-40B4-BE49-F238E27FC236}">
+                <a16:creationId xmlns:a16="http://schemas.microsoft.com/office/drawing/2014/main" id="{7BAB936B-6853-96B9-2EA4-CA6824376BE0}"/>
+              </a:ext>
+            </a:extLst>
+          </p:cNvPr>
+          <p:cNvSpPr txBox="1"/>
+          <p:nvPr/>
+        </p:nvSpPr>
+        <p:spPr>
+          <a:xfrm>
+            <a:off x="5949696" y="5793739"/>
+            <a:ext cx="5800178" cy="923330"/>
+          </a:xfrm>
+          <a:prstGeom prst="rect">
+            <a:avLst/>
+          </a:prstGeom>
+          <a:solidFill>
+            <a:schemeClr val="accent3">
+              <a:lumMod val="20000"/>
+              <a:lumOff val="80000"/>
+            </a:schemeClr>
+          </a:solidFill>
+          <a:ln>
+            <a:solidFill>
+              <a:schemeClr val="bg2"/>
+            </a:solidFill>
+          </a:ln>
+        </p:spPr>
+        <p:txBody>
+          <a:bodyPr wrap="none" rtlCol="0">
+            <a:spAutoFit/>
+          </a:bodyPr>
+          <a:lstStyle/>
+          <a:p>
+            <a:r>
+              <a:rPr lang="en-US" dirty="0"/>
+              <a:t>GitHub: </a:t>
+            </a:r>
+            <a:r>
+              <a:rPr lang="en-US" dirty="0">
+                <a:hlinkClick r:id="rId3"/>
+              </a:rPr>
+              <a:t>https://github.com/yasenstar/Chinese_Culture</a:t>
+            </a:r>
+            <a:endParaRPr lang="en-US" dirty="0"/>
+          </a:p>
+          <a:p>
+            <a:endParaRPr lang="en-US" dirty="0"/>
+          </a:p>
+          <a:p>
+            <a:r>
+              <a:rPr lang="en-US" dirty="0"/>
+              <a:t>Gitee: </a:t>
+            </a:r>
+            <a:r>
+              <a:rPr lang="en-US" dirty="0">
+                <a:hlinkClick r:id="rId4"/>
+              </a:rPr>
+              <a:t>https://gitee.com/yasenstar/Chinese_Culture</a:t>
+            </a:r>
+            <a:endParaRPr lang="en-US" dirty="0"/>
+          </a:p>
+        </p:txBody>
+      </p:sp>
+      <p:sp>
+        <p:nvSpPr>
+          <p:cNvPr id="3" name="Subtitle 4">
+            <a:extLst>
+              <a:ext uri="{FF2B5EF4-FFF2-40B4-BE49-F238E27FC236}">
+                <a16:creationId xmlns:a16="http://schemas.microsoft.com/office/drawing/2014/main" id="{A2B4AC1D-9459-E328-CB8B-937B80569488}"/>
+              </a:ext>
+            </a:extLst>
+          </p:cNvPr>
+          <p:cNvSpPr txBox="1">
+            <a:spLocks/>
+          </p:cNvSpPr>
+          <p:nvPr/>
+        </p:nvSpPr>
+        <p:spPr>
+          <a:xfrm>
+            <a:off x="331693" y="2537011"/>
+            <a:ext cx="7888941" cy="3256728"/>
+          </a:xfrm>
+          <a:prstGeom prst="rect">
+            <a:avLst/>
+          </a:prstGeom>
+        </p:spPr>
+        <p:txBody>
+          <a:bodyPr vert="horz" lIns="0" rIns="18288">
+            <a:noAutofit/>
+          </a:bodyPr>
+          <a:lstStyle>
+            <a:lvl1pPr marL="0" marR="45720" indent="0" algn="r" rtl="0" eaLnBrk="1" latinLnBrk="0" hangingPunct="1">
+              <a:spcBef>
+                <a:spcPct val="20000"/>
+              </a:spcBef>
+              <a:buClr>
+                <a:schemeClr val="accent3">
+                  <a:lumMod val="50000"/>
+                </a:schemeClr>
+              </a:buClr>
+              <a:buSzPct val="95000"/>
+              <a:buFont typeface="Wingdings 2"/>
+              <a:buNone/>
+              <a:defRPr kumimoji="0" sz="2600" kern="1200">
+                <a:solidFill>
+                  <a:schemeClr val="tx1"/>
+                </a:solidFill>
+                <a:latin typeface="+mn-lt"/>
+                <a:ea typeface="+mn-ea"/>
+                <a:cs typeface="+mn-cs"/>
+              </a:defRPr>
+            </a:lvl1pPr>
+            <a:lvl2pPr marL="457200" indent="0" algn="ctr" rtl="0" eaLnBrk="1" latinLnBrk="0" hangingPunct="1">
+              <a:spcBef>
+                <a:spcPct val="20000"/>
+              </a:spcBef>
+              <a:buClr>
+                <a:schemeClr val="accent1">
+                  <a:lumMod val="50000"/>
+                </a:schemeClr>
+              </a:buClr>
+              <a:buSzPct val="85000"/>
+              <a:buFont typeface="Wingdings 2"/>
+              <a:buNone/>
+              <a:defRPr kumimoji="0" sz="2400" kern="1200">
+                <a:solidFill>
+                  <a:schemeClr val="tx1"/>
+                </a:solidFill>
+                <a:latin typeface="+mn-lt"/>
+                <a:ea typeface="+mn-ea"/>
+                <a:cs typeface="+mn-cs"/>
+              </a:defRPr>
+            </a:lvl2pPr>
+            <a:lvl3pPr marL="914400" indent="0" algn="ctr" rtl="0" eaLnBrk="1" latinLnBrk="0" hangingPunct="1">
+              <a:spcBef>
+                <a:spcPct val="20000"/>
+              </a:spcBef>
+              <a:buClr>
+                <a:schemeClr val="accent2">
+                  <a:lumMod val="50000"/>
+                </a:schemeClr>
+              </a:buClr>
+              <a:buSzPct val="70000"/>
+              <a:buFont typeface="Wingdings 2"/>
+              <a:buNone/>
+              <a:defRPr kumimoji="0" sz="2100" kern="1200">
+                <a:solidFill>
+                  <a:schemeClr val="tx1"/>
+                </a:solidFill>
+                <a:latin typeface="+mn-lt"/>
+                <a:ea typeface="+mn-ea"/>
+                <a:cs typeface="+mn-cs"/>
+              </a:defRPr>
+            </a:lvl3pPr>
+            <a:lvl4pPr marL="1371600" indent="0" algn="ctr" rtl="0" eaLnBrk="1" latinLnBrk="0" hangingPunct="1">
+              <a:spcBef>
+                <a:spcPct val="20000"/>
+              </a:spcBef>
+              <a:buClr>
+                <a:schemeClr val="accent3">
+                  <a:lumMod val="50000"/>
+                </a:schemeClr>
+              </a:buClr>
+              <a:buSzPct val="65000"/>
+              <a:buFont typeface="Wingdings 2"/>
+              <a:buNone/>
+              <a:defRPr kumimoji="0" sz="2000" kern="1200">
+                <a:solidFill>
+                  <a:schemeClr val="tx1"/>
+                </a:solidFill>
+                <a:latin typeface="+mn-lt"/>
+                <a:ea typeface="+mn-ea"/>
+                <a:cs typeface="+mn-cs"/>
+              </a:defRPr>
+            </a:lvl4pPr>
+            <a:lvl5pPr marL="1828800" indent="0" algn="ctr" rtl="0" eaLnBrk="1" latinLnBrk="0" hangingPunct="1">
+              <a:spcBef>
+                <a:spcPct val="20000"/>
+              </a:spcBef>
+              <a:buClr>
+                <a:schemeClr val="accent4">
+                  <a:lumMod val="75000"/>
+                </a:schemeClr>
+              </a:buClr>
+              <a:buSzPct val="65000"/>
+              <a:buFont typeface="Wingdings 2"/>
+              <a:buNone/>
+              <a:defRPr kumimoji="0" sz="2000" kern="1200">
+                <a:solidFill>
+                  <a:schemeClr val="tx1"/>
+                </a:solidFill>
+                <a:latin typeface="+mn-lt"/>
+                <a:ea typeface="+mn-ea"/>
+                <a:cs typeface="+mn-cs"/>
+              </a:defRPr>
+            </a:lvl5pPr>
+            <a:lvl6pPr marL="2286000" indent="0" algn="ctr" rtl="0" eaLnBrk="1" latinLnBrk="0" hangingPunct="1">
+              <a:spcBef>
+                <a:spcPct val="20000"/>
+              </a:spcBef>
+              <a:buClr>
+                <a:schemeClr val="accent5">
+                  <a:lumMod val="50000"/>
+                </a:schemeClr>
+              </a:buClr>
+              <a:buSzPct val="80000"/>
+              <a:buFont typeface="Wingdings 2"/>
+              <a:buNone/>
+              <a:defRPr kumimoji="0" sz="1800" kern="1200">
+                <a:solidFill>
+                  <a:schemeClr val="tx1"/>
+                </a:solidFill>
+                <a:latin typeface="+mn-lt"/>
+                <a:ea typeface="+mn-ea"/>
+                <a:cs typeface="+mn-cs"/>
+              </a:defRPr>
+            </a:lvl6pPr>
+            <a:lvl7pPr marL="2743200" indent="0" algn="ctr" rtl="0" eaLnBrk="1" latinLnBrk="0" hangingPunct="1">
+              <a:spcBef>
+                <a:spcPct val="20000"/>
+              </a:spcBef>
+              <a:buClr>
+                <a:schemeClr val="accent6">
+                  <a:lumMod val="75000"/>
+                </a:schemeClr>
+              </a:buClr>
+              <a:buSzPct val="80000"/>
+              <a:buFont typeface="Wingdings 2"/>
+              <a:buNone/>
+              <a:defRPr kumimoji="0" sz="1600" kern="1200" baseline="0">
+                <a:solidFill>
+                  <a:schemeClr val="tx1"/>
+                </a:solidFill>
+                <a:latin typeface="+mn-lt"/>
+                <a:ea typeface="+mn-ea"/>
+                <a:cs typeface="+mn-cs"/>
+              </a:defRPr>
+            </a:lvl7pPr>
+            <a:lvl8pPr marL="3200400" indent="0" algn="ctr" rtl="0" eaLnBrk="1" latinLnBrk="0" hangingPunct="1">
+              <a:spcBef>
+                <a:spcPct val="20000"/>
+              </a:spcBef>
+              <a:buClr>
+                <a:schemeClr val="tx2"/>
+              </a:buClr>
+              <a:buNone/>
+              <a:defRPr kumimoji="0" sz="1600" kern="1200">
+                <a:solidFill>
+                  <a:schemeClr val="tx1"/>
+                </a:solidFill>
+                <a:latin typeface="+mn-lt"/>
+                <a:ea typeface="+mn-ea"/>
+                <a:cs typeface="+mn-cs"/>
+              </a:defRPr>
+            </a:lvl8pPr>
+            <a:lvl9pPr marL="3657600" indent="0" algn="ctr" rtl="0" eaLnBrk="1" latinLnBrk="0" hangingPunct="1">
+              <a:spcBef>
+                <a:spcPct val="20000"/>
+              </a:spcBef>
+              <a:buClr>
+                <a:schemeClr val="tx2"/>
+              </a:buClr>
+              <a:buFontTx/>
+              <a:buNone/>
+              <a:defRPr kumimoji="0" sz="1400" kern="1200" baseline="0">
+                <a:solidFill>
+                  <a:schemeClr val="tx1"/>
+                </a:solidFill>
+                <a:latin typeface="+mn-lt"/>
+                <a:ea typeface="+mn-ea"/>
+                <a:cs typeface="+mn-cs"/>
+              </a:defRPr>
+            </a:lvl9pPr>
+          </a:lstStyle>
+          <a:p>
+            <a:pPr marL="457200" indent="-457200" algn="l">
+              <a:lnSpc>
+                <a:spcPct val="120000"/>
+              </a:lnSpc>
+              <a:buFont typeface="Arial" panose="020B0604020202020204" pitchFamily="34" charset="0"/>
+              <a:buChar char="•"/>
+            </a:pPr>
+            <a:r>
+              <a:rPr lang="zh-CN" altLang="en-US" sz="2000" dirty="0"/>
+              <a:t>完成“伤寒杂病论”前三章（太阳病）的方剂与病脉证数据建模</a:t>
+            </a:r>
+            <a:endParaRPr lang="en-US" altLang="zh-CN" sz="2000" dirty="0"/>
+          </a:p>
+          <a:p>
+            <a:pPr marL="457200" indent="-457200" algn="l">
+              <a:lnSpc>
+                <a:spcPct val="120000"/>
+              </a:lnSpc>
+              <a:buFont typeface="Arial" panose="020B0604020202020204" pitchFamily="34" charset="0"/>
+              <a:buChar char="•"/>
+            </a:pPr>
+            <a:r>
+              <a:rPr lang="zh-CN" altLang="en-US" sz="2000" dirty="0"/>
+              <a:t>解决了中文输入情况下与自动补全功能快捷键的冲突问题 </a:t>
+            </a:r>
+            <a:r>
+              <a:rPr lang="en-US" altLang="zh-CN" sz="2000" dirty="0"/>
+              <a:t>( </a:t>
+            </a:r>
+            <a:r>
+              <a:rPr lang="en-US" altLang="zh-CN" sz="2000" dirty="0">
+                <a:hlinkClick r:id="rId5"/>
+              </a:rPr>
+              <a:t>https://github.com/protegeproject/protege/issues/1199</a:t>
+            </a:r>
+            <a:r>
+              <a:rPr lang="en-US" altLang="zh-CN" sz="2000" dirty="0"/>
+              <a:t> )</a:t>
+            </a:r>
+          </a:p>
+          <a:p>
+            <a:pPr marL="457200" indent="-457200" algn="l">
+              <a:lnSpc>
+                <a:spcPct val="120000"/>
+              </a:lnSpc>
+              <a:buFont typeface="Arial" panose="020B0604020202020204" pitchFamily="34" charset="0"/>
+              <a:buChar char="•"/>
+            </a:pPr>
+            <a:r>
+              <a:rPr lang="en-US" altLang="zh-CN" sz="2000" dirty="0"/>
+              <a:t>Ontology</a:t>
+            </a:r>
+            <a:r>
+              <a:rPr lang="zh-CN" altLang="en-US" sz="2000" dirty="0"/>
+              <a:t>的</a:t>
+            </a:r>
+            <a:r>
+              <a:rPr lang="en-US" altLang="zh-CN" sz="2000" dirty="0"/>
+              <a:t>Class</a:t>
+            </a:r>
+            <a:r>
+              <a:rPr lang="zh-CN" altLang="en-US" sz="2000" dirty="0"/>
+              <a:t>结构重整</a:t>
+            </a:r>
+            <a:endParaRPr lang="en-US" altLang="zh-CN" sz="2000" dirty="0"/>
+          </a:p>
+          <a:p>
+            <a:pPr marL="457200" indent="-457200" algn="l">
+              <a:lnSpc>
+                <a:spcPct val="120000"/>
+              </a:lnSpc>
+              <a:buFont typeface="Arial" panose="020B0604020202020204" pitchFamily="34" charset="0"/>
+              <a:buChar char="•"/>
+            </a:pPr>
+            <a:r>
+              <a:rPr lang="zh-CN" altLang="en-US" sz="2000" dirty="0"/>
+              <a:t>添加示例的</a:t>
+            </a:r>
+            <a:r>
+              <a:rPr lang="en-US" altLang="zh-CN" sz="2000" dirty="0"/>
+              <a:t>SPARQL</a:t>
+            </a:r>
+            <a:r>
+              <a:rPr lang="zh-CN" altLang="en-US" sz="2000" dirty="0"/>
+              <a:t>查询语句</a:t>
+            </a:r>
+            <a:endParaRPr lang="en-US" altLang="zh-CN" sz="2000" dirty="0"/>
+          </a:p>
+          <a:p>
+            <a:pPr marL="457200" indent="-457200" algn="l">
+              <a:lnSpc>
+                <a:spcPct val="120000"/>
+              </a:lnSpc>
+              <a:buFont typeface="Arial" panose="020B0604020202020204" pitchFamily="34" charset="0"/>
+              <a:buChar char="•"/>
+            </a:pPr>
+            <a:r>
+              <a:rPr lang="zh-CN" altLang="en-US" sz="2000" dirty="0"/>
+              <a:t>发布</a:t>
+            </a:r>
+            <a:r>
+              <a:rPr lang="en-US" altLang="zh-CN" sz="2000" dirty="0"/>
+              <a:t>Ontology</a:t>
+            </a:r>
+            <a:r>
+              <a:rPr lang="zh-CN" altLang="en-US" sz="2000" dirty="0"/>
+              <a:t>到</a:t>
+            </a:r>
+            <a:r>
+              <a:rPr lang="en-US" altLang="zh-CN" sz="2000" dirty="0">
+                <a:hlinkClick r:id="rId6"/>
+              </a:rPr>
+              <a:t>https://mmisw.org/ont</a:t>
+            </a:r>
+            <a:endParaRPr lang="en-US" altLang="zh-CN" sz="2000" dirty="0"/>
+          </a:p>
+        </p:txBody>
+      </p:sp>
+      <p:pic>
+        <p:nvPicPr>
+          <p:cNvPr id="14" name="Picture 13">
+            <a:extLst>
+              <a:ext uri="{FF2B5EF4-FFF2-40B4-BE49-F238E27FC236}">
+                <a16:creationId xmlns:a16="http://schemas.microsoft.com/office/drawing/2014/main" id="{383F1D55-D473-49D7-54AF-75EBD5D5FB94}"/>
+              </a:ext>
+            </a:extLst>
+          </p:cNvPr>
+          <p:cNvPicPr>
+            <a:picLocks noChangeAspect="1"/>
+          </p:cNvPicPr>
+          <p:nvPr/>
+        </p:nvPicPr>
+        <p:blipFill>
+          <a:blip r:embed="rId7"/>
+          <a:stretch>
+            <a:fillRect/>
+          </a:stretch>
+        </p:blipFill>
+        <p:spPr>
+          <a:xfrm>
+            <a:off x="116923" y="6284428"/>
+            <a:ext cx="2120630" cy="441606"/>
+          </a:xfrm>
+          <a:prstGeom prst="rect">
+            <a:avLst/>
+          </a:prstGeom>
+          <a:ln>
+            <a:noFill/>
+          </a:ln>
+          <a:effectLst>
+            <a:outerShdw blurRad="292100" dist="139700" dir="2700000" algn="tl" rotWithShape="0">
+              <a:srgbClr val="333333">
+                <a:alpha val="65000"/>
+              </a:srgbClr>
+            </a:outerShdw>
+          </a:effectLst>
+        </p:spPr>
+      </p:pic>
+      <p:pic>
+        <p:nvPicPr>
+          <p:cNvPr id="1026" name="Picture 2" descr="伤寒杂病论（Word+PDF+ePub+PPT） | 学习用书">
+            <a:extLst>
+              <a:ext uri="{FF2B5EF4-FFF2-40B4-BE49-F238E27FC236}">
+                <a16:creationId xmlns:a16="http://schemas.microsoft.com/office/drawing/2014/main" id="{3AF5F4ED-0110-653A-8AF8-75741E830295}"/>
+              </a:ext>
+            </a:extLst>
+          </p:cNvPr>
+          <p:cNvPicPr>
+            <a:picLocks noChangeAspect="1" noChangeArrowheads="1"/>
+          </p:cNvPicPr>
+          <p:nvPr/>
+        </p:nvPicPr>
+        <p:blipFill>
+          <a:blip r:embed="rId8">
+            <a:extLst>
+              <a:ext uri="{28A0092B-C50C-407E-A947-70E740481C1C}">
+                <a14:useLocalDpi xmlns:a14="http://schemas.microsoft.com/office/drawing/2010/main" val="0"/>
+              </a:ext>
+            </a:extLst>
+          </a:blip>
+          <a:srcRect/>
+          <a:stretch>
+            <a:fillRect/>
+          </a:stretch>
+        </p:blipFill>
+        <p:spPr bwMode="auto">
+          <a:xfrm>
+            <a:off x="8471673" y="1452283"/>
+            <a:ext cx="2798923" cy="4080062"/>
+          </a:xfrm>
+          <a:prstGeom prst="rect">
+            <a:avLst/>
+          </a:prstGeom>
+          <a:ln>
+            <a:noFill/>
+          </a:ln>
+          <a:effectLst>
+            <a:outerShdw blurRad="292100" dist="139700" dir="2700000" algn="tl" rotWithShape="0">
+              <a:srgbClr val="333333">
+                <a:alpha val="65000"/>
+              </a:srgbClr>
+            </a:outerShdw>
+          </a:effectLst>
+          <a:extLst>
+            <a:ext uri="{909E8E84-426E-40DD-AFC4-6F175D3DCCD1}">
+              <a14:hiddenFill xmlns:a14="http://schemas.microsoft.com/office/drawing/2010/main">
+                <a:solidFill>
+                  <a:srgbClr val="FFFFFF"/>
+                </a:solidFill>
+              </a14:hiddenFill>
+            </a:ext>
+          </a:extLst>
+        </p:spPr>
+      </p:pic>
+      <p:pic>
+        <p:nvPicPr>
+          <p:cNvPr id="6" name="Picture 5">
+            <a:extLst>
+              <a:ext uri="{FF2B5EF4-FFF2-40B4-BE49-F238E27FC236}">
+                <a16:creationId xmlns:a16="http://schemas.microsoft.com/office/drawing/2014/main" id="{90E5FBE7-6EC0-E518-8872-C9ED657B2A32}"/>
+              </a:ext>
+            </a:extLst>
+          </p:cNvPr>
+          <p:cNvPicPr>
+            <a:picLocks noChangeAspect="1"/>
+          </p:cNvPicPr>
+          <p:nvPr/>
+        </p:nvPicPr>
+        <p:blipFill>
+          <a:blip r:embed="rId9"/>
+          <a:stretch>
+            <a:fillRect/>
+          </a:stretch>
+        </p:blipFill>
+        <p:spPr>
+          <a:xfrm>
+            <a:off x="9169021" y="30143"/>
+            <a:ext cx="2327251" cy="785269"/>
+          </a:xfrm>
+          <a:prstGeom prst="rect">
+            <a:avLst/>
+          </a:prstGeom>
+          <a:ln>
+            <a:noFill/>
+          </a:ln>
+          <a:effectLst>
+            <a:softEdge rad="112500"/>
+          </a:effectLst>
+        </p:spPr>
+      </p:pic>
+    </p:spTree>
+    <p:extLst>
+      <p:ext uri="{BB962C8B-B14F-4D97-AF65-F5344CB8AC3E}">
+        <p14:creationId xmlns:p14="http://schemas.microsoft.com/office/powerpoint/2010/main" val="3343478708"/>
+      </p:ext>
+    </p:extLst>
+  </p:cSld>
+  <p:clrMapOvr>
+    <a:masterClrMapping/>
+  </p:clrMapOvr>
+  <mc:AlternateContent xmlns:mc="http://schemas.openxmlformats.org/markup-compatibility/2006" xmlns:p14="http://schemas.microsoft.com/office/powerpoint/2010/main">
+    <mc:Choice Requires="p14">
+      <p:transition spd="med" p14:dur="700">
+        <p:fade/>
+      </p:transition>
+    </mc:Choice>
+    <mc:Fallback xmlns="">
+      <p:transition spd="med">
+        <p:fade/>
+      </p:transition>
+    </mc:Fallback>
+  </mc:AlternateContent>
+  <p:timing>
+    <p:tnLst>
+      <p:par>
+        <p:cTn id="1" dur="indefinite" restart="never" nodeType="tmRoot">
+          <p:childTnLst>
+            <p:seq concurrent="1" nextAc="seek">
+              <p:cTn id="2" dur="indefinite" nodeType="mainSeq">
+                <p:childTnLst>
+                  <p:par>
+                    <p:cTn id="3" fill="hold">
+                      <p:stCondLst>
+                        <p:cond delay="indefinite"/>
+                      </p:stCondLst>
+                      <p:childTnLst>
+                        <p:par>
+                          <p:cTn id="4" fill="hold">
+                            <p:stCondLst>
+                              <p:cond delay="0"/>
+                            </p:stCondLst>
+                            <p:childTnLst>
+                              <p:par>
+                                <p:cTn id="5" presetID="22" presetClass="entr" presetSubtype="8" fill="hold" grpId="0" nodeType="clickEffect">
+                                  <p:stCondLst>
+                                    <p:cond delay="0"/>
+                                  </p:stCondLst>
+                                  <p:childTnLst>
+                                    <p:set>
+                                      <p:cBhvr>
+                                        <p:cTn id="6" dur="1" fill="hold">
+                                          <p:stCondLst>
+                                            <p:cond delay="0"/>
+                                          </p:stCondLst>
+                                        </p:cTn>
+                                        <p:tgtEl>
+                                          <p:spTgt spid="3">
+                                            <p:txEl>
+                                              <p:pRg st="0" end="0"/>
+                                            </p:txEl>
+                                          </p:spTgt>
+                                        </p:tgtEl>
+                                        <p:attrNameLst>
+                                          <p:attrName>style.visibility</p:attrName>
+                                        </p:attrNameLst>
+                                      </p:cBhvr>
+                                      <p:to>
+                                        <p:strVal val="visible"/>
+                                      </p:to>
+                                    </p:set>
+                                    <p:animEffect transition="in" filter="wipe(left)">
+                                      <p:cBhvr>
+                                        <p:cTn id="7" dur="500"/>
+                                        <p:tgtEl>
+                                          <p:spTgt spid="3">
+                                            <p:txEl>
+                                              <p:pRg st="0" end="0"/>
+                                            </p:txEl>
+                                          </p:spTgt>
+                                        </p:tgtEl>
+                                      </p:cBhvr>
+                                    </p:animEffect>
+                                  </p:childTnLst>
+                                </p:cTn>
+                              </p:par>
+                            </p:childTnLst>
+                          </p:cTn>
+                        </p:par>
+                      </p:childTnLst>
+                    </p:cTn>
+                  </p:par>
+                  <p:par>
+                    <p:cTn id="8" fill="hold">
+                      <p:stCondLst>
+                        <p:cond delay="indefinite"/>
+                      </p:stCondLst>
+                      <p:childTnLst>
+                        <p:par>
+                          <p:cTn id="9" fill="hold">
+                            <p:stCondLst>
+                              <p:cond delay="0"/>
+                            </p:stCondLst>
+                            <p:childTnLst>
+                              <p:par>
+                                <p:cTn id="10" presetID="22" presetClass="entr" presetSubtype="8" fill="hold" grpId="0" nodeType="clickEffect">
+                                  <p:stCondLst>
+                                    <p:cond delay="0"/>
+                                  </p:stCondLst>
+                                  <p:childTnLst>
+                                    <p:set>
+                                      <p:cBhvr>
+                                        <p:cTn id="11" dur="1" fill="hold">
+                                          <p:stCondLst>
+                                            <p:cond delay="0"/>
+                                          </p:stCondLst>
+                                        </p:cTn>
+                                        <p:tgtEl>
+                                          <p:spTgt spid="3">
+                                            <p:txEl>
+                                              <p:pRg st="1" end="1"/>
+                                            </p:txEl>
+                                          </p:spTgt>
+                                        </p:tgtEl>
+                                        <p:attrNameLst>
+                                          <p:attrName>style.visibility</p:attrName>
+                                        </p:attrNameLst>
+                                      </p:cBhvr>
+                                      <p:to>
+                                        <p:strVal val="visible"/>
+                                      </p:to>
+                                    </p:set>
+                                    <p:animEffect transition="in" filter="wipe(left)">
+                                      <p:cBhvr>
+                                        <p:cTn id="12" dur="500"/>
+                                        <p:tgtEl>
+                                          <p:spTgt spid="3">
+                                            <p:txEl>
+                                              <p:pRg st="1" end="1"/>
+                                            </p:txEl>
+                                          </p:spTgt>
+                                        </p:tgtEl>
+                                      </p:cBhvr>
+                                    </p:animEffect>
+                                  </p:childTnLst>
+                                </p:cTn>
+                              </p:par>
+                            </p:childTnLst>
+                          </p:cTn>
+                        </p:par>
+                      </p:childTnLst>
+                    </p:cTn>
+                  </p:par>
+                  <p:par>
+                    <p:cTn id="13" fill="hold">
+                      <p:stCondLst>
+                        <p:cond delay="indefinite"/>
+                      </p:stCondLst>
+                      <p:childTnLst>
+                        <p:par>
+                          <p:cTn id="14" fill="hold">
+                            <p:stCondLst>
+                              <p:cond delay="0"/>
+                            </p:stCondLst>
+                            <p:childTnLst>
+                              <p:par>
+                                <p:cTn id="15" presetID="22" presetClass="entr" presetSubtype="8" fill="hold" grpId="0" nodeType="clickEffect">
+                                  <p:stCondLst>
+                                    <p:cond delay="0"/>
+                                  </p:stCondLst>
+                                  <p:childTnLst>
+                                    <p:set>
+                                      <p:cBhvr>
+                                        <p:cTn id="16" dur="1" fill="hold">
+                                          <p:stCondLst>
+                                            <p:cond delay="0"/>
+                                          </p:stCondLst>
+                                        </p:cTn>
+                                        <p:tgtEl>
+                                          <p:spTgt spid="3">
+                                            <p:txEl>
+                                              <p:pRg st="2" end="2"/>
+                                            </p:txEl>
+                                          </p:spTgt>
+                                        </p:tgtEl>
+                                        <p:attrNameLst>
+                                          <p:attrName>style.visibility</p:attrName>
+                                        </p:attrNameLst>
+                                      </p:cBhvr>
+                                      <p:to>
+                                        <p:strVal val="visible"/>
+                                      </p:to>
+                                    </p:set>
+                                    <p:animEffect transition="in" filter="wipe(left)">
+                                      <p:cBhvr>
+                                        <p:cTn id="17" dur="500"/>
+                                        <p:tgtEl>
+                                          <p:spTgt spid="3">
+                                            <p:txEl>
+                                              <p:pRg st="2" end="2"/>
+                                            </p:txEl>
+                                          </p:spTgt>
+                                        </p:tgtEl>
+                                      </p:cBhvr>
+                                    </p:animEffect>
+                                  </p:childTnLst>
+                                </p:cTn>
+                              </p:par>
+                            </p:childTnLst>
+                          </p:cTn>
+                        </p:par>
+                      </p:childTnLst>
+                    </p:cTn>
+                  </p:par>
+                  <p:par>
+                    <p:cTn id="18" fill="hold">
+                      <p:stCondLst>
+                        <p:cond delay="indefinite"/>
+                      </p:stCondLst>
+                      <p:childTnLst>
+                        <p:par>
+                          <p:cTn id="19" fill="hold">
+                            <p:stCondLst>
+                              <p:cond delay="0"/>
+                            </p:stCondLst>
+                            <p:childTnLst>
+                              <p:par>
+                                <p:cTn id="20" presetID="22" presetClass="entr" presetSubtype="8" fill="hold" grpId="0" nodeType="clickEffect">
+                                  <p:stCondLst>
+                                    <p:cond delay="0"/>
+                                  </p:stCondLst>
+                                  <p:childTnLst>
+                                    <p:set>
+                                      <p:cBhvr>
+                                        <p:cTn id="21" dur="1" fill="hold">
+                                          <p:stCondLst>
+                                            <p:cond delay="0"/>
+                                          </p:stCondLst>
+                                        </p:cTn>
+                                        <p:tgtEl>
+                                          <p:spTgt spid="3">
+                                            <p:txEl>
+                                              <p:pRg st="3" end="3"/>
+                                            </p:txEl>
+                                          </p:spTgt>
+                                        </p:tgtEl>
+                                        <p:attrNameLst>
+                                          <p:attrName>style.visibility</p:attrName>
+                                        </p:attrNameLst>
+                                      </p:cBhvr>
+                                      <p:to>
+                                        <p:strVal val="visible"/>
+                                      </p:to>
+                                    </p:set>
+                                    <p:animEffect transition="in" filter="wipe(left)">
+                                      <p:cBhvr>
+                                        <p:cTn id="22" dur="500"/>
+                                        <p:tgtEl>
+                                          <p:spTgt spid="3">
+                                            <p:txEl>
+                                              <p:pRg st="3" end="3"/>
+                                            </p:txEl>
+                                          </p:spTgt>
+                                        </p:tgtEl>
+                                      </p:cBhvr>
+                                    </p:animEffect>
+                                  </p:childTnLst>
+                                </p:cTn>
+                              </p:par>
+                            </p:childTnLst>
+                          </p:cTn>
+                        </p:par>
+                      </p:childTnLst>
+                    </p:cTn>
+                  </p:par>
+                  <p:par>
+                    <p:cTn id="23" fill="hold">
+                      <p:stCondLst>
+                        <p:cond delay="indefinite"/>
+                      </p:stCondLst>
+                      <p:childTnLst>
+                        <p:par>
+                          <p:cTn id="24" fill="hold">
+                            <p:stCondLst>
+                              <p:cond delay="0"/>
+                            </p:stCondLst>
+                            <p:childTnLst>
+                              <p:par>
+                                <p:cTn id="25" presetID="22" presetClass="entr" presetSubtype="8" fill="hold" grpId="0" nodeType="clickEffect">
+                                  <p:stCondLst>
+                                    <p:cond delay="0"/>
+                                  </p:stCondLst>
+                                  <p:childTnLst>
+                                    <p:set>
+                                      <p:cBhvr>
+                                        <p:cTn id="26" dur="1" fill="hold">
+                                          <p:stCondLst>
+                                            <p:cond delay="0"/>
+                                          </p:stCondLst>
+                                        </p:cTn>
+                                        <p:tgtEl>
+                                          <p:spTgt spid="3">
+                                            <p:txEl>
+                                              <p:pRg st="4" end="4"/>
+                                            </p:txEl>
+                                          </p:spTgt>
+                                        </p:tgtEl>
+                                        <p:attrNameLst>
+                                          <p:attrName>style.visibility</p:attrName>
+                                        </p:attrNameLst>
+                                      </p:cBhvr>
+                                      <p:to>
+                                        <p:strVal val="visible"/>
+                                      </p:to>
+                                    </p:set>
+                                    <p:animEffect transition="in" filter="wipe(left)">
+                                      <p:cBhvr>
+                                        <p:cTn id="27" dur="500"/>
+                                        <p:tgtEl>
+                                          <p:spTgt spid="3">
+                                            <p:txEl>
+                                              <p:pRg st="4" end="4"/>
+                                            </p:txEl>
+                                          </p:spTgt>
+                                        </p:tgtEl>
+                                      </p:cBhvr>
+                                    </p:animEffect>
+                                  </p:childTnLst>
+                                </p:cTn>
+                              </p:par>
+                            </p:childTnLst>
+                          </p:cTn>
+                        </p:par>
+                      </p:childTnLst>
+                    </p:cTn>
+                  </p:par>
+                </p:childTnLst>
+              </p:cTn>
+              <p:prevCondLst>
+                <p:cond evt="onPrev" delay="0">
+                  <p:tgtEl>
+                    <p:sldTgt/>
+                  </p:tgtEl>
+                </p:cond>
+              </p:prevCondLst>
+              <p:nextCondLst>
+                <p:cond evt="onNext" delay="0">
+                  <p:tgtEl>
+                    <p:sldTgt/>
+                  </p:tgtEl>
+                </p:cond>
+              </p:nextCondLst>
+            </p:seq>
+          </p:childTnLst>
+        </p:cTn>
+      </p:par>
+    </p:tnLst>
+    <p:bldLst>
+      <p:bldP spid="3" grpId="0" build="p"/>
+    </p:bldLst>
+  </p:timing>
+</p:sld>
+</file>
+
+<file path=ppt/slides/slide12.xml><?xml version="1.0" encoding="utf-8"?>
+<p:sld xmlns:a="http://schemas.openxmlformats.org/drawingml/2006/main" xmlns:r="http://schemas.openxmlformats.org/officeDocument/2006/relationships" xmlns:p="http://schemas.openxmlformats.org/presentationml/2006/main">
+  <p:cSld>
+    <p:spTree>
+      <p:nvGrpSpPr>
+        <p:cNvPr id="1" name="">
+          <a:extLst>
+            <a:ext uri="{FF2B5EF4-FFF2-40B4-BE49-F238E27FC236}">
+              <a16:creationId xmlns:a16="http://schemas.microsoft.com/office/drawing/2014/main" id="{7A2F18F0-B19B-5A42-79F9-7648AAB476E1}"/>
+            </a:ext>
+          </a:extLst>
+        </p:cNvPr>
+        <p:cNvGrpSpPr/>
+        <p:nvPr/>
+      </p:nvGrpSpPr>
+      <p:grpSpPr>
+        <a:xfrm>
+          <a:off x="0" y="0"/>
+          <a:ext cx="0" cy="0"/>
+          <a:chOff x="0" y="0"/>
+          <a:chExt cx="0" cy="0"/>
+        </a:xfrm>
+      </p:grpSpPr>
+      <p:sp>
+        <p:nvSpPr>
+          <p:cNvPr id="4" name="Title 3">
+            <a:extLst>
+              <a:ext uri="{FF2B5EF4-FFF2-40B4-BE49-F238E27FC236}">
+                <a16:creationId xmlns:a16="http://schemas.microsoft.com/office/drawing/2014/main" id="{FBBD7D0A-FD39-5AE6-3659-9E6652979EF2}"/>
+              </a:ext>
+            </a:extLst>
+          </p:cNvPr>
+          <p:cNvSpPr>
+            <a:spLocks noGrp="1"/>
+          </p:cNvSpPr>
+          <p:nvPr>
+            <p:ph type="ctrTitle"/>
+          </p:nvPr>
+        </p:nvSpPr>
+        <p:spPr>
+          <a:xfrm>
+            <a:off x="715264" y="815412"/>
+            <a:ext cx="10468864" cy="1535220"/>
+          </a:xfrm>
+        </p:spPr>
+        <p:txBody>
+          <a:bodyPr>
+            <a:normAutofit fontScale="90000"/>
+          </a:bodyPr>
+          <a:lstStyle/>
+          <a:p>
+            <a:pPr algn="l"/>
+            <a:r>
+              <a:rPr lang="zh-CN" altLang="en-US" sz="4400" dirty="0"/>
+              <a:t>使用</a:t>
+            </a:r>
+            <a:r>
+              <a:rPr lang="en-US" altLang="zh-CN" sz="4400" dirty="0"/>
+              <a:t>Protégé</a:t>
+            </a:r>
+            <a:r>
+              <a:rPr lang="zh-CN" altLang="en-US" sz="4400" dirty="0"/>
+              <a:t>建立中国医学本体模型</a:t>
+            </a:r>
+            <a:br>
+              <a:rPr lang="en-US" altLang="zh-CN" sz="4400" dirty="0"/>
+            </a:br>
+            <a:r>
+              <a:rPr lang="en-US" altLang="zh-CN" sz="4400" dirty="0"/>
+              <a:t>CN-MEDO Ontology - </a:t>
+            </a:r>
+            <a:r>
+              <a:rPr lang="en-US" altLang="zh-CN" sz="7200" dirty="0"/>
+              <a:t>011</a:t>
+            </a:r>
+            <a:endParaRPr lang="en-US" sz="4400" dirty="0"/>
+          </a:p>
+        </p:txBody>
+      </p:sp>
+      <p:sp>
+        <p:nvSpPr>
+          <p:cNvPr id="2" name="TextBox 1">
+            <a:extLst>
+              <a:ext uri="{FF2B5EF4-FFF2-40B4-BE49-F238E27FC236}">
+                <a16:creationId xmlns:a16="http://schemas.microsoft.com/office/drawing/2014/main" id="{7BAB936B-6853-96B9-2EA4-CA6824376BE0}"/>
+              </a:ext>
+            </a:extLst>
+          </p:cNvPr>
+          <p:cNvSpPr txBox="1"/>
+          <p:nvPr/>
+        </p:nvSpPr>
+        <p:spPr>
+          <a:xfrm>
+            <a:off x="5949696" y="5793739"/>
+            <a:ext cx="5800178" cy="923330"/>
+          </a:xfrm>
+          <a:prstGeom prst="rect">
+            <a:avLst/>
+          </a:prstGeom>
+          <a:solidFill>
+            <a:schemeClr val="accent3">
+              <a:lumMod val="20000"/>
+              <a:lumOff val="80000"/>
+            </a:schemeClr>
+          </a:solidFill>
+          <a:ln>
+            <a:solidFill>
+              <a:schemeClr val="bg2"/>
+            </a:solidFill>
+          </a:ln>
+        </p:spPr>
+        <p:txBody>
+          <a:bodyPr wrap="none" rtlCol="0">
+            <a:spAutoFit/>
+          </a:bodyPr>
+          <a:lstStyle/>
+          <a:p>
+            <a:r>
+              <a:rPr lang="en-US" dirty="0"/>
+              <a:t>GitHub: </a:t>
+            </a:r>
+            <a:r>
+              <a:rPr lang="en-US" dirty="0">
+                <a:hlinkClick r:id="rId3"/>
+              </a:rPr>
+              <a:t>https://github.com/yasenstar/Chinese_Culture</a:t>
+            </a:r>
+            <a:endParaRPr lang="en-US" dirty="0"/>
+          </a:p>
+          <a:p>
+            <a:endParaRPr lang="en-US" dirty="0"/>
+          </a:p>
+          <a:p>
+            <a:r>
+              <a:rPr lang="en-US" dirty="0"/>
+              <a:t>Gitee: </a:t>
+            </a:r>
+            <a:r>
+              <a:rPr lang="en-US" dirty="0">
+                <a:hlinkClick r:id="rId4"/>
+              </a:rPr>
+              <a:t>https://gitee.com/yasenstar/Chinese_Culture</a:t>
+            </a:r>
+            <a:endParaRPr lang="en-US" dirty="0"/>
+          </a:p>
+        </p:txBody>
+      </p:sp>
+      <p:sp>
+        <p:nvSpPr>
+          <p:cNvPr id="3" name="Subtitle 4">
+            <a:extLst>
+              <a:ext uri="{FF2B5EF4-FFF2-40B4-BE49-F238E27FC236}">
+                <a16:creationId xmlns:a16="http://schemas.microsoft.com/office/drawing/2014/main" id="{A2B4AC1D-9459-E328-CB8B-937B80569488}"/>
+              </a:ext>
+            </a:extLst>
+          </p:cNvPr>
+          <p:cNvSpPr txBox="1">
+            <a:spLocks/>
+          </p:cNvSpPr>
+          <p:nvPr/>
+        </p:nvSpPr>
+        <p:spPr>
+          <a:xfrm>
+            <a:off x="331693" y="2537011"/>
+            <a:ext cx="7888941" cy="3256728"/>
+          </a:xfrm>
+          <a:prstGeom prst="rect">
+            <a:avLst/>
+          </a:prstGeom>
+        </p:spPr>
+        <p:txBody>
+          <a:bodyPr vert="horz" lIns="0" rIns="18288">
+            <a:noAutofit/>
+          </a:bodyPr>
+          <a:lstStyle>
+            <a:lvl1pPr marL="0" marR="45720" indent="0" algn="r" rtl="0" eaLnBrk="1" latinLnBrk="0" hangingPunct="1">
+              <a:spcBef>
+                <a:spcPct val="20000"/>
+              </a:spcBef>
+              <a:buClr>
+                <a:schemeClr val="accent3">
+                  <a:lumMod val="50000"/>
+                </a:schemeClr>
+              </a:buClr>
+              <a:buSzPct val="95000"/>
+              <a:buFont typeface="Wingdings 2"/>
+              <a:buNone/>
+              <a:defRPr kumimoji="0" sz="2600" kern="1200">
+                <a:solidFill>
+                  <a:schemeClr val="tx1"/>
+                </a:solidFill>
+                <a:latin typeface="+mn-lt"/>
+                <a:ea typeface="+mn-ea"/>
+                <a:cs typeface="+mn-cs"/>
+              </a:defRPr>
+            </a:lvl1pPr>
+            <a:lvl2pPr marL="457200" indent="0" algn="ctr" rtl="0" eaLnBrk="1" latinLnBrk="0" hangingPunct="1">
+              <a:spcBef>
+                <a:spcPct val="20000"/>
+              </a:spcBef>
+              <a:buClr>
+                <a:schemeClr val="accent1">
+                  <a:lumMod val="50000"/>
+                </a:schemeClr>
+              </a:buClr>
+              <a:buSzPct val="85000"/>
+              <a:buFont typeface="Wingdings 2"/>
+              <a:buNone/>
+              <a:defRPr kumimoji="0" sz="2400" kern="1200">
+                <a:solidFill>
+                  <a:schemeClr val="tx1"/>
+                </a:solidFill>
+                <a:latin typeface="+mn-lt"/>
+                <a:ea typeface="+mn-ea"/>
+                <a:cs typeface="+mn-cs"/>
+              </a:defRPr>
+            </a:lvl2pPr>
+            <a:lvl3pPr marL="914400" indent="0" algn="ctr" rtl="0" eaLnBrk="1" latinLnBrk="0" hangingPunct="1">
+              <a:spcBef>
+                <a:spcPct val="20000"/>
+              </a:spcBef>
+              <a:buClr>
+                <a:schemeClr val="accent2">
+                  <a:lumMod val="50000"/>
+                </a:schemeClr>
+              </a:buClr>
+              <a:buSzPct val="70000"/>
+              <a:buFont typeface="Wingdings 2"/>
+              <a:buNone/>
+              <a:defRPr kumimoji="0" sz="2100" kern="1200">
+                <a:solidFill>
+                  <a:schemeClr val="tx1"/>
+                </a:solidFill>
+                <a:latin typeface="+mn-lt"/>
+                <a:ea typeface="+mn-ea"/>
+                <a:cs typeface="+mn-cs"/>
+              </a:defRPr>
+            </a:lvl3pPr>
+            <a:lvl4pPr marL="1371600" indent="0" algn="ctr" rtl="0" eaLnBrk="1" latinLnBrk="0" hangingPunct="1">
+              <a:spcBef>
+                <a:spcPct val="20000"/>
+              </a:spcBef>
+              <a:buClr>
+                <a:schemeClr val="accent3">
+                  <a:lumMod val="50000"/>
+                </a:schemeClr>
+              </a:buClr>
+              <a:buSzPct val="65000"/>
+              <a:buFont typeface="Wingdings 2"/>
+              <a:buNone/>
+              <a:defRPr kumimoji="0" sz="2000" kern="1200">
+                <a:solidFill>
+                  <a:schemeClr val="tx1"/>
+                </a:solidFill>
+                <a:latin typeface="+mn-lt"/>
+                <a:ea typeface="+mn-ea"/>
+                <a:cs typeface="+mn-cs"/>
+              </a:defRPr>
+            </a:lvl4pPr>
+            <a:lvl5pPr marL="1828800" indent="0" algn="ctr" rtl="0" eaLnBrk="1" latinLnBrk="0" hangingPunct="1">
+              <a:spcBef>
+                <a:spcPct val="20000"/>
+              </a:spcBef>
+              <a:buClr>
+                <a:schemeClr val="accent4">
+                  <a:lumMod val="75000"/>
+                </a:schemeClr>
+              </a:buClr>
+              <a:buSzPct val="65000"/>
+              <a:buFont typeface="Wingdings 2"/>
+              <a:buNone/>
+              <a:defRPr kumimoji="0" sz="2000" kern="1200">
+                <a:solidFill>
+                  <a:schemeClr val="tx1"/>
+                </a:solidFill>
+                <a:latin typeface="+mn-lt"/>
+                <a:ea typeface="+mn-ea"/>
+                <a:cs typeface="+mn-cs"/>
+              </a:defRPr>
+            </a:lvl5pPr>
+            <a:lvl6pPr marL="2286000" indent="0" algn="ctr" rtl="0" eaLnBrk="1" latinLnBrk="0" hangingPunct="1">
+              <a:spcBef>
+                <a:spcPct val="20000"/>
+              </a:spcBef>
+              <a:buClr>
+                <a:schemeClr val="accent5">
+                  <a:lumMod val="50000"/>
+                </a:schemeClr>
+              </a:buClr>
+              <a:buSzPct val="80000"/>
+              <a:buFont typeface="Wingdings 2"/>
+              <a:buNone/>
+              <a:defRPr kumimoji="0" sz="1800" kern="1200">
+                <a:solidFill>
+                  <a:schemeClr val="tx1"/>
+                </a:solidFill>
+                <a:latin typeface="+mn-lt"/>
+                <a:ea typeface="+mn-ea"/>
+                <a:cs typeface="+mn-cs"/>
+              </a:defRPr>
+            </a:lvl6pPr>
+            <a:lvl7pPr marL="2743200" indent="0" algn="ctr" rtl="0" eaLnBrk="1" latinLnBrk="0" hangingPunct="1">
+              <a:spcBef>
+                <a:spcPct val="20000"/>
+              </a:spcBef>
+              <a:buClr>
+                <a:schemeClr val="accent6">
+                  <a:lumMod val="75000"/>
+                </a:schemeClr>
+              </a:buClr>
+              <a:buSzPct val="80000"/>
+              <a:buFont typeface="Wingdings 2"/>
+              <a:buNone/>
+              <a:defRPr kumimoji="0" sz="1600" kern="1200" baseline="0">
+                <a:solidFill>
+                  <a:schemeClr val="tx1"/>
+                </a:solidFill>
+                <a:latin typeface="+mn-lt"/>
+                <a:ea typeface="+mn-ea"/>
+                <a:cs typeface="+mn-cs"/>
+              </a:defRPr>
+            </a:lvl7pPr>
+            <a:lvl8pPr marL="3200400" indent="0" algn="ctr" rtl="0" eaLnBrk="1" latinLnBrk="0" hangingPunct="1">
+              <a:spcBef>
+                <a:spcPct val="20000"/>
+              </a:spcBef>
+              <a:buClr>
+                <a:schemeClr val="tx2"/>
+              </a:buClr>
+              <a:buNone/>
+              <a:defRPr kumimoji="0" sz="1600" kern="1200">
+                <a:solidFill>
+                  <a:schemeClr val="tx1"/>
+                </a:solidFill>
+                <a:latin typeface="+mn-lt"/>
+                <a:ea typeface="+mn-ea"/>
+                <a:cs typeface="+mn-cs"/>
+              </a:defRPr>
+            </a:lvl8pPr>
+            <a:lvl9pPr marL="3657600" indent="0" algn="ctr" rtl="0" eaLnBrk="1" latinLnBrk="0" hangingPunct="1">
+              <a:spcBef>
+                <a:spcPct val="20000"/>
+              </a:spcBef>
+              <a:buClr>
+                <a:schemeClr val="tx2"/>
+              </a:buClr>
+              <a:buFontTx/>
+              <a:buNone/>
+              <a:defRPr kumimoji="0" sz="1400" kern="1200" baseline="0">
+                <a:solidFill>
+                  <a:schemeClr val="tx1"/>
+                </a:solidFill>
+                <a:latin typeface="+mn-lt"/>
+                <a:ea typeface="+mn-ea"/>
+                <a:cs typeface="+mn-cs"/>
+              </a:defRPr>
+            </a:lvl9pPr>
+          </a:lstStyle>
+          <a:p>
+            <a:pPr marL="457200" indent="-457200" algn="l">
+              <a:lnSpc>
+                <a:spcPct val="120000"/>
+              </a:lnSpc>
+              <a:buFont typeface="Arial" panose="020B0604020202020204" pitchFamily="34" charset="0"/>
+              <a:buChar char="•"/>
+            </a:pPr>
+            <a:r>
+              <a:rPr lang="zh-CN" altLang="en-US" sz="4400" dirty="0"/>
+              <a:t>“伤寒杂病论”方剂与病脉证数据建模演示 </a:t>
+            </a:r>
+            <a:r>
+              <a:rPr lang="en-US" altLang="zh-CN" sz="4400" dirty="0"/>
+              <a:t>(</a:t>
+            </a:r>
+            <a:r>
+              <a:rPr lang="zh-CN" altLang="en-US" sz="4400" dirty="0"/>
+              <a:t>第</a:t>
+            </a:r>
+            <a:r>
+              <a:rPr lang="en-US" altLang="zh-CN" sz="4400" dirty="0"/>
+              <a:t>4</a:t>
+            </a:r>
+            <a:r>
+              <a:rPr lang="zh-CN" altLang="en-US" sz="4400" dirty="0"/>
+              <a:t>、</a:t>
+            </a:r>
+            <a:r>
+              <a:rPr lang="en-US" altLang="zh-CN" sz="4400" dirty="0"/>
+              <a:t>5</a:t>
+            </a:r>
+            <a:r>
+              <a:rPr lang="zh-CN" altLang="en-US" sz="4400" dirty="0"/>
+              <a:t>章</a:t>
+            </a:r>
+            <a:r>
+              <a:rPr lang="en-US" altLang="zh-CN" sz="4400" dirty="0"/>
+              <a:t>)</a:t>
+            </a:r>
+          </a:p>
+        </p:txBody>
+      </p:sp>
+      <p:pic>
+        <p:nvPicPr>
+          <p:cNvPr id="14" name="Picture 13">
+            <a:extLst>
+              <a:ext uri="{FF2B5EF4-FFF2-40B4-BE49-F238E27FC236}">
+                <a16:creationId xmlns:a16="http://schemas.microsoft.com/office/drawing/2014/main" id="{383F1D55-D473-49D7-54AF-75EBD5D5FB94}"/>
+              </a:ext>
+            </a:extLst>
+          </p:cNvPr>
+          <p:cNvPicPr>
+            <a:picLocks noChangeAspect="1"/>
+          </p:cNvPicPr>
+          <p:nvPr/>
+        </p:nvPicPr>
+        <p:blipFill>
+          <a:blip r:embed="rId5"/>
+          <a:stretch>
+            <a:fillRect/>
+          </a:stretch>
+        </p:blipFill>
+        <p:spPr>
+          <a:xfrm>
+            <a:off x="116923" y="6284428"/>
+            <a:ext cx="2120630" cy="441606"/>
+          </a:xfrm>
+          <a:prstGeom prst="rect">
+            <a:avLst/>
+          </a:prstGeom>
+          <a:ln>
+            <a:noFill/>
+          </a:ln>
+          <a:effectLst>
+            <a:outerShdw blurRad="292100" dist="139700" dir="2700000" algn="tl" rotWithShape="0">
+              <a:srgbClr val="333333">
+                <a:alpha val="65000"/>
+              </a:srgbClr>
+            </a:outerShdw>
+          </a:effectLst>
+        </p:spPr>
+      </p:pic>
+      <p:pic>
+        <p:nvPicPr>
+          <p:cNvPr id="1026" name="Picture 2" descr="伤寒杂病论（Word+PDF+ePub+PPT） | 学习用书">
+            <a:extLst>
+              <a:ext uri="{FF2B5EF4-FFF2-40B4-BE49-F238E27FC236}">
+                <a16:creationId xmlns:a16="http://schemas.microsoft.com/office/drawing/2014/main" id="{3AF5F4ED-0110-653A-8AF8-75741E830295}"/>
+              </a:ext>
+            </a:extLst>
+          </p:cNvPr>
+          <p:cNvPicPr>
+            <a:picLocks noChangeAspect="1" noChangeArrowheads="1"/>
+          </p:cNvPicPr>
+          <p:nvPr/>
+        </p:nvPicPr>
+        <p:blipFill>
+          <a:blip r:embed="rId6">
+            <a:extLst>
+              <a:ext uri="{28A0092B-C50C-407E-A947-70E740481C1C}">
+                <a14:useLocalDpi xmlns:a14="http://schemas.microsoft.com/office/drawing/2010/main" val="0"/>
+              </a:ext>
+            </a:extLst>
+          </a:blip>
+          <a:srcRect/>
+          <a:stretch>
+            <a:fillRect/>
+          </a:stretch>
+        </p:blipFill>
+        <p:spPr bwMode="auto">
+          <a:xfrm>
+            <a:off x="8471673" y="1452283"/>
+            <a:ext cx="2798923" cy="4080062"/>
+          </a:xfrm>
+          <a:prstGeom prst="rect">
+            <a:avLst/>
+          </a:prstGeom>
+          <a:ln>
+            <a:noFill/>
+          </a:ln>
+          <a:effectLst>
+            <a:outerShdw blurRad="292100" dist="139700" dir="2700000" algn="tl" rotWithShape="0">
+              <a:srgbClr val="333333">
+                <a:alpha val="65000"/>
+              </a:srgbClr>
+            </a:outerShdw>
+          </a:effectLst>
+          <a:extLst>
+            <a:ext uri="{909E8E84-426E-40DD-AFC4-6F175D3DCCD1}">
+              <a14:hiddenFill xmlns:a14="http://schemas.microsoft.com/office/drawing/2010/main">
+                <a:solidFill>
+                  <a:srgbClr val="FFFFFF"/>
+                </a:solidFill>
+              </a14:hiddenFill>
+            </a:ext>
+          </a:extLst>
+        </p:spPr>
+      </p:pic>
+      <p:pic>
+        <p:nvPicPr>
+          <p:cNvPr id="6" name="Picture 5">
+            <a:extLst>
+              <a:ext uri="{FF2B5EF4-FFF2-40B4-BE49-F238E27FC236}">
+                <a16:creationId xmlns:a16="http://schemas.microsoft.com/office/drawing/2014/main" id="{90E5FBE7-6EC0-E518-8872-C9ED657B2A32}"/>
+              </a:ext>
+            </a:extLst>
+          </p:cNvPr>
+          <p:cNvPicPr>
+            <a:picLocks noChangeAspect="1"/>
+          </p:cNvPicPr>
+          <p:nvPr/>
+        </p:nvPicPr>
+        <p:blipFill>
+          <a:blip r:embed="rId7"/>
+          <a:stretch>
+            <a:fillRect/>
+          </a:stretch>
+        </p:blipFill>
+        <p:spPr>
+          <a:xfrm>
+            <a:off x="9169021" y="30143"/>
+            <a:ext cx="2327251" cy="785269"/>
+          </a:xfrm>
+          <a:prstGeom prst="rect">
+            <a:avLst/>
+          </a:prstGeom>
+          <a:ln>
+            <a:noFill/>
+          </a:ln>
+          <a:effectLst>
+            <a:softEdge rad="112500"/>
+          </a:effectLst>
+        </p:spPr>
+      </p:pic>
+    </p:spTree>
+    <p:extLst>
+      <p:ext uri="{BB962C8B-B14F-4D97-AF65-F5344CB8AC3E}">
+        <p14:creationId xmlns:p14="http://schemas.microsoft.com/office/powerpoint/2010/main" val="1743162084"/>
+      </p:ext>
+    </p:extLst>
+  </p:cSld>
+  <p:clrMapOvr>
+    <a:masterClrMapping/>
+  </p:clrMapOvr>
+  <mc:AlternateContent xmlns:mc="http://schemas.openxmlformats.org/markup-compatibility/2006" xmlns:p14="http://schemas.microsoft.com/office/powerpoint/2010/main">
+    <mc:Choice Requires="p14">
+      <p:transition spd="med" p14:dur="700">
+        <p:fade/>
+      </p:transition>
+    </mc:Choice>
+    <mc:Fallback xmlns="">
       <p:transition spd="med">
         <p:fade/>
       </p:transition>
